--- a/lectures/lecture-20/Lecture-Live D00/Lecture 20 - Lecture.pptx
+++ b/lectures/lecture-20/Lecture-Live D00/Lecture 20 - Lecture.pptx
@@ -142,6 +142,1323 @@
     </p:ext>
   </p:extLst>
 </p:presentation>
+</file>
+
+<file path=ppt/ink/ink1.xml><?xml version="1.0" encoding="utf-8"?>
+<inkml:ink xmlns:inkml="http://www.w3.org/2003/InkML">
+  <inkml:definitions>
+    <inkml:context xml:id="ctx0">
+      <inkml:inkSource xml:id="inkSrc0">
+        <inkml:traceFormat>
+          <inkml:channel name="X" type="integer" min="-2.14748E9" max="2.14748E9" units="cm"/>
+          <inkml:channel name="Y" type="integer" min="-2.14748E9" max="2.14748E9" units="cm"/>
+          <inkml:channel name="F" type="integer" max="32767" units="dev"/>
+          <inkml:channel name="OA" type="integer" max="360" units="deg"/>
+          <inkml:channel name="OE" type="integer" max="90" units="deg"/>
+        </inkml:traceFormat>
+        <inkml:channelProperties>
+          <inkml:channelProperty channel="X" name="resolution" value="1000" units="1/cm"/>
+          <inkml:channelProperty channel="Y" name="resolution" value="1000" units="1/cm"/>
+          <inkml:channelProperty channel="F" name="resolution" value="0" units="1/dev"/>
+          <inkml:channelProperty channel="OA" name="resolution" value="1000" units="1/deg"/>
+          <inkml:channelProperty channel="OE" name="resolution" value="1000" units="1/deg"/>
+        </inkml:channelProperties>
+      </inkml:inkSource>
+      <inkml:timestamp xml:id="ts0" timeString="2021-02-24T20:00:39.955"/>
+    </inkml:context>
+    <inkml:brush xml:id="br0">
+      <inkml:brushProperty name="width" value="0.05" units="cm"/>
+      <inkml:brushProperty name="height" value="0.05" units="cm"/>
+      <inkml:brushProperty name="color" value="#004F8B"/>
+    </inkml:brush>
+  </inkml:definitions>
+  <inkml:trace contextRef="#ctx0" brushRef="#br0">6 113 4608 0 0,'-5'0'10374'0'0,"59"-4"-8433"0"0,-32 1-393 0 0,59-5-1386 0 0,6 3 554 0 0,148-23-554 0 0,-218 27-161 0 0,-10 0 2 0 0,0 0-1 0 0,0 1 1 0 0,1 0-1 0 0,10 1 1 0 0,26 4 181 0 0,-31-5-160 0 0,0 2 0 0 0,0 0 0 0 0,16 4 0 0 0,62 14-95 0 0,-32-8-57 0 0,-31-8 129 0 0,1-1 0 0 0,0-1 0 0 0,0-1 0 0 0,42-5 0 0 0,-63 3 119 0 0,15 0 329 0 0,104-5 328 0 0,35 4-367 0 0,-132 2-313 0 0,-10-1-41 0 0,35 4 1 0 0,-30-1 188 0 0,40-1 1 0 0,-29-2-83 0 0,58-3 317 0 0,-78 3-268 0 0,22-4-1 0 0,-5 1 38 0 0,170-8 599 0 0,-183 12-533 0 0,10-1-84 0 0,-11-1-96 0 0,-13 1-67 0 0,0 0 0 0 0,0 0 0 0 0,-1 0 1 0 0,1-1-1 0 0,8-2 0 0 0,-9 1 27 0 0,-3 2-60 0 0,1 0 0 0 0,0 0-1 0 0,-1 0 1 0 0,0-1 0 0 0,1 1 0 0 0,-1-1-1 0 0,0 1 1 0 0,0-1 0 0 0,0 0 0 0 0,0 0 0 0 0,0 0-1 0 0,0 0 1 0 0,0 0 0 0 0,-1 0 0 0 0,1-1-1 0 0,1-2 1 0 0,-2 2 59 0 0,-1 3-92 0 0,1 0 1 0 0,-1-1-1 0 0,0 1 1 0 0,1-1-1 0 0,-1 1 1 0 0,0-1-1 0 0,0 1 0 0 0,0-1 1 0 0,1 1-1 0 0,-1-1 1 0 0,0 1-1 0 0,0-1 1 0 0,0 0-1 0 0,0 1 1 0 0,0-1-1 0 0,0 1 1 0 0,0-1-1 0 0,0 1 1 0 0,0-1-1 0 0,0 1 1 0 0,0-1-1 0 0,-1 1 1 0 0,1-1-1 0 0,0 0 1 0 0,0 1-1 0 0,0-1 1 0 0,-1 1-1 0 0,1 0 1 0 0,0-1-1 0 0,-1 1 1 0 0,1-1-1 0 0,0 1 1 0 0,-1-1-1 0 0,1 1 1 0 0,0 0-1 0 0,-1-1 1 0 0,1 1-1 0 0,-1 0 1 0 0,1-1-1 0 0,-1 1 1 0 0,1 0-1 0 0,-1 0 1 0 0,1-1-1 0 0,-2 1 1 0 0,-11-8-1451 0 0,10 4-118 0 0</inkml:trace>
+</inkml:ink>
+</file>
+
+<file path=ppt/ink/ink10.xml><?xml version="1.0" encoding="utf-8"?>
+<inkml:ink xmlns:inkml="http://www.w3.org/2003/InkML">
+  <inkml:definitions>
+    <inkml:context xml:id="ctx0">
+      <inkml:inkSource xml:id="inkSrc0">
+        <inkml:traceFormat>
+          <inkml:channel name="X" type="integer" min="-2.14748E9" max="2.14748E9" units="cm"/>
+          <inkml:channel name="Y" type="integer" min="-2.14748E9" max="2.14748E9" units="cm"/>
+          <inkml:channel name="F" type="integer" max="32767" units="dev"/>
+          <inkml:channel name="OA" type="integer" max="360" units="deg"/>
+          <inkml:channel name="OE" type="integer" max="90" units="deg"/>
+        </inkml:traceFormat>
+        <inkml:channelProperties>
+          <inkml:channelProperty channel="X" name="resolution" value="1000" units="1/cm"/>
+          <inkml:channelProperty channel="Y" name="resolution" value="1000" units="1/cm"/>
+          <inkml:channelProperty channel="F" name="resolution" value="0" units="1/dev"/>
+          <inkml:channelProperty channel="OA" name="resolution" value="1000" units="1/deg"/>
+          <inkml:channelProperty channel="OE" name="resolution" value="1000" units="1/deg"/>
+        </inkml:channelProperties>
+      </inkml:inkSource>
+      <inkml:timestamp xml:id="ts0" timeString="2021-02-24T20:01:07.199"/>
+    </inkml:context>
+    <inkml:brush xml:id="br0">
+      <inkml:brushProperty name="width" value="0.05" units="cm"/>
+      <inkml:brushProperty name="height" value="0.05" units="cm"/>
+      <inkml:brushProperty name="color" value="#004F8B"/>
+    </inkml:brush>
+  </inkml:definitions>
+  <inkml:trace contextRef="#ctx0" brushRef="#br0">34 22 7544 0 0,'-2'0'201'0'0,"0"0"1"0"0,1 1-1 0 0,-1-1 1 0 0,0 0 0 0 0,0 0-1 0 0,1 0 1 0 0,-1 0-1 0 0,0 0 1 0 0,0 0-1 0 0,1-1 1 0 0,-1 1-1 0 0,0 0 1 0 0,1-1-1 0 0,-1 0 1 0 0,0 1 0 0 0,1-1-1 0 0,-4-2 1771 0 0,20-4-194 0 0,3 4-897 0 0,-1 1 0 0 0,0 1 0 0 0,1 1 0 0 0,33 3 0 0 0,10 0 488 0 0,7-1-525 0 0,42-1 97 0 0,-36 0-581 0 0,-28 0-206 0 0,29 1 125 0 0,39-1 120 0 0,-3-1-311 0 0,-13 2 388 0 0,-28 1-57 0 0,6-3-99 0 0,158-5 445 0 0,-139-2-475 0 0,114 6 0 0 0,-84 7-778 0 0,-36 3 1102 0 0,10 1 140 0 0,7 0-483 0 0,31 0-27 0 0,-37-5-188 0 0,2 0 166 0 0,48 3 801 0 0,-103-10-611 0 0,60-8 0 0 0,-67 4-276 0 0,-1 3-1 0 0,1 0 1 0 0,66 6 0 0 0,-81 0 193 0 0,0-2 0 0 0,0-1 0 0 0,38-4 0 0 0,-8-8-1065 0 0,-35 7 731 0 0,24-3-1 0 0,-18 6 26 0 0,1 0 0 0 0,40 3 0 0 0,-5 2 152 0 0,-54-2-156 0 0,-1-2 0 0 0,1 1 0 0 0,-1-1 0 0 0,0 0 1 0 0,1 0-1 0 0,-1-1 0 0 0,14-5 0 0 0,-11 4 8 0 0,1 0-1 0 0,16-3 1 0 0,-19 5 19 0 0,1 1 1 0 0,-1-1-1 0 0,0 2 0 0 0,1-1 1 0 0,-1 1-1 0 0,0 0 0 0 0,0 1 1 0 0,0 0-1 0 0,0 0 0 0 0,0 1 1 0 0,10 4-1 0 0,-14-5-45 0 0,-1 0 1 0 0,1-1-1 0 0,0 1 0 0 0,0-1 0 0 0,0 0 1 0 0,0 0-1 0 0,0-1 0 0 0,1 1 0 0 0,-1-1 1 0 0,0 0-1 0 0,0 0 0 0 0,8-1 0 0 0,-7 2-146 0 0,-4-1 156 0 0,1 1 1 0 0,0-1 0 0 0,-1 0 0 0 0,1 1 0 0 0,0-1 0 0 0,0 0-1 0 0,-1 0 1 0 0,1 0 0 0 0,0-1 0 0 0,0 1 0 0 0,-1 0 0 0 0,1-1-1 0 0,0 1 1 0 0,-1-1 0 0 0,1 1 0 0 0,2-3 0 0 0,-1 0-92 0 0,0 1-1 0 0,1-1 1 0 0,-1 1 0 0 0,0-1 0 0 0,1 1 0 0 0,0 0 0 0 0,-1 0 0 0 0,5-1 0 0 0,-7 3-44 0 0,7-1-325 0 0,-4 2-2725 0 0,-3-1 2957 0 0,3 1-2193 0 0</inkml:trace>
+</inkml:ink>
+</file>
+
+<file path=ppt/ink/ink11.xml><?xml version="1.0" encoding="utf-8"?>
+<inkml:ink xmlns:inkml="http://www.w3.org/2003/InkML">
+  <inkml:definitions>
+    <inkml:context xml:id="ctx0">
+      <inkml:inkSource xml:id="inkSrc0">
+        <inkml:traceFormat>
+          <inkml:channel name="X" type="integer" min="-2.14748E9" max="2.14748E9" units="cm"/>
+          <inkml:channel name="Y" type="integer" min="-2.14748E9" max="2.14748E9" units="cm"/>
+          <inkml:channel name="F" type="integer" max="32767" units="dev"/>
+          <inkml:channel name="OA" type="integer" max="360" units="deg"/>
+          <inkml:channel name="OE" type="integer" max="90" units="deg"/>
+        </inkml:traceFormat>
+        <inkml:channelProperties>
+          <inkml:channelProperty channel="X" name="resolution" value="1000" units="1/cm"/>
+          <inkml:channelProperty channel="Y" name="resolution" value="1000" units="1/cm"/>
+          <inkml:channelProperty channel="F" name="resolution" value="0" units="1/dev"/>
+          <inkml:channelProperty channel="OA" name="resolution" value="1000" units="1/deg"/>
+          <inkml:channelProperty channel="OE" name="resolution" value="1000" units="1/deg"/>
+        </inkml:channelProperties>
+      </inkml:inkSource>
+      <inkml:timestamp xml:id="ts0" timeString="2021-02-24T20:01:10.484"/>
+    </inkml:context>
+    <inkml:brush xml:id="br0">
+      <inkml:brushProperty name="width" value="0.05" units="cm"/>
+      <inkml:brushProperty name="height" value="0.05" units="cm"/>
+      <inkml:brushProperty name="color" value="#004F8B"/>
+    </inkml:brush>
+  </inkml:definitions>
+  <inkml:trace contextRef="#ctx0" brushRef="#br0">124 59 2304 0 0,'-3'-1'802'0'0,"-5"-6"-112"0"0,7 4-396 0 0,-1 0 1 0 0,0 0-1 0 0,1 0 1 0 0,-1 0-1 0 0,0 0 0 0 0,-1 0 1 0 0,1 1-1 0 0,0-1 1 0 0,-6-3-1 0 0,6 4-127 0 0,0 1 1 0 0,-1 0-1 0 0,1-1 0 0 0,0 1 1 0 0,-1 0-1 0 0,1 1 1 0 0,-1-1-1 0 0,-4-1 0 0 0,-7 0 525 0 0,-18-2 3026 0 0,25 3-3725 0 0,-1 1 2988 0 0,8 0-2924 0 0,0 0 0 0 0,0 1-1 0 0,0-1 1 0 0,0 0 0 0 0,0 0 0 0 0,0 1 0 0 0,0-1 0 0 0,0 0 0 0 0,0 0-1 0 0,0 1 1 0 0,0-1 0 0 0,0 0 0 0 0,0 0 0 0 0,0 1 0 0 0,0-1 0 0 0,0 0-1 0 0,0 0 1 0 0,0 0 0 0 0,0 1 0 0 0,0-1 0 0 0,1 0 0 0 0,-1 0 0 0 0,0 1-1 0 0,0-1 1 0 0,0 0 0 0 0,0 0 0 0 0,0 0 0 0 0,1 0 0 0 0,-1 1-1 0 0,1 1 46 0 0,1 0-1 0 0,0 0 1 0 0,-1-1-1 0 0,1 1 1 0 0,0 0-1 0 0,0-1 1 0 0,0 1-1 0 0,0-1 1 0 0,0 0-1 0 0,0 0 1 0 0,3 2-1 0 0,27 8 761 0 0,-29-10-774 0 0,17 4 260 0 0,-1-2-1 0 0,1 1 0 0 0,0-2 0 0 0,-1-1 0 0 0,37-2 0 0 0,119 1 284 0 0,184 1 154 0 0,-271 1-708 0 0,345 21 275 0 0,-422-22-352 0 0,104 7 6 0 0,98 7 135 0 0,-146-8 522 0 0,0-4 0 0 0,70-5 0 0 0,63-7-593 0 0,-94 5 348 0 0,-5-7 131 0 0,-69 7-305 0 0,0 0-1 0 0,56 3 1 0 0,-78 1-205 0 0,73 6 478 0 0,84 18-1 0 0,-144-21-319 0 0,-1 0 1 0 0,26-1-1 0 0,-3 0 275 0 0,-38-2-454 0 0,1 0-1 0 0,-1-1 1 0 0,0 0 0 0 0,0 0-1 0 0,0 0 1 0 0,0-1-1 0 0,0 0 1 0 0,0-1-1 0 0,8-3 1 0 0,-2-2 334 0 0,-12 8-348 0 0,-1 0-1 0 0,0 0 1 0 0,1 0-1 0 0,-1-1 1 0 0,0 1-1 0 0,0 0 0 0 0,1 0 1 0 0,-1-1-1 0 0,0 1 1 0 0,0 0-1 0 0,1 0 1 0 0,-1-1-1 0 0,0 1 1 0 0,0 0-1 0 0,0 0 1 0 0,0-1-1 0 0,0 1 1 0 0,1 0-1 0 0,-1-1 1 0 0,0 1-1 0 0,0 0 1 0 0,0-1-1 0 0,0 1 1 0 0,0 0-1 0 0,0-1 1 0 0,0 1-1 0 0,0 0 1 0 0,0-1-1 0 0,0 1 1 0 0,0 0-1 0 0,0-1 1 0 0,0 1-1 0 0,0 0 1 0 0,0 0-1 0 0,-1-1 1 0 0,1 1-1 0 0,0 0 1 0 0,0-1-1 0 0,0 1 1 0 0,0 0-1 0 0,-1 0 1 0 0,1-1-1 0 0,0 1 0 0 0,0 0 1 0 0,-1 0-1 0 0,1-1 1 0 0,0 1-1 0 0,0 0 1 0 0,-1 0-1 0 0,-10-5-2166 0 0,-25 8-5489 0 0</inkml:trace>
+</inkml:ink>
+</file>
+
+<file path=ppt/ink/ink12.xml><?xml version="1.0" encoding="utf-8"?>
+<inkml:ink xmlns:inkml="http://www.w3.org/2003/InkML">
+  <inkml:definitions>
+    <inkml:context xml:id="ctx0">
+      <inkml:inkSource xml:id="inkSrc0">
+        <inkml:traceFormat>
+          <inkml:channel name="X" type="integer" min="-2.14748E9" max="2.14748E9" units="cm"/>
+          <inkml:channel name="Y" type="integer" min="-2.14748E9" max="2.14748E9" units="cm"/>
+          <inkml:channel name="F" type="integer" max="32767" units="dev"/>
+          <inkml:channel name="OA" type="integer" max="360" units="deg"/>
+          <inkml:channel name="OE" type="integer" max="90" units="deg"/>
+        </inkml:traceFormat>
+        <inkml:channelProperties>
+          <inkml:channelProperty channel="X" name="resolution" value="1000" units="1/cm"/>
+          <inkml:channelProperty channel="Y" name="resolution" value="1000" units="1/cm"/>
+          <inkml:channelProperty channel="F" name="resolution" value="0" units="1/dev"/>
+          <inkml:channelProperty channel="OA" name="resolution" value="1000" units="1/deg"/>
+          <inkml:channelProperty channel="OE" name="resolution" value="1000" units="1/deg"/>
+        </inkml:channelProperties>
+      </inkml:inkSource>
+      <inkml:timestamp xml:id="ts0" timeString="2021-02-24T20:01:12.067"/>
+    </inkml:context>
+    <inkml:brush xml:id="br0">
+      <inkml:brushProperty name="width" value="0.05" units="cm"/>
+      <inkml:brushProperty name="height" value="0.05" units="cm"/>
+      <inkml:brushProperty name="color" value="#004F8B"/>
+    </inkml:brush>
+  </inkml:definitions>
+  <inkml:trace contextRef="#ctx0" brushRef="#br0">3 86 10136 0 0,'0'0'777'0'0,"0"-5"3347"0"0,-1 36-2495 0 0,0 18-1114 0 0,12 71-608 0 0,11 223 700 0 0,-22-303-100 0 0,-1 44 394 0 0,1-53-697 0 0,0-19 287 0 0,0-10 151 0 0,0-4 377 0 0,6-98 320 0 0,-3 22-1074 0 0,-2 37-137 0 0,10-66 0 0 0,6-9 108 0 0,-10 61-53 0 0,2 0 0 0 0,19-60-1 0 0,-22 96-132 0 0,-3 7-15 0 0,1 0 1 0 0,1 0-1 0 0,10-19 0 0 0,-14 28-65 0 0,1 0-1 0 0,-1 1 1 0 0,1-1-1 0 0,0 1 1 0 0,0 0-1 0 0,0 0 1 0 0,0 0-1 0 0,1 0 1 0 0,-1 0-1 0 0,1 0 1 0 0,-1 0-1 0 0,1 1 1 0 0,-1-1-1 0 0,1 1 1 0 0,0 0-1 0 0,0 0 1 0 0,0 0-1 0 0,0 0 1 0 0,0 0-1 0 0,5 0 1 0 0,-4 1 75 0 0,0-1 0 0 0,1 2 0 0 0,-1-1-1 0 0,0 0 1 0 0,0 1 0 0 0,0 0 0 0 0,0 0 0 0 0,0 0 0 0 0,0 0 0 0 0,0 1 0 0 0,0 0 0 0 0,-1-1-1 0 0,8 6 1 0 0,-6-3-33 0 0,0 0 0 0 0,0 0 1 0 0,0 1-1 0 0,-1 0 0 0 0,1 0 0 0 0,-1 0 0 0 0,-1 1 0 0 0,5 5 0 0 0,-2 2-11 0 0,0 1 1 0 0,0-1-1 0 0,-1 1 0 0 0,-1 0 1 0 0,0 0-1 0 0,-1 0 1 0 0,2 19-1 0 0,-3-16 33 0 0,-1 1 0 0 0,-1-1 0 0 0,-1 0 0 0 0,0 0 0 0 0,-1 0 0 0 0,-1 0 0 0 0,-1 0-1 0 0,0 0 1 0 0,-1-1 0 0 0,-9 19 0 0 0,13-32-29 0 0,-1 0 0 0 0,0 0 0 0 0,0 0-1 0 0,0 0 1 0 0,-1 0 0 0 0,1-1 0 0 0,-1 1 0 0 0,1-1-1 0 0,-1 1 1 0 0,0-1 0 0 0,0 0 0 0 0,0 0 0 0 0,0 0 0 0 0,-1 0-1 0 0,1-1 1 0 0,0 1 0 0 0,-1-1 0 0 0,1 0 0 0 0,-1 0-1 0 0,1 0 1 0 0,-6 0 0 0 0,4-1 32 0 0,-1 1 0 0 0,1-1 1 0 0,0 0-1 0 0,0-1 0 0 0,0 0 0 0 0,-1 1 0 0 0,1-2 1 0 0,0 1-1 0 0,0 0 0 0 0,0-1 0 0 0,1 0 1 0 0,-1 0-1 0 0,0-1 0 0 0,-6-4 0 0 0,-5-3 107 0 0,16 12-87 0 0,8 7-34 0 0,8 9-23 0 0,-1 0 0 0 0,-1 1 0 0 0,19 35 0 0 0,15 20 0 0 0,-28-40 0 0 0,-18-29 0 0 0,1 1 0 0 0,0-1 0 0 0,0 0 0 0 0,0 0 0 0 0,1 0 0 0 0,6 6 0 0 0,-9-10-145 0 0,0 0 0 0 0,0 0 0 0 0,0 0-1 0 0,0 0 1 0 0,1 0 0 0 0,-1 0 0 0 0,0 0-1 0 0,1 0 1 0 0,-1 0 0 0 0,0-1 0 0 0,4 2 0 0 0,-3-3-372 0 0,1-1 1 0 0,-1 1 0 0 0,0-1 0 0 0,1 0 0 0 0,-1 1-1 0 0,3-5 1 0 0,-3 5 166 0 0,7-9-1696 0 0</inkml:trace>
+</inkml:ink>
+</file>
+
+<file path=ppt/ink/ink13.xml><?xml version="1.0" encoding="utf-8"?>
+<inkml:ink xmlns:inkml="http://www.w3.org/2003/InkML">
+  <inkml:definitions>
+    <inkml:context xml:id="ctx0">
+      <inkml:inkSource xml:id="inkSrc0">
+        <inkml:traceFormat>
+          <inkml:channel name="X" type="integer" min="-2.14748E9" max="2.14748E9" units="cm"/>
+          <inkml:channel name="Y" type="integer" min="-2.14748E9" max="2.14748E9" units="cm"/>
+          <inkml:channel name="F" type="integer" max="32767" units="dev"/>
+          <inkml:channel name="OA" type="integer" max="360" units="deg"/>
+          <inkml:channel name="OE" type="integer" max="90" units="deg"/>
+        </inkml:traceFormat>
+        <inkml:channelProperties>
+          <inkml:channelProperty channel="X" name="resolution" value="1000" units="1/cm"/>
+          <inkml:channelProperty channel="Y" name="resolution" value="1000" units="1/cm"/>
+          <inkml:channelProperty channel="F" name="resolution" value="0" units="1/dev"/>
+          <inkml:channelProperty channel="OA" name="resolution" value="1000" units="1/deg"/>
+          <inkml:channelProperty channel="OE" name="resolution" value="1000" units="1/deg"/>
+        </inkml:channelProperties>
+      </inkml:inkSource>
+      <inkml:timestamp xml:id="ts0" timeString="2021-02-24T20:01:12.645"/>
+    </inkml:context>
+    <inkml:brush xml:id="br0">
+      <inkml:brushProperty name="width" value="0.05" units="cm"/>
+      <inkml:brushProperty name="height" value="0.05" units="cm"/>
+      <inkml:brushProperty name="color" value="#004F8B"/>
+    </inkml:brush>
+  </inkml:definitions>
+  <inkml:trace contextRef="#ctx0" brushRef="#br0">0 208 11976 0 0,'0'0'1200'0'0,"2"0"-1099"0"0,23 2 269 0 0,-18-3 150 0 0,0 0-1 0 0,0 0 1 0 0,10-3-1 0 0,-1-2 1080 0 0,30-14-1 0 0,-35 12-1621 0 0,0 0-1 0 0,0-1 1 0 0,0 0-1 0 0,-1 0 1 0 0,-1-1-1 0 0,1-1 1 0 0,9-14-1 0 0,-11 14 116 0 0,-5 7-61 0 0,0 0 1 0 0,0 0 0 0 0,0 0-1 0 0,0 0 1 0 0,-1-1-1 0 0,1 1 1 0 0,-1-1-1 0 0,-1 1 1 0 0,1-1 0 0 0,-1 0-1 0 0,2-7 1 0 0,-3 10-23 0 0,-1 1 1 0 0,0 0 0 0 0,0 0 0 0 0,0 0-1 0 0,1 0 1 0 0,-1 0 0 0 0,0 0-1 0 0,0 0 1 0 0,0 0 0 0 0,0 1-1 0 0,0-1 1 0 0,-1 0 0 0 0,1 1 0 0 0,0-1-1 0 0,0 0 1 0 0,0 1 0 0 0,-1 0-1 0 0,1-1 1 0 0,0 1 0 0 0,0 0-1 0 0,-2-1 1 0 0,-1 3 54 0 0,0 0-1 0 0,0 0 0 0 0,1 1 1 0 0,-1-1-1 0 0,1 1 1 0 0,0 0-1 0 0,-1 0 1 0 0,1 0-1 0 0,1 0 1 0 0,-1 0-1 0 0,0 1 1 0 0,1-1-1 0 0,0 1 1 0 0,0 0-1 0 0,-3 5 0 0 0,-1 7 352 0 0,0 0-1 0 0,-6 24 1 0 0,4-11-289 0 0,3-10 209 0 0,-6 33 1 0 0,10-46-251 0 0,1 0 0 0 0,-1 0 1 0 0,1 0-1 0 0,1 0 0 0 0,-1 0 1 0 0,1 0-1 0 0,0-1 1 0 0,0 1-1 0 0,5 11 0 0 0,-6-15-152 0 0,1 0-1 0 0,0 0 1 0 0,0 0-1 0 0,0-1 1 0 0,0 1-1 0 0,1 0 1 0 0,-1-1-1 0 0,0 1 1 0 0,1-1-1 0 0,-1 1 1 0 0,1-1-1 0 0,-1 0 1 0 0,1 1-1 0 0,0-1 0 0 0,0 0 1 0 0,-1 0-1 0 0,1 0 1 0 0,0-1-1 0 0,0 1 1 0 0,0 0-1 0 0,0-1 1 0 0,0 1-1 0 0,0-1 1 0 0,0 0-1 0 0,0 1 1 0 0,0-1-1 0 0,0 0 1 0 0,0 0-1 0 0,0 0 1 0 0,0-1-1 0 0,0 1 1 0 0,0 0-1 0 0,0-1 1 0 0,0 0-1 0 0,0 1 1 0 0,0-1-1 0 0,0 0 0 0 0,0 0 1 0 0,0 0-1 0 0,-1 0 1 0 0,4-2-1 0 0,8-5-5019 0 0,1-4-1549 0 0</inkml:trace>
+</inkml:ink>
+</file>
+
+<file path=ppt/ink/ink14.xml><?xml version="1.0" encoding="utf-8"?>
+<inkml:ink xmlns:inkml="http://www.w3.org/2003/InkML">
+  <inkml:definitions>
+    <inkml:context xml:id="ctx0">
+      <inkml:inkSource xml:id="inkSrc0">
+        <inkml:traceFormat>
+          <inkml:channel name="X" type="integer" min="-2.14748E9" max="2.14748E9" units="cm"/>
+          <inkml:channel name="Y" type="integer" min="-2.14748E9" max="2.14748E9" units="cm"/>
+          <inkml:channel name="F" type="integer" max="32767" units="dev"/>
+          <inkml:channel name="OA" type="integer" max="360" units="deg"/>
+          <inkml:channel name="OE" type="integer" max="90" units="deg"/>
+        </inkml:traceFormat>
+        <inkml:channelProperties>
+          <inkml:channelProperty channel="X" name="resolution" value="1000" units="1/cm"/>
+          <inkml:channelProperty channel="Y" name="resolution" value="1000" units="1/cm"/>
+          <inkml:channelProperty channel="F" name="resolution" value="0" units="1/dev"/>
+          <inkml:channelProperty channel="OA" name="resolution" value="1000" units="1/deg"/>
+          <inkml:channelProperty channel="OE" name="resolution" value="1000" units="1/deg"/>
+        </inkml:channelProperties>
+      </inkml:inkSource>
+      <inkml:timestamp xml:id="ts0" timeString="2021-02-24T20:01:13.035"/>
+    </inkml:context>
+    <inkml:brush xml:id="br0">
+      <inkml:brushProperty name="width" value="0.05" units="cm"/>
+      <inkml:brushProperty name="height" value="0.05" units="cm"/>
+      <inkml:brushProperty name="color" value="#004F8B"/>
+    </inkml:brush>
+  </inkml:definitions>
+  <inkml:trace contextRef="#ctx0" brushRef="#br0">29 1 3224 0 0,'-1'0'3'0'0,"0"0"1"0"0,0 0-1 0 0,0 0 1 0 0,0 0-1 0 0,0 0 1 0 0,0 0-1 0 0,0 1 1 0 0,0-1-1 0 0,0 0 1 0 0,1 1-1 0 0,-1-1 1 0 0,0 0-1 0 0,-2 2 1 0 0,3-1 283 0 0,-1-1 1 0 0,1 1-1 0 0,-1-1 0 0 0,0 1 1 0 0,1 0-1 0 0,-1 0 1 0 0,1-1-1 0 0,0 1 1 0 0,-1 0-1 0 0,1 0 1 0 0,0 0-1 0 0,-1-1 1 0 0,1 2-1 0 0,-1 2 1448 0 0,1 1-1 0 0,0-1 0 0 0,0 1 1 0 0,0-1-1 0 0,1 7 0 0 0,0 11-1160 0 0,-4 0-283 0 0,1-10-123 0 0,1 1 0 0 0,0-1 0 0 0,2 14-1 0 0,-2-2-16 0 0,0-22-150 0 0,1 1 0 0 0,0 0 0 0 0,0-1 0 0 0,0 1 1 0 0,0 0-1 0 0,0-1 0 0 0,0 1 0 0 0,0 0 0 0 0,1-1 0 0 0,0 1 0 0 0,-1 0 0 0 0,1-1 0 0 0,0 1 0 0 0,0-1 0 0 0,3 4 0 0 0,1 2 32 0 0,-1-2 172 0 0,1 0 0 0 0,-1 0 1 0 0,1-1-1 0 0,0 1 0 0 0,7 4 1 0 0,-11-9-178 0 0,0 0 0 0 0,1 0 1 0 0,-1 0-1 0 0,0 0 0 0 0,1-1 1 0 0,-1 1-1 0 0,1 0 0 0 0,-1-1 1 0 0,1 1-1 0 0,-1-1 0 0 0,1 0 1 0 0,-1 0-1 0 0,1 1 1 0 0,0-1-1 0 0,-1 0 0 0 0,1 0 1 0 0,-1 0-1 0 0,1-1 0 0 0,-1 1 1 0 0,1 0-1 0 0,-1-1 0 0 0,1 1 1 0 0,0-1-1 0 0,-1 1 0 0 0,0-1 1 0 0,1 1-1 0 0,-1-1 0 0 0,1 0 1 0 0,1-2-1 0 0,8-5 282 0 0,0-1 0 0 0,-1-1 0 0 0,0 0 0 0 0,0 0 0 0 0,11-17 0 0 0,34-61-809 0 0,-28 41-1462 0 0,-16 29-130 0 0</inkml:trace>
+</inkml:ink>
+</file>
+
+<file path=ppt/ink/ink15.xml><?xml version="1.0" encoding="utf-8"?>
+<inkml:ink xmlns:inkml="http://www.w3.org/2003/InkML">
+  <inkml:definitions>
+    <inkml:context xml:id="ctx0">
+      <inkml:inkSource xml:id="inkSrc0">
+        <inkml:traceFormat>
+          <inkml:channel name="X" type="integer" min="-2.14748E9" max="2.14748E9" units="cm"/>
+          <inkml:channel name="Y" type="integer" min="-2.14748E9" max="2.14748E9" units="cm"/>
+          <inkml:channel name="F" type="integer" max="32767" units="dev"/>
+          <inkml:channel name="OA" type="integer" max="360" units="deg"/>
+          <inkml:channel name="OE" type="integer" max="90" units="deg"/>
+        </inkml:traceFormat>
+        <inkml:channelProperties>
+          <inkml:channelProperty channel="X" name="resolution" value="1000" units="1/cm"/>
+          <inkml:channelProperty channel="Y" name="resolution" value="1000" units="1/cm"/>
+          <inkml:channelProperty channel="F" name="resolution" value="0" units="1/dev"/>
+          <inkml:channelProperty channel="OA" name="resolution" value="1000" units="1/deg"/>
+          <inkml:channelProperty channel="OE" name="resolution" value="1000" units="1/deg"/>
+        </inkml:channelProperties>
+      </inkml:inkSource>
+      <inkml:timestamp xml:id="ts0" timeString="2021-02-24T20:01:13.421"/>
+    </inkml:context>
+    <inkml:brush xml:id="br0">
+      <inkml:brushProperty name="width" value="0.05" units="cm"/>
+      <inkml:brushProperty name="height" value="0.05" units="cm"/>
+      <inkml:brushProperty name="color" value="#004F8B"/>
+    </inkml:brush>
+  </inkml:definitions>
+  <inkml:trace contextRef="#ctx0" brushRef="#br0">49 257 17247 0 0,'0'2'396'0'0,"1"5"-186"0"0,0 1 1 0 0,-1-1-1 0 0,0 1 0 0 0,-1-1 0 0 0,0 1 0 0 0,-3 13 0 0 0,0 11-181 0 0,-12 81 594 0 0,1-5 553 0 0,11-74-1071 0 0,-1 37 7 0 0,5-71-115 0 0,0 0 0 0 0,0 0-1 0 0,0 1 1 0 0,0-1-1 0 0,0 0 1 0 0,-1 0 0 0 0,1 0-1 0 0,0 0 1 0 0,0 0-1 0 0,0 0 1 0 0,0 0 0 0 0,0 1-1 0 0,0-1 1 0 0,0 0-1 0 0,0 0 1 0 0,0 0 0 0 0,0 0-1 0 0,0 0 1 0 0,1 0-1 0 0,-1 1 1 0 0,0-1 0 0 0,0 0-1 0 0,0 0 1 0 0,0 0-1 0 0,0 0 1 0 0,0 0 0 0 0,0 0-1 0 0,0 0 1 0 0,0 1-1 0 0,0-1 1 0 0,0 0 0 0 0,0 0-1 0 0,1 0 1 0 0,-1 0-1 0 0,0 0 1 0 0,0 0 0 0 0,0 0-1 0 0,0 0 1 0 0,0 0-1 0 0,0 0 1 0 0,0 0 0 0 0,1 0-1 0 0,-1 0 1 0 0,0 0-1 0 0,0 0 1 0 0,0 1 0 0 0,0-1-1 0 0,0 0 1 0 0,0 0-1 0 0,1 0 1 0 0,-1-1 0 0 0,0 1-1 0 0,0 0 1 0 0,0 0-1 0 0,0 0 1 0 0,0 0 0 0 0,0 0-1 0 0,1 0 1 0 0,-1 0-1 0 0,0 0 1 0 0,0 0 0 0 0,0 0-1 0 0,5-4-192 0 0,5-17-659 0 0,-6 10-529 0 0,7-11-5334 0 0</inkml:trace>
+  <inkml:trace contextRef="#ctx0" brushRef="#br0" timeOffset="1">210 38 15664 0 0,'-8'-17'344'0'0,"5"9"71"0"0,-4 4 9 0 0,2-1 24 0 0,0 1-360 0 0,2 8-88 0 0,-6-4 0 0 0,3 5 0 0 0,1 2 0 0 0,2 0 0 0 0,1 6 0 0 0,-1-1 0 0 0,3 6-800 0 0,0 0-183 0 0,-9 19-33 0 0,9-7-8 0 0</inkml:trace>
+</inkml:ink>
+</file>
+
+<file path=ppt/ink/ink16.xml><?xml version="1.0" encoding="utf-8"?>
+<inkml:ink xmlns:inkml="http://www.w3.org/2003/InkML">
+  <inkml:definitions>
+    <inkml:context xml:id="ctx0">
+      <inkml:inkSource xml:id="inkSrc0">
+        <inkml:traceFormat>
+          <inkml:channel name="X" type="integer" min="-2.14748E9" max="2.14748E9" units="cm"/>
+          <inkml:channel name="Y" type="integer" min="-2.14748E9" max="2.14748E9" units="cm"/>
+          <inkml:channel name="F" type="integer" max="32767" units="dev"/>
+          <inkml:channel name="OA" type="integer" max="360" units="deg"/>
+          <inkml:channel name="OE" type="integer" max="90" units="deg"/>
+        </inkml:traceFormat>
+        <inkml:channelProperties>
+          <inkml:channelProperty channel="X" name="resolution" value="1000" units="1/cm"/>
+          <inkml:channelProperty channel="Y" name="resolution" value="1000" units="1/cm"/>
+          <inkml:channelProperty channel="F" name="resolution" value="0" units="1/dev"/>
+          <inkml:channelProperty channel="OA" name="resolution" value="1000" units="1/deg"/>
+          <inkml:channelProperty channel="OE" name="resolution" value="1000" units="1/deg"/>
+        </inkml:channelProperties>
+      </inkml:inkSource>
+      <inkml:timestamp xml:id="ts0" timeString="2021-02-24T20:01:13.789"/>
+    </inkml:context>
+    <inkml:brush xml:id="br0">
+      <inkml:brushProperty name="width" value="0.05" units="cm"/>
+      <inkml:brushProperty name="height" value="0.05" units="cm"/>
+      <inkml:brushProperty name="color" value="#004F8B"/>
+    </inkml:brush>
+  </inkml:definitions>
+  <inkml:trace contextRef="#ctx0" brushRef="#br0">1 118 7832 0 0,'0'0'602'0'0,"3"5"-63"0"0,-2-3-55 0 0,0 0-1 0 0,0-1 1 0 0,1 1-1 0 0,-1 0 1 0 0,1-1-1 0 0,-1 0 1 0 0,1 1-1 0 0,-1-1 1 0 0,1 0-1 0 0,0 0 1 0 0,0 1-1 0 0,0-1 1 0 0,-1-1-1 0 0,1 1 1 0 0,0 0-1 0 0,0 0 1 0 0,3 0-1 0 0,-2-1-169 0 0,0 0 0 0 0,-1 0 0 0 0,1 0 0 0 0,0 0 1 0 0,0 0-1 0 0,0-1 0 0 0,-1 1 0 0 0,1-1 0 0 0,0 0 0 0 0,0 0 0 0 0,3-1 0 0 0,0-1-130 0 0,-1-1-1 0 0,1 1 0 0 0,-1 0 1 0 0,0-1-1 0 0,0 0 0 0 0,0-1 1 0 0,-1 1-1 0 0,1-1 0 0 0,-1 0 1 0 0,6-9-1 0 0,-2 1-113 0 0,-2 3-47 0 0,0-1 0 0 0,0 0-1 0 0,7-19 1 0 0,-13 22-23 0 0,0 8 0 0 0,0 0 0 0 0,0 0 0 0 0,0 0 0 0 0,0 0 0 0 0,-1-1 0 0 0,1 1 0 0 0,0 0 0 0 0,0 0 0 0 0,0 0 0 0 0,0 0 0 0 0,-1-1 0 0 0,1 1 0 0 0,0 0 0 0 0,0 0 0 0 0,0 0 0 0 0,-1 0 0 0 0,1 0 0 0 0,0 0 0 0 0,0 0 0 0 0,0 0 0 0 0,-1 0 0 0 0,1 0 0 0 0,0 0 0 0 0,0 0 0 0 0,-1 0 0 0 0,1 0 0 0 0,0 0 0 0 0,0 0 0 0 0,0 0 0 0 0,-1 0 0 0 0,1 0 0 0 0,0 0 0 0 0,0 0 0 0 0,0 0 0 0 0,-1 0 0 0 0,1 0 0 0 0,0 0 0 0 0,0 0 0 0 0,-1 1 0 0 0,-7 3 0 0 0,7-3 0 0 0,-2 1 62 0 0,0 1-1 0 0,0-1 1 0 0,1 1 0 0 0,-1 0-1 0 0,0 0 1 0 0,1 0-1 0 0,0 1 1 0 0,0-1 0 0 0,0 1-1 0 0,-3 5 1 0 0,-14 43 951 0 0,12-32-856 0 0,-1 1-123 0 0,1 0 0 0 0,1 1 0 0 0,0 0 0 0 0,2 0-1 0 0,1 1 1 0 0,0-1 0 0 0,2 30 0 0 0,1-48-21 0 0,0 0 1 0 0,0 0-1 0 0,1 0 0 0 0,0 0 1 0 0,0 0-1 0 0,0-1 0 0 0,0 1 1 0 0,1 0-1 0 0,3 5 1 0 0,-5-8-27 0 0,1 1 0 0 0,0-1 0 0 0,0 0 0 0 0,0 0 1 0 0,0 0-1 0 0,1 0 0 0 0,-1 0 0 0 0,0 0 0 0 0,0 0 1 0 0,1 0-1 0 0,-1 0 0 0 0,0 0 0 0 0,1-1 0 0 0,-1 1 1 0 0,1-1-1 0 0,-1 1 0 0 0,0-1 0 0 0,1 0 0 0 0,-1 1 0 0 0,1-1 1 0 0,0 0-1 0 0,-1 0 0 0 0,1 0 0 0 0,-1 0 0 0 0,1 0 1 0 0,2-1-1 0 0,-2 1-51 0 0,1-1-173 0 0,1 1 0 0 0,-1-1 0 0 0,1 0 0 0 0,-1 0 0 0 0,0 0 0 0 0,1-1 0 0 0,3-1 0 0 0,7-9-934 0 0</inkml:trace>
+</inkml:ink>
+</file>
+
+<file path=ppt/ink/ink17.xml><?xml version="1.0" encoding="utf-8"?>
+<inkml:ink xmlns:inkml="http://www.w3.org/2003/InkML">
+  <inkml:definitions>
+    <inkml:context xml:id="ctx0">
+      <inkml:inkSource xml:id="inkSrc0">
+        <inkml:traceFormat>
+          <inkml:channel name="X" type="integer" min="-2.14748E9" max="2.14748E9" units="cm"/>
+          <inkml:channel name="Y" type="integer" min="-2.14748E9" max="2.14748E9" units="cm"/>
+          <inkml:channel name="F" type="integer" max="32767" units="dev"/>
+          <inkml:channel name="OA" type="integer" max="360" units="deg"/>
+          <inkml:channel name="OE" type="integer" max="90" units="deg"/>
+        </inkml:traceFormat>
+        <inkml:channelProperties>
+          <inkml:channelProperty channel="X" name="resolution" value="1000" units="1/cm"/>
+          <inkml:channelProperty channel="Y" name="resolution" value="1000" units="1/cm"/>
+          <inkml:channelProperty channel="F" name="resolution" value="0" units="1/dev"/>
+          <inkml:channelProperty channel="OA" name="resolution" value="1000" units="1/deg"/>
+          <inkml:channelProperty channel="OE" name="resolution" value="1000" units="1/deg"/>
+        </inkml:channelProperties>
+      </inkml:inkSource>
+      <inkml:timestamp xml:id="ts0" timeString="2021-02-24T20:01:14.167"/>
+    </inkml:context>
+    <inkml:brush xml:id="br0">
+      <inkml:brushProperty name="width" value="0.05" units="cm"/>
+      <inkml:brushProperty name="height" value="0.05" units="cm"/>
+      <inkml:brushProperty name="color" value="#004F8B"/>
+    </inkml:brush>
+  </inkml:definitions>
+  <inkml:trace contextRef="#ctx0" brushRef="#br0">0 0 17503 0 0,'9'21'6114'0'0,"3"31"-3887"0"0,-7-27-2231 0 0,12 36-1 0 0,-13-52 32 0 0,-3-3-14 0 0,2-1-1 0 0,-1 0 0 0 0,0 1 1 0 0,1-1-1 0 0,7 9 1 0 0,-8-11-113 0 0,0-1 111 0 0,-1 0 0 0 0,1 1 0 0 0,0-1 0 0 0,0 0 0 0 0,1 0 0 0 0,3 3 0 0 0,-5-5-1 0 0,0 0-1 0 0,0 1 1 0 0,0-1 0 0 0,0 0-1 0 0,0 0 1 0 0,0 1 0 0 0,0-1-1 0 0,0 0 1 0 0,0 0 0 0 0,0 0 0 0 0,0 0-1 0 0,0 0 1 0 0,0 0 0 0 0,0-1-1 0 0,0 1 1 0 0,0 0 0 0 0,0 0-1 0 0,0-1 1 0 0,0 1 0 0 0,0-1-1 0 0,-1 1 1 0 0,1-1 0 0 0,0 1 0 0 0,0-1-1 0 0,1 0 1 0 0,1-1-31 0 0,-1-1-1 0 0,1 1 1 0 0,0-1 0 0 0,-1 0 0 0 0,0 0 0 0 0,1 0-1 0 0,-1 0 1 0 0,0 0 0 0 0,-1 0 0 0 0,3-5 0 0 0,11-39 927 0 0,-4 13-835 0 0,-10 31-75 0 0,0-1 68 0 0,1 0 0 0 0,-1 1 0 0 0,1-1 0 0 0,0 0 0 0 0,0 1 0 0 0,0 0 0 0 0,3-4 0 0 0,-5 7-55 0 0,1-1 0 0 0,-1 1 0 0 0,1-1 0 0 0,-1 1-1 0 0,1 0 1 0 0,0-1 0 0 0,-1 1 0 0 0,1 0 0 0 0,-1-1 0 0 0,1 1 0 0 0,0 0-1 0 0,-1 0 1 0 0,1 0 0 0 0,0-1 0 0 0,-1 1 0 0 0,1 0 0 0 0,0 0 0 0 0,0 0-1 0 0,1 1-29 0 0,-1-1-1 0 0,0 0 0 0 0,1 1 0 0 0,-1-1 0 0 0,0 1 1 0 0,1 0-1 0 0,-1-1 0 0 0,0 1 0 0 0,0 0 1 0 0,0 0-1 0 0,1-1 0 0 0,0 3 0 0 0,3 2 20 0 0,0 0-1 0 0,-1 1 0 0 0,1 0 1 0 0,-1 0-1 0 0,4 9 1 0 0,3 4 23 0 0,-2-4 102 0 0,-8-13-107 0 0,0 1 0 0 0,0-1 1 0 0,0 0-1 0 0,0 0 0 0 0,1 0 0 0 0,-1 0 1 0 0,1 0-1 0 0,0 0 0 0 0,-1 0 1 0 0,1-1-1 0 0,2 2 0 0 0,-3-2-3 0 0,0 0 0 0 0,0-1 0 0 0,0 1 0 0 0,0 0 0 0 0,0-1 0 0 0,0 1-1 0 0,0-1 1 0 0,0 0 0 0 0,0 1 0 0 0,0-1 0 0 0,2 1 0 0 0,-3-1-4 0 0,1-1 0 0 0,0 1-1 0 0,-1 0 1 0 0,1 0 0 0 0,0-1 0 0 0,-1 1 0 0 0,1-1-1 0 0,-1 1 1 0 0,1 0 0 0 0,-1-1 0 0 0,1 1 0 0 0,-1-1 0 0 0,1 1-1 0 0,-1-1 1 0 0,1 1 0 0 0,-1-1 0 0 0,0 0 0 0 0,1 1 0 0 0,-1-1-1 0 0,1 0 1 0 0,11-24-103 0 0,0 0 1 0 0,10-36-1 0 0,-14 38-1247 0 0,-2 8 259 0 0</inkml:trace>
+</inkml:ink>
+</file>
+
+<file path=ppt/ink/ink18.xml><?xml version="1.0" encoding="utf-8"?>
+<inkml:ink xmlns:inkml="http://www.w3.org/2003/InkML">
+  <inkml:definitions>
+    <inkml:context xml:id="ctx0">
+      <inkml:inkSource xml:id="inkSrc0">
+        <inkml:traceFormat>
+          <inkml:channel name="X" type="integer" min="-2.14748E9" max="2.14748E9" units="cm"/>
+          <inkml:channel name="Y" type="integer" min="-2.14748E9" max="2.14748E9" units="cm"/>
+          <inkml:channel name="F" type="integer" max="32767" units="dev"/>
+          <inkml:channel name="OA" type="integer" max="360" units="deg"/>
+          <inkml:channel name="OE" type="integer" max="90" units="deg"/>
+        </inkml:traceFormat>
+        <inkml:channelProperties>
+          <inkml:channelProperty channel="X" name="resolution" value="1000" units="1/cm"/>
+          <inkml:channelProperty channel="Y" name="resolution" value="1000" units="1/cm"/>
+          <inkml:channelProperty channel="F" name="resolution" value="0" units="1/dev"/>
+          <inkml:channelProperty channel="OA" name="resolution" value="1000" units="1/deg"/>
+          <inkml:channelProperty channel="OE" name="resolution" value="1000" units="1/deg"/>
+        </inkml:channelProperties>
+      </inkml:inkSource>
+      <inkml:timestamp xml:id="ts0" timeString="2021-02-24T20:01:15.268"/>
+    </inkml:context>
+    <inkml:brush xml:id="br0">
+      <inkml:brushProperty name="width" value="0.05" units="cm"/>
+      <inkml:brushProperty name="height" value="0.05" units="cm"/>
+      <inkml:brushProperty name="color" value="#004F8B"/>
+    </inkml:brush>
+  </inkml:definitions>
+  <inkml:trace contextRef="#ctx0" brushRef="#br0">256 63 5528 0 0,'3'-2'496'0'0,"-1"0"1"0"0,0 0 0 0 0,0 0-1 0 0,0 0 1 0 0,-1 0-1 0 0,1 0 1 0 0,0-1 0 0 0,-1 1-1 0 0,0-1 1 0 0,2-2-1 0 0,2-5 1374 0 0,-5 10-1744 0 0,0-1 0 0 0,0 1 0 0 0,0-1 0 0 0,0 0 0 0 0,0 1 0 0 0,0-1 1 0 0,-1 1-1 0 0,1-1 0 0 0,0 0 0 0 0,0 1 0 0 0,-1-1 0 0 0,1 1 1 0 0,0-1-1 0 0,-1 1 0 0 0,1-1 0 0 0,0 1 0 0 0,-1-1 0 0 0,1 1 0 0 0,-1 0 1 0 0,1-1-1 0 0,-9-8 1034 0 0,6 8-1021 0 0,1 0 1 0 0,0 0-1 0 0,-1 1 1 0 0,1-1-1 0 0,0 1 1 0 0,-1-1 0 0 0,1 1-1 0 0,-1 0 1 0 0,1 0-1 0 0,0 0 1 0 0,-1 0-1 0 0,1 0 1 0 0,-1 1-1 0 0,1-1 1 0 0,-4 2-1 0 0,-1 0 153 0 0,0 0-1 0 0,0 1 1 0 0,-12 6-1 0 0,10-3-113 0 0,0 0 0 0 0,0 0 0 0 0,1 1-1 0 0,-1 0 1 0 0,2 0 0 0 0,-10 11 0 0 0,4-1-28 0 0,1 0 0 0 0,-13 22 0 0 0,16-24-41 0 0,2-3 85 0 0,0 0 0 0 0,1 0 1 0 0,0 0-1 0 0,-5 16 0 0 0,10-25-167 0 0,1 0-1 0 0,-1 0 1 0 0,0 0-1 0 0,1 0 1 0 0,0 0-1 0 0,-1 0 0 0 0,1 0 1 0 0,0 0-1 0 0,1 0 1 0 0,-1 0-1 0 0,0 0 1 0 0,1 0-1 0 0,0 0 0 0 0,0 0 1 0 0,0 0-1 0 0,0 0 1 0 0,0-1-1 0 0,0 1 1 0 0,1 0-1 0 0,-1-1 1 0 0,1 1-1 0 0,0-1 0 0 0,0 1 1 0 0,3 3-1 0 0,-2-5-26 0 0,0 1 0 0 0,-1 0 0 0 0,1-1 0 0 0,0 1 0 0 0,0-1 0 0 0,-1 0 0 0 0,1 0 0 0 0,0 0 0 0 0,0-1 0 0 0,5 2 0 0 0,34 2 0 0 0,-35-4 0 0 0,14 1 234 0 0,-12-1 13 0 0,0 0 1 0 0,1 0 0 0 0,-1 1 0 0 0,0 1 0 0 0,0 0-1 0 0,15 5 1 0 0,-22-6-254 0 0,-1 0-1 0 0,0 0 0 0 0,1 0 0 0 0,-1 0 1 0 0,0 0-1 0 0,0 1 0 0 0,0-1 0 0 0,0 0 1 0 0,0 1-1 0 0,0-1 0 0 0,0 1 1 0 0,0-1-1 0 0,-1 1 0 0 0,1-1 0 0 0,0 1 1 0 0,0 2-1 0 0,0 1 20 0 0,0 0-1 0 0,0 0 1 0 0,0 0 0 0 0,-1 7 0 0 0,0-7 1 0 0,0-1 0 0 0,-1 1 1 0 0,0 0-1 0 0,0-1 1 0 0,0 1-1 0 0,-1-1 1 0 0,0 1-1 0 0,0-1 1 0 0,0 0-1 0 0,-3 6 1 0 0,-5 5-21 0 0,-17 19 0 0 0,9-12 13 0 0,-1 2-7 0 0,-1-2 0 0 0,-32 28 0 0 0,0 0 0 0 0,32-23-748 0 0,9-9-2169 0 0</inkml:trace>
+</inkml:ink>
+</file>
+
+<file path=ppt/ink/ink19.xml><?xml version="1.0" encoding="utf-8"?>
+<inkml:ink xmlns:inkml="http://www.w3.org/2003/InkML">
+  <inkml:definitions>
+    <inkml:context xml:id="ctx0">
+      <inkml:inkSource xml:id="inkSrc0">
+        <inkml:traceFormat>
+          <inkml:channel name="X" type="integer" min="-2.14748E9" max="2.14748E9" units="cm"/>
+          <inkml:channel name="Y" type="integer" min="-2.14748E9" max="2.14748E9" units="cm"/>
+          <inkml:channel name="F" type="integer" max="32767" units="dev"/>
+          <inkml:channel name="OA" type="integer" max="360" units="deg"/>
+          <inkml:channel name="OE" type="integer" max="90" units="deg"/>
+        </inkml:traceFormat>
+        <inkml:channelProperties>
+          <inkml:channelProperty channel="X" name="resolution" value="1000" units="1/cm"/>
+          <inkml:channelProperty channel="Y" name="resolution" value="1000" units="1/cm"/>
+          <inkml:channelProperty channel="F" name="resolution" value="0" units="1/dev"/>
+          <inkml:channelProperty channel="OA" name="resolution" value="1000" units="1/deg"/>
+          <inkml:channelProperty channel="OE" name="resolution" value="1000" units="1/deg"/>
+        </inkml:channelProperties>
+      </inkml:inkSource>
+      <inkml:timestamp xml:id="ts0" timeString="2021-02-24T20:01:15.658"/>
+    </inkml:context>
+    <inkml:brush xml:id="br0">
+      <inkml:brushProperty name="width" value="0.05" units="cm"/>
+      <inkml:brushProperty name="height" value="0.05" units="cm"/>
+      <inkml:brushProperty name="color" value="#004F8B"/>
+    </inkml:brush>
+  </inkml:definitions>
+  <inkml:trace contextRef="#ctx0" brushRef="#br0">0 136 11976 0 0,'7'4'546'0'0,"-6"-3"-10"0"0,3 4-322 0 0,-3-3-81 0 0,1-1 1 0 0,0 0 0 0 0,0 1 0 0 0,0-1-1 0 0,0 0 1 0 0,0 0 0 0 0,0 0-1 0 0,1-1 1 0 0,-1 1 0 0 0,0 0 0 0 0,0-1-1 0 0,1 1 1 0 0,-1-1 0 0 0,0 0 0 0 0,0 0-1 0 0,1 0 1 0 0,-1 0 0 0 0,0 0 0 0 0,1 0-1 0 0,-1-1 1 0 0,0 1 0 0 0,4-2-1 0 0,0 0 307 0 0,0-1-1 0 0,0 0 1 0 0,0 0-1 0 0,0 0 1 0 0,-1-1-1 0 0,11-7 0 0 0,2-3-234 0 0,-12 9 74 0 0,0 0 1 0 0,-1 0 0 0 0,1 0 0 0 0,-1 0-1 0 0,7-10 1 0 0,-7 8-202 0 0,3-3-81 0 0,-1-1-1 0 0,-1 1 1 0 0,8-16-1 0 0,-14 26 5 0 0,0 0-1 0 0,0 0 1 0 0,0-1 0 0 0,0 1-1 0 0,0 0 1 0 0,1 0 0 0 0,-1 0-1 0 0,0-1 1 0 0,0 1 0 0 0,0 0-1 0 0,0 0 1 0 0,0 0-1 0 0,0-1 1 0 0,0 1 0 0 0,0 0-1 0 0,0 0 1 0 0,0-1 0 0 0,0 1-1 0 0,0 0 1 0 0,0 0 0 0 0,0 0-1 0 0,0-1 1 0 0,0 1 0 0 0,0 0-1 0 0,0 0 1 0 0,0-1 0 0 0,0 1-1 0 0,0 0 1 0 0,-1 0 0 0 0,1 0-1 0 0,0-1 1 0 0,0 1-1 0 0,0 0 1 0 0,0 0 0 0 0,0 0-1 0 0,0 0 1 0 0,-1-1 0 0 0,1 1-1 0 0,0 0 1 0 0,0 0 0 0 0,0 0-1 0 0,-1 0 1 0 0,1 0 0 0 0,0 0-1 0 0,-13 2 234 0 0,-14 11 380 0 0,26-12-582 0 0,0 0 1 0 0,-1 1-1 0 0,1-1 0 0 0,0 0 0 0 0,0 1 0 0 0,0-1 0 0 0,0 1 1 0 0,0-1-1 0 0,0 1 0 0 0,0 2 0 0 0,-8 11 46 0 0,2-5-3 0 0,0 1 0 0 0,-11 23 0 0 0,4-6 92 0 0,9-19-102 0 0,0 0 1 0 0,1 1-1 0 0,0-1 0 0 0,1 1 0 0 0,0 0 0 0 0,-2 14 0 0 0,5-23-67 0 0,0-1-1 0 0,0 1 1 0 0,0 0-1 0 0,0 0 1 0 0,0-1 0 0 0,0 1-1 0 0,0 0 1 0 0,0 0-1 0 0,0-1 1 0 0,0 1-1 0 0,1 0 1 0 0,-1-1-1 0 0,0 1 1 0 0,0 0-1 0 0,1-1 1 0 0,-1 1 0 0 0,0 0-1 0 0,1-1 1 0 0,-1 1-1 0 0,1-1 1 0 0,-1 1-1 0 0,1 0 1 0 0,-1-1-1 0 0,1 1 1 0 0,0 0-1 0 0,1-1-11 0 0,-1 1-1 0 0,0-1 0 0 0,1 1 0 0 0,-1-1 0 0 0,1 1 0 0 0,-1-1 0 0 0,1 0 0 0 0,-1 0 1 0 0,1 0-1 0 0,-1 0 0 0 0,3 0 0 0 0,3-1-109 0 0,0 0 0 0 0,-1-1 0 0 0,1 0 0 0 0,6-2 0 0 0,33-16-2580 0 0,-22 10 1110 0 0</inkml:trace>
+</inkml:ink>
+</file>
+
+<file path=ppt/ink/ink2.xml><?xml version="1.0" encoding="utf-8"?>
+<inkml:ink xmlns:inkml="http://www.w3.org/2003/InkML">
+  <inkml:definitions>
+    <inkml:context xml:id="ctx0">
+      <inkml:inkSource xml:id="inkSrc0">
+        <inkml:traceFormat>
+          <inkml:channel name="X" type="integer" min="-2.14748E9" max="2.14748E9" units="cm"/>
+          <inkml:channel name="Y" type="integer" min="-2.14748E9" max="2.14748E9" units="cm"/>
+          <inkml:channel name="F" type="integer" max="32767" units="dev"/>
+          <inkml:channel name="OA" type="integer" max="360" units="deg"/>
+          <inkml:channel name="OE" type="integer" max="90" units="deg"/>
+        </inkml:traceFormat>
+        <inkml:channelProperties>
+          <inkml:channelProperty channel="X" name="resolution" value="1000" units="1/cm"/>
+          <inkml:channelProperty channel="Y" name="resolution" value="1000" units="1/cm"/>
+          <inkml:channelProperty channel="F" name="resolution" value="0" units="1/dev"/>
+          <inkml:channelProperty channel="OA" name="resolution" value="1000" units="1/deg"/>
+          <inkml:channelProperty channel="OE" name="resolution" value="1000" units="1/deg"/>
+        </inkml:channelProperties>
+      </inkml:inkSource>
+      <inkml:timestamp xml:id="ts0" timeString="2021-02-24T20:00:41.349"/>
+    </inkml:context>
+    <inkml:brush xml:id="br0">
+      <inkml:brushProperty name="width" value="0.05" units="cm"/>
+      <inkml:brushProperty name="height" value="0.05" units="cm"/>
+      <inkml:brushProperty name="color" value="#004F8B"/>
+    </inkml:brush>
+  </inkml:definitions>
+  <inkml:trace contextRef="#ctx0" brushRef="#br0">0 140 9848 0 0,'0'0'889'0'0,"1"-8"5804"0"0,2 6-6423 0 0,0 0 0 0 0,0 0-1 0 0,0 0 1 0 0,0 1 0 0 0,1-1 0 0 0,-1 1 0 0 0,1-1-1 0 0,4 0 1 0 0,-5 1-261 0 0,19-5 859 0 0,1 1 0 0 0,0 1-1 0 0,36-1 1 0 0,-48 4-846 0 0,15-1-259 0 0,41 3 0 0 0,-42 0 448 0 0,42-4 1 0 0,-5 0 70 0 0,99-4-322 0 0,-87 3 850 0 0,85-12 155 0 0,-35 3-716 0 0,-90 10-211 0 0,132-6 668 0 0,-30 15 17 0 0,-84-1-455 0 0,-39-3-166 0 0,0 0 0 0 0,24-1-1 0 0,64-2-84 0 0,-58 0 314 0 0,44 4 0 0 0,-25 4-909 0 0,-49-7 560 0 0,22 5 0 0 0,2 0 25 0 0,16 1 751 0 0,-30-2-149 0 0,28-1 0 0 0,-10-2-610 0 0,-15 0 142 0 0,51-5-1 0 0,-63 3-301 0 0,-10 1 151 0 0,-1 0 0 0 0,1-1 0 0 0,-1 1 0 0 0,0-1-1 0 0,1 0 1 0 0,3-1 0 0 0,16-4 10 0 0,-17 5 0 0 0,-1 0 0 0 0,0 0 0 0 0,0-1 0 0 0,1 0 0 0 0,5-2 0 0 0,2 1 0 0 0,-12 2-22 0 0,-1 1-1 0 0,1 0 1 0 0,0-1-1 0 0,0 1 1 0 0,-1-1 0 0 0,1 1-1 0 0,0-1 1 0 0,-1 1-1 0 0,1-1 1 0 0,0 0-1 0 0,-1 1 1 0 0,1-1 0 0 0,-1 0-1 0 0,1 1 1 0 0,-1-1-1 0 0,0 0 1 0 0,1 0 0 0 0,-1 0-1 0 0,0 1 1 0 0,1-1-1 0 0,-1 0 1 0 0,0 0-1 0 0,0 0 1 0 0,0 0 0 0 0,0 1-1 0 0,0-2 1 0 0,0 1-634 0 0,10-14-5504 0 0,-2 4 4292 0 0,3 3-11 0 0</inkml:trace>
+</inkml:ink>
+</file>
+
+<file path=ppt/ink/ink20.xml><?xml version="1.0" encoding="utf-8"?>
+<inkml:ink xmlns:inkml="http://www.w3.org/2003/InkML">
+  <inkml:definitions>
+    <inkml:context xml:id="ctx0">
+      <inkml:inkSource xml:id="inkSrc0">
+        <inkml:traceFormat>
+          <inkml:channel name="X" type="integer" min="-2.14748E9" max="2.14748E9" units="cm"/>
+          <inkml:channel name="Y" type="integer" min="-2.14748E9" max="2.14748E9" units="cm"/>
+          <inkml:channel name="F" type="integer" max="32767" units="dev"/>
+          <inkml:channel name="OA" type="integer" max="360" units="deg"/>
+          <inkml:channel name="OE" type="integer" max="90" units="deg"/>
+        </inkml:traceFormat>
+        <inkml:channelProperties>
+          <inkml:channelProperty channel="X" name="resolution" value="1000" units="1/cm"/>
+          <inkml:channelProperty channel="Y" name="resolution" value="1000" units="1/cm"/>
+          <inkml:channelProperty channel="F" name="resolution" value="0" units="1/dev"/>
+          <inkml:channelProperty channel="OA" name="resolution" value="1000" units="1/deg"/>
+          <inkml:channelProperty channel="OE" name="resolution" value="1000" units="1/deg"/>
+        </inkml:channelProperties>
+      </inkml:inkSource>
+      <inkml:timestamp xml:id="ts0" timeString="2021-02-24T20:01:16.052"/>
+    </inkml:context>
+    <inkml:brush xml:id="br0">
+      <inkml:brushProperty name="width" value="0.05" units="cm"/>
+      <inkml:brushProperty name="height" value="0.05" units="cm"/>
+      <inkml:brushProperty name="color" value="#004F8B"/>
+    </inkml:brush>
+  </inkml:definitions>
+  <inkml:trace contextRef="#ctx0" brushRef="#br0">141 0 9672 0 0,'-32'10'1219'0'0,"14"-1"3410"0"0,-33 20 0 0 0,24-6-3361 0 0,17-14-294 0 0,9-8-939 0 0,1-1-1 0 0,0 0 1 0 0,0 0 0 0 0,0 0-1 0 0,0 0 1 0 0,-1 1-1 0 0,1-1 1 0 0,0 0-1 0 0,0 0 1 0 0,0 0 0 0 0,0 0-1 0 0,0 1 1 0 0,-1-1-1 0 0,1 0 1 0 0,0 0-1 0 0,0 1 1 0 0,0-1-1 0 0,0 0 1 0 0,0 0 0 0 0,0 1-1 0 0,0-1 1 0 0,0 0-1 0 0,0 0 1 0 0,0 1-1 0 0,0-1 1 0 0,0 0 0 0 0,0 0-1 0 0,0 0 1 0 0,0 1-1 0 0,0-1 1 0 0,0 0-1 0 0,0 0 1 0 0,1 1-1 0 0,-1-1 1 0 0,0 0 0 0 0,0 0-1 0 0,0 0 1 0 0,0 1-1 0 0,0-1 1 0 0,1 0-1 0 0,11 7 273 0 0,16 1-329 0 0,3-3 89 0 0,-21-5-47 0 0,0 2 1 0 0,-1-1-1 0 0,1 1 1 0 0,-1 1-1 0 0,1 0 0 0 0,-1 0 1 0 0,14 7-1 0 0,-22-9-45 0 0,0 0 0 0 0,0-1 0 0 0,0 1 0 0 0,-1 0 0 0 0,1-1 0 0 0,0 1 0 0 0,0 0 0 0 0,-1 0 0 0 0,1 0 0 0 0,0 0 0 0 0,-1 0 0 0 0,1 0 0 0 0,-1 0 0 0 0,1 0 0 0 0,-1 0 0 0 0,1 0 0 0 0,-1 0 0 0 0,0 0 0 0 0,0 0 0 0 0,1 0 0 0 0,-1 1 0 0 0,0 1 43 0 0,0-1 0 0 0,-1 0 0 0 0,1 1-1 0 0,0-1 1 0 0,-1 0 0 0 0,0 1 0 0 0,1-1-1 0 0,-1 0 1 0 0,-2 4 0 0 0,-1 0 102 0 0,0 1 0 0 0,0 0 1 0 0,-1-1-1 0 0,0 0 0 0 0,-7 6 1 0 0,7-7-125 0 0,1-1 0 0 0,-1 0 1 0 0,0 0-1 0 0,-1 0 0 0 0,1-1 1 0 0,-1 0-1 0 0,1 0 0 0 0,-1 0 1 0 0,0-1-1 0 0,0 0 0 0 0,0 0 1 0 0,0-1-1 0 0,0 1 1 0 0,-12 0-1 0 0,17-2-377 0 0,-5 1 495 0 0</inkml:trace>
+</inkml:ink>
+</file>
+
+<file path=ppt/ink/ink21.xml><?xml version="1.0" encoding="utf-8"?>
+<inkml:ink xmlns:inkml="http://www.w3.org/2003/InkML">
+  <inkml:definitions>
+    <inkml:context xml:id="ctx0">
+      <inkml:inkSource xml:id="inkSrc0">
+        <inkml:traceFormat>
+          <inkml:channel name="X" type="integer" min="-2.14748E9" max="2.14748E9" units="cm"/>
+          <inkml:channel name="Y" type="integer" min="-2.14748E9" max="2.14748E9" units="cm"/>
+          <inkml:channel name="F" type="integer" max="32767" units="dev"/>
+          <inkml:channel name="OA" type="integer" max="360" units="deg"/>
+          <inkml:channel name="OE" type="integer" max="90" units="deg"/>
+        </inkml:traceFormat>
+        <inkml:channelProperties>
+          <inkml:channelProperty channel="X" name="resolution" value="1000" units="1/cm"/>
+          <inkml:channelProperty channel="Y" name="resolution" value="1000" units="1/cm"/>
+          <inkml:channelProperty channel="F" name="resolution" value="0" units="1/dev"/>
+          <inkml:channelProperty channel="OA" name="resolution" value="1000" units="1/deg"/>
+          <inkml:channelProperty channel="OE" name="resolution" value="1000" units="1/deg"/>
+        </inkml:channelProperties>
+      </inkml:inkSource>
+      <inkml:timestamp xml:id="ts0" timeString="2021-02-24T20:01:16.400"/>
+    </inkml:context>
+    <inkml:brush xml:id="br0">
+      <inkml:brushProperty name="width" value="0.05" units="cm"/>
+      <inkml:brushProperty name="height" value="0.05" units="cm"/>
+      <inkml:brushProperty name="color" value="#004F8B"/>
+    </inkml:brush>
+  </inkml:definitions>
+  <inkml:trace contextRef="#ctx0" brushRef="#br0">139 1 8752 0 0,'-2'1'673'0'0,"-23"17"9"0"0,-33 35 7825 0 0,51-46-8009 0 0,-21 23 1067 0 0,26-27-1370 0 0,-1-1 0 0 0,1 2 0 0 0,0-1-1 0 0,0 0 1 0 0,1 0 0 0 0,-1 1 0 0 0,1-1-1 0 0,-2 5 1 0 0,3-7-156 0 0,-1 0 0 0 0,1 0 0 0 0,0-1 0 0 0,0 1-1 0 0,0 0 1 0 0,0 0 0 0 0,0-1 0 0 0,1 1 0 0 0,-1 0 0 0 0,0-1 0 0 0,0 1 0 0 0,0 0-1 0 0,1-1 1 0 0,-1 1 0 0 0,0 0 0 0 0,1-1 0 0 0,-1 1 0 0 0,0 0 0 0 0,1-1 0 0 0,-1 1 0 0 0,1-1-1 0 0,-1 1 1 0 0,1 0 0 0 0,1 0-4 0 0,0 1 0 0 0,0-1-1 0 0,0 0 1 0 0,0 0 0 0 0,0 1-1 0 0,1-2 1 0 0,2 2 0 0 0,3 1-22 0 0,0-1 0 0 0,0-1 0 0 0,10 1 0 0 0,20 1 41 0 0,-19-3 2 0 0,-1 1-1 0 0,0 1 1 0 0,1 1-1 0 0,32 9 1 0 0,-50-11-74 0 0,0-1 0 0 0,0 1 1 0 0,0-1-1 0 0,0 1 0 0 0,1-1 1 0 0,-1 1-1 0 0,0 0 1 0 0,0 0-1 0 0,0 0 0 0 0,-1 0 1 0 0,1-1-1 0 0,0 1 0 0 0,0 0 1 0 0,0 0-1 0 0,-1 1 1 0 0,1-1-1 0 0,0 0 0 0 0,-1 0 1 0 0,1 2-1 0 0,0-1 4 0 0,-1 0 0 0 0,1 1 0 0 0,-1-1 0 0 0,0 1 0 0 0,1-1 0 0 0,-1 0 0 0 0,-1 1 1 0 0,1-1-1 0 0,-1 5 0 0 0,0-1 78 0 0,-1 1 0 0 0,0-1 1 0 0,-1 1-1 0 0,0-1 1 0 0,0 0-1 0 0,-5 9 0 0 0,2-6 244 0 0,-1 0 0 0 0,0 0-1 0 0,-1 0 1 0 0,-8 7 0 0 0,12-13-419 0 0,0 1-1 0 0,0-1 1 0 0,-1 0 0 0 0,0 0 0 0 0,0 0-1 0 0,0-1 1 0 0,0 0 0 0 0,0 0-1 0 0,0 0 1 0 0,-8 1 0 0 0,5-3-1348 0 0,2-2-77 0 0</inkml:trace>
+  <inkml:trace contextRef="#ctx0" brushRef="#br0" timeOffset="1">471 69 11520 0 0,'-1'7'180'0'0,"0"0"0"0"0,0 0 0 0 0,0 0 1 0 0,-1 0-1 0 0,0 0 0 0 0,-3 7 1 0 0,-5 16 1029 0 0,-27 91 3965 0 0,18-61-4516 0 0,16-38-886 0 0,2-18 108 0 0,2-5 120 0 0,0-2-3 0 0,4-7 2 0 0</inkml:trace>
+</inkml:ink>
+</file>
+
+<file path=ppt/ink/ink22.xml><?xml version="1.0" encoding="utf-8"?>
+<inkml:ink xmlns:inkml="http://www.w3.org/2003/InkML">
+  <inkml:definitions>
+    <inkml:context xml:id="ctx0">
+      <inkml:inkSource xml:id="inkSrc0">
+        <inkml:traceFormat>
+          <inkml:channel name="X" type="integer" min="-2.14748E9" max="2.14748E9" units="cm"/>
+          <inkml:channel name="Y" type="integer" min="-2.14748E9" max="2.14748E9" units="cm"/>
+          <inkml:channel name="F" type="integer" max="32767" units="dev"/>
+          <inkml:channel name="OA" type="integer" max="360" units="deg"/>
+          <inkml:channel name="OE" type="integer" max="90" units="deg"/>
+        </inkml:traceFormat>
+        <inkml:channelProperties>
+          <inkml:channelProperty channel="X" name="resolution" value="1000" units="1/cm"/>
+          <inkml:channelProperty channel="Y" name="resolution" value="1000" units="1/cm"/>
+          <inkml:channelProperty channel="F" name="resolution" value="0" units="1/dev"/>
+          <inkml:channelProperty channel="OA" name="resolution" value="1000" units="1/deg"/>
+          <inkml:channelProperty channel="OE" name="resolution" value="1000" units="1/deg"/>
+        </inkml:channelProperties>
+      </inkml:inkSource>
+      <inkml:timestamp xml:id="ts0" timeString="2021-02-24T20:01:16.751"/>
+    </inkml:context>
+    <inkml:brush xml:id="br0">
+      <inkml:brushProperty name="width" value="0.05" units="cm"/>
+      <inkml:brushProperty name="height" value="0.05" units="cm"/>
+      <inkml:brushProperty name="color" value="#004F8B"/>
+    </inkml:brush>
+  </inkml:definitions>
+  <inkml:trace contextRef="#ctx0" brushRef="#br0">0 28 19351 0 0,'0'-17'1943'0'0,"1"11"-1783"0"0,-1 6-160 0 0,0 0 1 0 0,0-1-1 0 0,0 1 1 0 0,1 0-1 0 0,-1 0 0 0 0,0-1 1 0 0,0 1-1 0 0,0 0 1 0 0,1 0-1 0 0,-1-1 0 0 0,0 1 1 0 0,0 0-1 0 0,1 0 1 0 0,-1 0-1 0 0,0 0 0 0 0,0 0 1 0 0,1-1-1 0 0,-1 1 1 0 0,0 0-1 0 0,1 0 0 0 0,-1 0 1 0 0,0 0-1 0 0,0 0 0 0 0,1 0 1 0 0,-1 0-1 0 0,0 0 1 0 0,1 0-1 0 0,-1 0 0 0 0,0 0 1 0 0,1 0-1 0 0,-1 0 1 0 0,0 0-1 0 0,0 0 0 0 0,1 0 1 0 0,-1 1-1 0 0,0-1 1 0 0,0 0-1 0 0,1 0 0 0 0,-1 0 1 0 0,0 0-1 0 0,0 1 1 0 0,1-1-1 0 0,-1 0 0 0 0,12 7-304 0 0,0 0 0 0 0,-1 0 0 0 0,0 1 0 0 0,11 10 0 0 0,21 15-2929 0 0,-19-18 1507 0 0</inkml:trace>
+  <inkml:trace contextRef="#ctx0" brushRef="#br0" timeOffset="1">321 240 14280 0 0,'-30'17'1428'0'0,"24"-14"-1162"0"0,0 0 1 0 0,0 0 0 0 0,0 1-1 0 0,0 0 1 0 0,0 0 0 0 0,1 0-1 0 0,0 1 1 0 0,0 0-1 0 0,0 0 1 0 0,-5 6 0 0 0,2 3 1011 0 0,-13 25-1 0 0,18-34-927 0 0,0 1-1 0 0,1 0 0 0 0,0 0 1 0 0,1 0-1 0 0,-1 1 1 0 0,1-1-1 0 0,-1 9 0 0 0,2-14-303 0 0,0 0-1 0 0,0 0 0 0 0,0 0 0 0 0,0 0 1 0 0,0 0-1 0 0,0 0 0 0 0,0 0 0 0 0,0 0 1 0 0,1 0-1 0 0,-1 0 0 0 0,0 0 0 0 0,0 0 1 0 0,1 0-1 0 0,-1 0 0 0 0,1 0 1 0 0,-1 0-1 0 0,1 0 0 0 0,-1 0 0 0 0,1-1 1 0 0,0 1-1 0 0,-1 0 0 0 0,1 0 0 0 0,0 0 1 0 0,0-1-1 0 0,-1 1 0 0 0,1-1 0 0 0,0 1 1 0 0,0 0-1 0 0,0-1 0 0 0,0 0 1 0 0,0 1-1 0 0,0-1 0 0 0,0 1 0 0 0,1-1 1 0 0,0 0 11 0 0,0 0 1 0 0,1 0-1 0 0,-1 0 1 0 0,0-1 0 0 0,0 1-1 0 0,0-1 1 0 0,0 1 0 0 0,0-1-1 0 0,0 0 1 0 0,0 0 0 0 0,0 0-1 0 0,0 0 1 0 0,0 0 0 0 0,0 0-1 0 0,2-3 1 0 0,11-9 52 0 0,-2-1 0 0 0,1 0 1 0 0,-2-2-1 0 0,0 1 0 0 0,-1-1 1 0 0,15-28-1 0 0,-23 38-755 0 0,0 1 1 0 0,1 0 0 0 0,0 0-1 0 0,1 0 1 0 0,-1 0 0 0 0,8-6-1 0 0,-4 8-923 0 0</inkml:trace>
+</inkml:ink>
+</file>
+
+<file path=ppt/ink/ink23.xml><?xml version="1.0" encoding="utf-8"?>
+<inkml:ink xmlns:inkml="http://www.w3.org/2003/InkML">
+  <inkml:definitions>
+    <inkml:context xml:id="ctx0">
+      <inkml:inkSource xml:id="inkSrc0">
+        <inkml:traceFormat>
+          <inkml:channel name="X" type="integer" min="-2.14748E9" max="2.14748E9" units="cm"/>
+          <inkml:channel name="Y" type="integer" min="-2.14748E9" max="2.14748E9" units="cm"/>
+          <inkml:channel name="F" type="integer" max="32767" units="dev"/>
+          <inkml:channel name="OA" type="integer" max="360" units="deg"/>
+          <inkml:channel name="OE" type="integer" max="90" units="deg"/>
+        </inkml:traceFormat>
+        <inkml:channelProperties>
+          <inkml:channelProperty channel="X" name="resolution" value="1000" units="1/cm"/>
+          <inkml:channelProperty channel="Y" name="resolution" value="1000" units="1/cm"/>
+          <inkml:channelProperty channel="F" name="resolution" value="0" units="1/dev"/>
+          <inkml:channelProperty channel="OA" name="resolution" value="1000" units="1/deg"/>
+          <inkml:channelProperty channel="OE" name="resolution" value="1000" units="1/deg"/>
+        </inkml:channelProperties>
+      </inkml:inkSource>
+      <inkml:timestamp xml:id="ts0" timeString="2021-02-24T20:01:17.104"/>
+    </inkml:context>
+    <inkml:brush xml:id="br0">
+      <inkml:brushProperty name="width" value="0.05" units="cm"/>
+      <inkml:brushProperty name="height" value="0.05" units="cm"/>
+      <inkml:brushProperty name="color" value="#004F8B"/>
+    </inkml:brush>
+  </inkml:definitions>
+  <inkml:trace contextRef="#ctx0" brushRef="#br0">1 155 16703 0 0,'0'0'1512'0'0,"11"-7"-429"0"0,-8 4-759 0 0,0-1 0 0 0,-1 1 0 0 0,1-1 0 0 0,-1 0 0 0 0,0 1 0 0 0,0-1-1 0 0,0 0 1 0 0,0 0 0 0 0,-1-1 0 0 0,1-5 0 0 0,-1 6-159 0 0,1 0 0 0 0,-1 0 1 0 0,0 0-1 0 0,1 0 0 0 0,0 0 0 0 0,0 0 0 0 0,0 0 0 0 0,0 1 1 0 0,1-1-1 0 0,3-4 0 0 0,-5 8-131 0 0,-1-1 1 0 0,1 1 0 0 0,-1-1-1 0 0,1 1 1 0 0,0-1-1 0 0,-1 1 1 0 0,1 0 0 0 0,0-1-1 0 0,-1 1 1 0 0,1 0-1 0 0,0-1 1 0 0,0 1-1 0 0,-1 0 1 0 0,1 0 0 0 0,0 0-1 0 0,0 0 1 0 0,0 0-1 0 0,-1 0 1 0 0,1 0-1 0 0,0 0 1 0 0,0 0 0 0 0,-1 0-1 0 0,1 0 1 0 0,0 0-1 0 0,0 0 1 0 0,1 1-1 0 0,0 1 15 0 0,1-1-1 0 0,0 1 1 0 0,-1 0-1 0 0,0 0 0 0 0,4 3 1 0 0,5 5 48 0 0,9 6 113 0 0,-16-12-42 0 0,1 0-1 0 0,-1-1 1 0 0,1 1 0 0 0,0-1 0 0 0,9 5-1 0 0,-13-8-115 0 0,1 1-1 0 0,0-1 0 0 0,0 1 0 0 0,0-1 0 0 0,-1 0 0 0 0,1 0 0 0 0,0 1 0 0 0,0-1 0 0 0,0-1 1 0 0,-1 1-1 0 0,1 0 0 0 0,0 0 0 0 0,0-1 0 0 0,-1 1 0 0 0,1-1 0 0 0,0 1 0 0 0,0-1 1 0 0,-1 0-1 0 0,1 0 0 0 0,-1 0 0 0 0,1 0 0 0 0,2-2 0 0 0,-1 0-24 0 0,0 0-1 0 0,0-1 1 0 0,0 0-1 0 0,0 1 1 0 0,-1-1-1 0 0,1 0 1 0 0,-1 0 0 0 0,0 0-1 0 0,-1 0 1 0 0,1-1-1 0 0,-1 1 1 0 0,0 0-1 0 0,0-1 1 0 0,1-7-1 0 0,5-17-1341 0 0,-3 18 472 0 0</inkml:trace>
+</inkml:ink>
+</file>
+
+<file path=ppt/ink/ink24.xml><?xml version="1.0" encoding="utf-8"?>
+<inkml:ink xmlns:inkml="http://www.w3.org/2003/InkML">
+  <inkml:definitions>
+    <inkml:context xml:id="ctx0">
+      <inkml:inkSource xml:id="inkSrc0">
+        <inkml:traceFormat>
+          <inkml:channel name="X" type="integer" min="-2.14748E9" max="2.14748E9" units="cm"/>
+          <inkml:channel name="Y" type="integer" min="-2.14748E9" max="2.14748E9" units="cm"/>
+          <inkml:channel name="F" type="integer" max="32767" units="dev"/>
+          <inkml:channel name="OA" type="integer" max="360" units="deg"/>
+          <inkml:channel name="OE" type="integer" max="90" units="deg"/>
+        </inkml:traceFormat>
+        <inkml:channelProperties>
+          <inkml:channelProperty channel="X" name="resolution" value="1000" units="1/cm"/>
+          <inkml:channelProperty channel="Y" name="resolution" value="1000" units="1/cm"/>
+          <inkml:channelProperty channel="F" name="resolution" value="0" units="1/dev"/>
+          <inkml:channelProperty channel="OA" name="resolution" value="1000" units="1/deg"/>
+          <inkml:channelProperty channel="OE" name="resolution" value="1000" units="1/deg"/>
+        </inkml:channelProperties>
+      </inkml:inkSource>
+      <inkml:timestamp xml:id="ts0" timeString="2021-02-24T20:01:17.601"/>
+    </inkml:context>
+    <inkml:brush xml:id="br0">
+      <inkml:brushProperty name="width" value="0.05" units="cm"/>
+      <inkml:brushProperty name="height" value="0.05" units="cm"/>
+      <inkml:brushProperty name="color" value="#004F8B"/>
+    </inkml:brush>
+  </inkml:definitions>
+  <inkml:trace contextRef="#ctx0" brushRef="#br0">1 167 14600 0 0,'0'-12'664'0'0,"0"10"-8"0"0,8-1-392 0 0,5 2 443 0 0,1 0 1 0 0,-1 1 0 0 0,1 0-1 0 0,-1 1 1 0 0,0 1 0 0 0,21 4 0 0 0,15 2-375 0 0,145 10 1433 0 0,-143-17-1625 0 0,92-7 0 0 0,-131 4-141 0 0,8 0 0 0 0,20-5 0 0 0,-34 6 0 0 0,-1-1 0 0 0,0 1 0 0 0,0-1 0 0 0,0-1 0 0 0,0 1 0 0 0,0-1 0 0 0,0 1 0 0 0,7-7 0 0 0,-11 9 0 0 0,-1-1 0 0 0,1 0 0 0 0,0 0 0 0 0,0 1 0 0 0,-1-1 0 0 0,1 0 0 0 0,-1 0 0 0 0,1 1 0 0 0,-1-1 0 0 0,1 0 0 0 0,-1 0 0 0 0,1 0 0 0 0,-1 0 0 0 0,0 0 0 0 0,1 0 0 0 0,-1 0 0 0 0,0 0 0 0 0,0 0 0 0 0,0 0 0 0 0,0 0 0 0 0,0 0 0 0 0,0 0 0 0 0,0 0 0 0 0,0 0 0 0 0,0 0 0 0 0,0 0 0 0 0,-1 0 0 0 0,1 0 0 0 0,0 0 0 0 0,-1 0 0 0 0,1 0 0 0 0,-1 1 0 0 0,1-1 0 0 0,-1 0 0 0 0,1 0 0 0 0,-1 0 0 0 0,1 0 0 0 0,-1 1 0 0 0,0-1 0 0 0,-1-1 0 0 0,-1-1 0 0 0,0 1 0 0 0,0-1 0 0 0,-1 1 0 0 0,1-1 0 0 0,-1 1 0 0 0,1 0 0 0 0,-1 0 0 0 0,-6-2 0 0 0,-14-3 24 0 0,1 1 0 0 0,-2 0 0 0 0,1 2 0 0 0,-48-2 0 0 0,55 6 137 0 0,-10 0-37 0 0,19 0-77 0 0,9-1 8 0 0,44-7 636 0 0,71-25-1 0 0,-110 30-671 0 0,0 1 0 0 0,0 1 0 0 0,0-1 0 0 0,1 1 0 0 0,-1 0 0 0 0,1 1 0 0 0,7-1 0 0 0,-13 1-19 0 0,0 1 0 0 0,-1-1 0 0 0,1 0 0 0 0,-1 0 0 0 0,1 1 0 0 0,0-1 0 0 0,-1 0 0 0 0,1 1 0 0 0,-1-1 0 0 0,1 1 0 0 0,-1-1 0 0 0,1 1 0 0 0,-1-1 0 0 0,1 1 0 0 0,-1-1 0 0 0,1 1 0 0 0,-1-1 0 0 0,0 1 0 0 0,1-1 0 0 0,-1 1 0 0 0,0 0 0 0 0,0-1 0 0 0,1 1 0 0 0,-1 0 0 0 0,0-1 0 0 0,0 1 0 0 0,0 0 0 0 0,0-1 0 0 0,0 1 0 0 0,0 0 0 0 0,0-1 0 0 0,0 1 0 0 0,0 0 0 0 0,0-1 0 0 0,0 1 0 0 0,0 0 0 0 0,0-1 0 0 0,-1 2 0 0 0,-9 30 0 0 0,8-28 0 0 0,-9 23 0 0 0,-2-1 0 0 0,-27 42 0 0 0,-41 46 0 0 0,44-64 0 0 0,17-24-1948 0 0,5-6-3136 0 0,2-1-2875 0 0</inkml:trace>
+</inkml:ink>
+</file>
+
+<file path=ppt/ink/ink25.xml><?xml version="1.0" encoding="utf-8"?>
+<inkml:ink xmlns:inkml="http://www.w3.org/2003/InkML">
+  <inkml:definitions>
+    <inkml:context xml:id="ctx0">
+      <inkml:inkSource xml:id="inkSrc0">
+        <inkml:traceFormat>
+          <inkml:channel name="X" type="integer" min="-2.14748E9" max="2.14748E9" units="cm"/>
+          <inkml:channel name="Y" type="integer" min="-2.14748E9" max="2.14748E9" units="cm"/>
+          <inkml:channel name="F" type="integer" max="32767" units="dev"/>
+          <inkml:channel name="OA" type="integer" max="360" units="deg"/>
+          <inkml:channel name="OE" type="integer" max="90" units="deg"/>
+        </inkml:traceFormat>
+        <inkml:channelProperties>
+          <inkml:channelProperty channel="X" name="resolution" value="1000" units="1/cm"/>
+          <inkml:channelProperty channel="Y" name="resolution" value="1000" units="1/cm"/>
+          <inkml:channelProperty channel="F" name="resolution" value="0" units="1/dev"/>
+          <inkml:channelProperty channel="OA" name="resolution" value="1000" units="1/deg"/>
+          <inkml:channelProperty channel="OE" name="resolution" value="1000" units="1/deg"/>
+        </inkml:channelProperties>
+      </inkml:inkSource>
+      <inkml:timestamp xml:id="ts0" timeString="2021-02-24T20:01:17.983"/>
+    </inkml:context>
+    <inkml:brush xml:id="br0">
+      <inkml:brushProperty name="width" value="0.05" units="cm"/>
+      <inkml:brushProperty name="height" value="0.05" units="cm"/>
+      <inkml:brushProperty name="color" value="#004F8B"/>
+    </inkml:brush>
+  </inkml:definitions>
+  <inkml:trace contextRef="#ctx0" brushRef="#br0">0 34 16208 0 0,'0'0'1469'0'0,"2"0"-1208"0"0,27 5 531 0 0,0-1 0 0 0,0-2-1 0 0,0 0 1 0 0,0-2 0 0 0,0-2 0 0 0,51-8 0 0 0,56-8 2926 0 0,-104 14-4462 0 0,81-5-1397 0 0,-96 8-808 0 0,-11-2 1415 0 0</inkml:trace>
+</inkml:ink>
+</file>
+
+<file path=ppt/ink/ink26.xml><?xml version="1.0" encoding="utf-8"?>
+<inkml:ink xmlns:inkml="http://www.w3.org/2003/InkML">
+  <inkml:definitions>
+    <inkml:context xml:id="ctx0">
+      <inkml:inkSource xml:id="inkSrc0">
+        <inkml:traceFormat>
+          <inkml:channel name="X" type="integer" min="-2.14748E9" max="2.14748E9" units="cm"/>
+          <inkml:channel name="Y" type="integer" min="-2.14748E9" max="2.14748E9" units="cm"/>
+          <inkml:channel name="F" type="integer" max="32767" units="dev"/>
+          <inkml:channel name="OA" type="integer" max="360" units="deg"/>
+          <inkml:channel name="OE" type="integer" max="90" units="deg"/>
+        </inkml:traceFormat>
+        <inkml:channelProperties>
+          <inkml:channelProperty channel="X" name="resolution" value="1000" units="1/cm"/>
+          <inkml:channelProperty channel="Y" name="resolution" value="1000" units="1/cm"/>
+          <inkml:channelProperty channel="F" name="resolution" value="0" units="1/dev"/>
+          <inkml:channelProperty channel="OA" name="resolution" value="1000" units="1/deg"/>
+          <inkml:channelProperty channel="OE" name="resolution" value="1000" units="1/deg"/>
+        </inkml:channelProperties>
+      </inkml:inkSource>
+      <inkml:timestamp xml:id="ts0" timeString="2021-02-24T20:01:18.369"/>
+    </inkml:context>
+    <inkml:brush xml:id="br0">
+      <inkml:brushProperty name="width" value="0.05" units="cm"/>
+      <inkml:brushProperty name="height" value="0.05" units="cm"/>
+      <inkml:brushProperty name="color" value="#004F8B"/>
+    </inkml:brush>
+  </inkml:definitions>
+  <inkml:trace contextRef="#ctx0" brushRef="#br0">209 1 17503 0 0,'-3'4'203'0'0,"1"0"-1"0"0,-1 0 0 0 0,0 0 0 0 0,-4 4 0 0 0,-12 16 546 0 0,2 10-708 0 0,1 1 1 0 0,1 1-1 0 0,-16 64 0 0 0,-6 13 495 0 0,21-67-205 0 0,-13 62 1 0 0,24-90-319 0 0,4-13-468 0 0,0-1 0 0 0,-1 1 0 0 0,2 1 0 0 0,-1 5 0 0 0</inkml:trace>
+</inkml:ink>
+</file>
+
+<file path=ppt/ink/ink27.xml><?xml version="1.0" encoding="utf-8"?>
+<inkml:ink xmlns:inkml="http://www.w3.org/2003/InkML">
+  <inkml:definitions>
+    <inkml:context xml:id="ctx0">
+      <inkml:inkSource xml:id="inkSrc0">
+        <inkml:traceFormat>
+          <inkml:channel name="X" type="integer" min="-2.14748E9" max="2.14748E9" units="cm"/>
+          <inkml:channel name="Y" type="integer" min="-2.14748E9" max="2.14748E9" units="cm"/>
+          <inkml:channel name="F" type="integer" max="32767" units="dev"/>
+          <inkml:channel name="OA" type="integer" max="360" units="deg"/>
+          <inkml:channel name="OE" type="integer" max="90" units="deg"/>
+        </inkml:traceFormat>
+        <inkml:channelProperties>
+          <inkml:channelProperty channel="X" name="resolution" value="1000" units="1/cm"/>
+          <inkml:channelProperty channel="Y" name="resolution" value="1000" units="1/cm"/>
+          <inkml:channelProperty channel="F" name="resolution" value="0" units="1/dev"/>
+          <inkml:channelProperty channel="OA" name="resolution" value="1000" units="1/deg"/>
+          <inkml:channelProperty channel="OE" name="resolution" value="1000" units="1/deg"/>
+        </inkml:channelProperties>
+      </inkml:inkSource>
+      <inkml:timestamp xml:id="ts0" timeString="2021-02-24T20:01:18.717"/>
+    </inkml:context>
+    <inkml:brush xml:id="br0">
+      <inkml:brushProperty name="width" value="0.05" units="cm"/>
+      <inkml:brushProperty name="height" value="0.05" units="cm"/>
+      <inkml:brushProperty name="color" value="#004F8B"/>
+    </inkml:brush>
+  </inkml:definitions>
+  <inkml:trace contextRef="#ctx0" brushRef="#br0">83 1 8752 0 0,'-1'1'673'0'0,"-2"2"-532"0"0,0 0-1 0 0,0 0 1 0 0,1 0-1 0 0,-1 0 1 0 0,1 1-1 0 0,0-1 1 0 0,0 1-1 0 0,1 0 1 0 0,-1 0-1 0 0,1-1 1 0 0,-2 6-1 0 0,-1 7 1851 0 0,-2 26-1 0 0,4-24-1250 0 0,-14 81 528 0 0,-7 77-1450 0 0,22-166 131 0 0,0 14 99 0 0,0-1-1 0 0,4 41 1 0 0,2-29 61 0 0,-4-21 94 0 0,1 1 1 0 0,0-1-1 0 0,1 0 0 0 0,7 19 1 0 0,-8-29-126 0 0,0 0-1 0 0,0 0 1 0 0,0 0 0 0 0,1 0 0 0 0,-1 0-1 0 0,1-1 1 0 0,0 1 0 0 0,0-1 0 0 0,1 1-1 0 0,-1-1 1 0 0,1 0 0 0 0,-1 0 0 0 0,1-1-1 0 0,0 1 1 0 0,0-1 0 0 0,0 0 0 0 0,8 3-1 0 0,-9-4-36 0 0,-1-1 0 0 0,0 1 0 0 0,0-1-1 0 0,0 1 1 0 0,1-1 0 0 0,-1 0 0 0 0,0 0 0 0 0,1 0-1 0 0,-1 0 1 0 0,0-1 0 0 0,0 1 0 0 0,0-1-1 0 0,1 1 1 0 0,3-3 0 0 0,2 0 166 0 0,0-1 0 0 0,12-8 0 0 0,3-2 187 0 0,-9 6 6 0 0,17-14-1 0 0,5-2 233 0 0,-16 12-220 0 0,24-14 468 0 0,-40 24-724 0 0,1 0 0 0 0,-1 1 0 0 0,0-1-1 0 0,1 1 1 0 0,0 0 0 0 0,-1 0 0 0 0,1 0-1 0 0,5 0 1 0 0,-9 2-143 0 0,0-1-1 0 0,0 0 0 0 0,0 0 0 0 0,1 1 1 0 0,-1-1-1 0 0,0 0 0 0 0,0 1 1 0 0,0-1-1 0 0,0 1 0 0 0,0 0 1 0 0,0-1-1 0 0,0 1 0 0 0,0 0 0 0 0,0-1 1 0 0,0 1-1 0 0,0 0 0 0 0,0 0 1 0 0,-1 0-1 0 0,1 0 0 0 0,0 0 1 0 0,-1 0-1 0 0,1 0 0 0 0,0 0 0 0 0,-1 0 1 0 0,0 0-1 0 0,1 0 0 0 0,-1 1 1 0 0,1-1-1 0 0,-1 2 0 0 0,1 1 74 0 0,0 1 0 0 0,-1-1 0 0 0,1 0 0 0 0,-1 1 0 0 0,0-1-1 0 0,0 0 1 0 0,-1 5 0 0 0,-2 4 317 0 0,-8 22-1 0 0,7-23-420 0 0,-5 23-1 0 0,1-14-960 0 0,3-9-6438 0 0</inkml:trace>
+</inkml:ink>
+</file>
+
+<file path=ppt/ink/ink28.xml><?xml version="1.0" encoding="utf-8"?>
+<inkml:ink xmlns:inkml="http://www.w3.org/2003/InkML">
+  <inkml:definitions>
+    <inkml:context xml:id="ctx0">
+      <inkml:inkSource xml:id="inkSrc0">
+        <inkml:traceFormat>
+          <inkml:channel name="X" type="integer" min="-2.14748E9" max="2.14748E9" units="cm"/>
+          <inkml:channel name="Y" type="integer" min="-2.14748E9" max="2.14748E9" units="cm"/>
+          <inkml:channel name="F" type="integer" max="32767" units="dev"/>
+          <inkml:channel name="OA" type="integer" max="360" units="deg"/>
+          <inkml:channel name="OE" type="integer" max="90" units="deg"/>
+        </inkml:traceFormat>
+        <inkml:channelProperties>
+          <inkml:channelProperty channel="X" name="resolution" value="1000" units="1/cm"/>
+          <inkml:channelProperty channel="Y" name="resolution" value="1000" units="1/cm"/>
+          <inkml:channelProperty channel="F" name="resolution" value="0" units="1/dev"/>
+          <inkml:channelProperty channel="OA" name="resolution" value="1000" units="1/deg"/>
+          <inkml:channelProperty channel="OE" name="resolution" value="1000" units="1/deg"/>
+        </inkml:channelProperties>
+      </inkml:inkSource>
+      <inkml:timestamp xml:id="ts0" timeString="2021-02-24T20:01:19.270"/>
+    </inkml:context>
+    <inkml:brush xml:id="br0">
+      <inkml:brushProperty name="width" value="0.05" units="cm"/>
+      <inkml:brushProperty name="height" value="0.05" units="cm"/>
+      <inkml:brushProperty name="color" value="#004F8B"/>
+    </inkml:brush>
+  </inkml:definitions>
+  <inkml:trace contextRef="#ctx0" brushRef="#br0">22 0 9216 0 0,'0'0'3462'0'0,"-5"9"711"0"0,2 0-3738 0 0,0 0 0 0 0,1 1 0 0 0,-1-1 0 0 0,0 19 0 0 0,1 38-102 0 0,1-59-222 0 0,1 0-1 0 0,1 0 1 0 0,0 0-1 0 0,0 0 1 0 0,0 0-1 0 0,1-1 1 0 0,0 1-1 0 0,3 7 1 0 0,-4-12-77 0 0,0 0-1 0 0,0 0 1 0 0,0-1 0 0 0,0 1-1 0 0,0-1 1 0 0,0 1 0 0 0,1-1 0 0 0,-1 1-1 0 0,1-1 1 0 0,-1 0 0 0 0,1 0-1 0 0,0 1 1 0 0,-1-1 0 0 0,1 0-1 0 0,0-1 1 0 0,0 1 0 0 0,-1 0 0 0 0,1 0-1 0 0,0-1 1 0 0,0 1 0 0 0,0-1-1 0 0,0 0 1 0 0,0 1 0 0 0,0-1-1 0 0,0 0 1 0 0,0 0 0 0 0,0 0 0 0 0,0-1-1 0 0,0 1 1 0 0,0 0 0 0 0,0-1-1 0 0,2 0 1 0 0,5-2-33 0 0,0 0 0 0 0,0 0 0 0 0,0-1 0 0 0,0-1 0 0 0,-1 1 0 0 0,0-1 0 0 0,0-1 0 0 0,0 1 0 0 0,-1-1 0 0 0,1-1 0 0 0,-2 0 0 0 0,10-9 0 0 0,21-25 336 0 0,-12 16 118 0 0,-15 15-212 0 0,0 0 0 0 0,1 0-1 0 0,0 1 1 0 0,1 1 0 0 0,15-9-1 0 0,-27 17-206 0 0,1-1 1 0 0,0 1-1 0 0,0 0 0 0 0,-1-1 0 0 0,1 1 0 0 0,0 0 0 0 0,0 0 0 0 0,-1-1 1 0 0,1 1-1 0 0,0 0 0 0 0,0 0 0 0 0,-1 0 0 0 0,1 0 0 0 0,0 0 0 0 0,0 0 1 0 0,0 0-1 0 0,-1 0 0 0 0,1 1 0 0 0,0-1 0 0 0,0 0 0 0 0,-1 0 1 0 0,1 1-1 0 0,0-1 0 0 0,0 1 0 0 0,0 0-1 0 0,1 0-1 0 0,-1 0 1 0 0,0 0-1 0 0,0 0 1 0 0,0 0-1 0 0,-1 1 1 0 0,1-1-1 0 0,0 0 1 0 0,0 1-1 0 0,-1-1 1 0 0,2 3 0 0 0,0 3 27 0 0,0 0 1 0 0,-1 0 0 0 0,0 0-1 0 0,0 7 1 0 0,0 21 128 0 0,-2-25-122 0 0,1 0 1 0 0,1-1 0 0 0,1 15 0 0 0,-2-24-57 0 0,0 0 0 0 0,0 1 0 0 0,1-1 0 0 0,-1 0 0 0 0,0 0 0 0 0,0 0 0 0 0,0 0 0 0 0,0 0 0 0 0,0 0 0 0 0,0 0 0 0 0,0 1 0 0 0,0-1 0 0 0,0 0 0 0 0,0 0 0 0 0,0 0 0 0 0,0 0 0 0 0,0 0 0 0 0,0 0 1 0 0,0 0-1 0 0,1 0 0 0 0,-1 0 0 0 0,0 0 0 0 0,0 0 0 0 0,0 1 0 0 0,0-1 0 0 0,0 0 0 0 0,0 0 0 0 0,0 0 0 0 0,0 0 0 0 0,1 0 0 0 0,-1 0 0 0 0,0 0 0 0 0,0 0 0 0 0,0 0 0 0 0,0 0 0 0 0,0 0 0 0 0,0 0 1 0 0,0 0-1 0 0,1 0 0 0 0,-1 0 0 0 0,0 0 0 0 0,0 0 0 0 0,0 0 0 0 0,0 0 0 0 0,0 0 0 0 0,0-1 0 0 0,0 1 0 0 0,1 0 0 0 0,-1 0 0 0 0,0 0 0 0 0,0 0 0 0 0,9-8-396 0 0,11-18-1836 0 0,-14 18 1297 0 0,28-40-3795 0 0,-19 27 1567 0 0,24-27-1 0 0,-23 35 2570 0 0,-15 13 629 0 0,11 7 2513 0 0,-9-4-2047 0 0,0 0 0 0 0,0 0 0 0 0,-1 0-1 0 0,1 1 1 0 0,-1-1 0 0 0,0 1 0 0 0,1-1 0 0 0,-1 1 0 0 0,2 6 0 0 0,-1-1 50 0 0,1 1 0 0 0,-1-1 0 0 0,2 11 1 0 0,-2 2 152 0 0,0 0 1 0 0,-2 1-1 0 0,0-1 1 0 0,-1 0-1 0 0,-6 34 1 0 0,6-38-266 0 0,3-18 151 0 0,0-8-299 0 0,9-38 178 0 0,26-60-1 0 0,-35 98-622 0 0,4-8 112 0 0,15-29-1 0 0,-20 42-73 0 0,1-1 1 0 0,-1 0 0 0 0,1 1 0 0 0,0-1 0 0 0,-1 1-1 0 0,2 0 1 0 0,-1 0 0 0 0,0 0 0 0 0,0 1-1 0 0,1-1 1 0 0,0 1 0 0 0,-1-1 0 0 0,6-1 0 0 0,2 2-1348 0 0,3 2-70 0 0</inkml:trace>
+</inkml:ink>
+</file>
+
+<file path=ppt/ink/ink29.xml><?xml version="1.0" encoding="utf-8"?>
+<inkml:ink xmlns:inkml="http://www.w3.org/2003/InkML">
+  <inkml:definitions>
+    <inkml:context xml:id="ctx0">
+      <inkml:inkSource xml:id="inkSrc0">
+        <inkml:traceFormat>
+          <inkml:channel name="X" type="integer" min="-2.14748E9" max="2.14748E9" units="cm"/>
+          <inkml:channel name="Y" type="integer" min="-2.14748E9" max="2.14748E9" units="cm"/>
+          <inkml:channel name="F" type="integer" max="32767" units="dev"/>
+          <inkml:channel name="OA" type="integer" max="360" units="deg"/>
+          <inkml:channel name="OE" type="integer" max="90" units="deg"/>
+        </inkml:traceFormat>
+        <inkml:channelProperties>
+          <inkml:channelProperty channel="X" name="resolution" value="1000" units="1/cm"/>
+          <inkml:channelProperty channel="Y" name="resolution" value="1000" units="1/cm"/>
+          <inkml:channelProperty channel="F" name="resolution" value="0" units="1/dev"/>
+          <inkml:channelProperty channel="OA" name="resolution" value="1000" units="1/deg"/>
+          <inkml:channelProperty channel="OE" name="resolution" value="1000" units="1/deg"/>
+        </inkml:channelProperties>
+      </inkml:inkSource>
+      <inkml:timestamp xml:id="ts0" timeString="2021-02-24T20:01:19.947"/>
+    </inkml:context>
+    <inkml:brush xml:id="br0">
+      <inkml:brushProperty name="width" value="0.05" units="cm"/>
+      <inkml:brushProperty name="height" value="0.05" units="cm"/>
+      <inkml:brushProperty name="color" value="#004F8B"/>
+    </inkml:brush>
+  </inkml:definitions>
+  <inkml:trace contextRef="#ctx0" brushRef="#br0">0 207 4608 0 0,'1'1'8293'0'0,"7"4"-6922"0"0,-7-5-1249 0 0,-1 0 1 0 0,1 0-1 0 0,0 0 1 0 0,0 0 0 0 0,0 0-1 0 0,0 0 1 0 0,-1 0-1 0 0,1 0 1 0 0,0 0 0 0 0,0-1-1 0 0,0 1 1 0 0,-1 0-1 0 0,1-1 1 0 0,0 1 0 0 0,0 0-1 0 0,-1-1 1 0 0,1 1-1 0 0,0-1 1 0 0,-1 1 0 0 0,1-1-1 0 0,0 1 1 0 0,-1-1-1 0 0,1 0 1 0 0,-1 1 0 0 0,1-1-1 0 0,-1 0 1 0 0,1 1-1 0 0,-1-1 1 0 0,1-1-1 0 0,12-23 1511 0 0,37-76 1198 0 0,-27 55-1997 0 0,-18 36-645 0 0,2-5-134 0 0,-5 11-63 0 0,-2 6 12 0 0,-4 8-4 0 0,1 1 0 0 0,0-1 0 0 0,0 1 0 0 0,0 15 0 0 0,0-7 0 0 0,0 4 0 0 0,2-1 0 0 0,0 1 0 0 0,3 28 0 0 0,-1-45-5 0 0,0-1 0 0 0,0 1-1 0 0,0-1 1 0 0,1 1-1 0 0,0-1 1 0 0,0 0 0 0 0,0 0-1 0 0,0 0 1 0 0,5 5 0 0 0,-5-7 0 0 0,0 0 1 0 0,0 0 0 0 0,0 0 0 0 0,1 0 0 0 0,-1 0 0 0 0,1-1 0 0 0,0 1 0 0 0,0-1 0 0 0,0 0 0 0 0,0 0 0 0 0,0 0 0 0 0,0 0 0 0 0,1-1 0 0 0,5 3 0 0 0,-7-4 42 0 0,0 0 0 0 0,1 0 0 0 0,-1 0 0 0 0,1 0 0 0 0,-1 0 0 0 0,0-1 0 0 0,1 1 0 0 0,-1-1 1 0 0,0 0-1 0 0,0 1 0 0 0,1-1 0 0 0,-1 0 0 0 0,0 0 0 0 0,0 0 0 0 0,0-1 0 0 0,0 1 0 0 0,0 0 1 0 0,2-3-1 0 0,1-1 102 0 0,0 1 1 0 0,0-1-1 0 0,-1 1 0 0 0,0-1 1 0 0,7-10-1 0 0,1-10 9 0 0,0-1 0 0 0,-1 0-1 0 0,12-48 1 0 0,-5 16-269 0 0,-9 21-3885 0 0</inkml:trace>
+</inkml:ink>
+</file>
+
+<file path=ppt/ink/ink3.xml><?xml version="1.0" encoding="utf-8"?>
+<inkml:ink xmlns:inkml="http://www.w3.org/2003/InkML">
+  <inkml:definitions>
+    <inkml:context xml:id="ctx0">
+      <inkml:inkSource xml:id="inkSrc0">
+        <inkml:traceFormat>
+          <inkml:channel name="X" type="integer" min="-2.14748E9" max="2.14748E9" units="cm"/>
+          <inkml:channel name="Y" type="integer" min="-2.14748E9" max="2.14748E9" units="cm"/>
+          <inkml:channel name="F" type="integer" max="32767" units="dev"/>
+          <inkml:channel name="OA" type="integer" max="360" units="deg"/>
+          <inkml:channel name="OE" type="integer" max="90" units="deg"/>
+        </inkml:traceFormat>
+        <inkml:channelProperties>
+          <inkml:channelProperty channel="X" name="resolution" value="1000" units="1/cm"/>
+          <inkml:channelProperty channel="Y" name="resolution" value="1000" units="1/cm"/>
+          <inkml:channelProperty channel="F" name="resolution" value="0" units="1/dev"/>
+          <inkml:channelProperty channel="OA" name="resolution" value="1000" units="1/deg"/>
+          <inkml:channelProperty channel="OE" name="resolution" value="1000" units="1/deg"/>
+        </inkml:channelProperties>
+      </inkml:inkSource>
+      <inkml:timestamp xml:id="ts0" timeString="2021-02-24T20:00:44.512"/>
+    </inkml:context>
+    <inkml:brush xml:id="br0">
+      <inkml:brushProperty name="width" value="0.05" units="cm"/>
+      <inkml:brushProperty name="height" value="0.05" units="cm"/>
+      <inkml:brushProperty name="color" value="#004F8B"/>
+    </inkml:brush>
+  </inkml:definitions>
+  <inkml:trace contextRef="#ctx0" brushRef="#br0">69 0 3224 0 0,'-15'10'743'0'0,"13"-8"-565"0"0,0-1 0 0 0,-1 0 0 0 0,1 0 0 0 0,-1-1 1 0 0,1 1-1 0 0,-1 0 0 0 0,1-1 0 0 0,-1 0 0 0 0,0 1 1 0 0,1-1-1 0 0,-1 0 0 0 0,1 0 0 0 0,-1-1 1 0 0,-4 0-1 0 0,1 0-284 0 0,0 0 3897 0 0,6 4-1860 0 0,1-2-1547 0 0,0 0-216 0 0,-1 1 1 0 0,1-1 0 0 0,0 0 0 0 0,0 1-1 0 0,0-1 1 0 0,0 0 0 0 0,0 0 0 0 0,0 0-1 0 0,0 0 1 0 0,1 2 0 0 0,-1-3-31 0 0,2 3-40 0 0,0-1 1 0 0,0 0-1 0 0,0 1 0 0 0,1-1 0 0 0,-1-1 1 0 0,0 1-1 0 0,1 0 0 0 0,-1-1 0 0 0,1 0 0 0 0,6 2 1 0 0,5 0 54 0 0,22 0 0 0 0,-26-2-228 0 0,57-4-333 0 0,24 4 1017 0 0,-45-1-615 0 0,71 8 1 0 0,-8 13-591 0 0,41 6 1120 0 0,66 5 294 0 0,-108-20 1285 0 0,-14 0-3574 0 0,-66-9 1528 0 0,40 1 155 0 0,-43-3-163 0 0,-1 0-1 0 0,27 6 1 0 0,-10 0 320 0 0,70 2 0 0 0,-43-5 15 0 0,24-4 107 0 0,-78 0-393 0 0,1 0 0 0 0,0-1 0 0 0,28-6 0 0 0,-29 4-86 0 0,0 1-1 0 0,0 0 1 0 0,0 1 0 0 0,23 1 0 0 0,15 2 1442 0 0,-52-2-1452 0 0,-1 0-1 0 0,0 0 1 0 0,1 0-1 0 0,-1 0 1 0 0,1 0-1 0 0,-1 0 0 0 0,0 0 1 0 0,1 0-1 0 0,-1 0 1 0 0,1 0-1 0 0,-1 0 1 0 0,0 0-1 0 0,1-1 0 0 0,-1 1 1 0 0,1 0-1 0 0,-1 0 1 0 0,0 0-1 0 0,1 0 1 0 0,-1-1-1 0 0,0 1 1 0 0,1 0-1 0 0,-1 0 0 0 0,0-1 1 0 0,1 1-1 0 0,-1 0 1 0 0,0-1-1 0 0,1 1 1 0 0,-3-8-561 0 0,2 6-349 0 0</inkml:trace>
+</inkml:ink>
+</file>
+
+<file path=ppt/ink/ink30.xml><?xml version="1.0" encoding="utf-8"?>
+<inkml:ink xmlns:inkml="http://www.w3.org/2003/InkML">
+  <inkml:definitions>
+    <inkml:context xml:id="ctx0">
+      <inkml:inkSource xml:id="inkSrc0">
+        <inkml:traceFormat>
+          <inkml:channel name="X" type="integer" min="-2.14748E9" max="2.14748E9" units="cm"/>
+          <inkml:channel name="Y" type="integer" min="-2.14748E9" max="2.14748E9" units="cm"/>
+          <inkml:channel name="F" type="integer" max="32767" units="dev"/>
+          <inkml:channel name="OA" type="integer" max="360" units="deg"/>
+          <inkml:channel name="OE" type="integer" max="90" units="deg"/>
+        </inkml:traceFormat>
+        <inkml:channelProperties>
+          <inkml:channelProperty channel="X" name="resolution" value="1000" units="1/cm"/>
+          <inkml:channelProperty channel="Y" name="resolution" value="1000" units="1/cm"/>
+          <inkml:channelProperty channel="F" name="resolution" value="0" units="1/dev"/>
+          <inkml:channelProperty channel="OA" name="resolution" value="1000" units="1/deg"/>
+          <inkml:channelProperty channel="OE" name="resolution" value="1000" units="1/deg"/>
+        </inkml:channelProperties>
+      </inkml:inkSource>
+      <inkml:timestamp xml:id="ts0" timeString="2021-02-24T20:01:20.321"/>
+    </inkml:context>
+    <inkml:brush xml:id="br0">
+      <inkml:brushProperty name="width" value="0.05" units="cm"/>
+      <inkml:brushProperty name="height" value="0.05" units="cm"/>
+      <inkml:brushProperty name="color" value="#004F8B"/>
+    </inkml:brush>
+  </inkml:definitions>
+  <inkml:trace contextRef="#ctx0" brushRef="#br0">62 266 13360 0 0,'0'9'1184'0'0,"0"2"-944"0"0,-6 1-240 0 0,0 4 0 0 0,6-2 784 0 0,-5 1 111 0 0,0 3 17 0 0,-1-1 8 0 0,2 1-632 0 0,-1 0-120 0 0,2 2-24 0 0,-2-3-8 0 0,-1-2-64 0 0,4-3-8 0 0,-2 1-64 0 0,1-3 96 0 0,1-3-744 0 0,2 1-152 0 0</inkml:trace>
+  <inkml:trace contextRef="#ctx0" brushRef="#br0" timeOffset="1">146 6 16991 0 0,'0'0'1296'0'0,"-5"-3"-824"0"0,0 1-376 0 0,-2 4-1104 0 0</inkml:trace>
+</inkml:ink>
+</file>
+
+<file path=ppt/ink/ink31.xml><?xml version="1.0" encoding="utf-8"?>
+<inkml:ink xmlns:inkml="http://www.w3.org/2003/InkML">
+  <inkml:definitions>
+    <inkml:context xml:id="ctx0">
+      <inkml:inkSource xml:id="inkSrc0">
+        <inkml:traceFormat>
+          <inkml:channel name="X" type="integer" min="-2.14748E9" max="2.14748E9" units="cm"/>
+          <inkml:channel name="Y" type="integer" min="-2.14748E9" max="2.14748E9" units="cm"/>
+          <inkml:channel name="F" type="integer" max="32767" units="dev"/>
+          <inkml:channel name="OA" type="integer" max="360" units="deg"/>
+          <inkml:channel name="OE" type="integer" max="90" units="deg"/>
+        </inkml:traceFormat>
+        <inkml:channelProperties>
+          <inkml:channelProperty channel="X" name="resolution" value="1000" units="1/cm"/>
+          <inkml:channelProperty channel="Y" name="resolution" value="1000" units="1/cm"/>
+          <inkml:channelProperty channel="F" name="resolution" value="0" units="1/dev"/>
+          <inkml:channelProperty channel="OA" name="resolution" value="1000" units="1/deg"/>
+          <inkml:channelProperty channel="OE" name="resolution" value="1000" units="1/deg"/>
+        </inkml:channelProperties>
+      </inkml:inkSource>
+      <inkml:timestamp xml:id="ts0" timeString="2021-02-24T20:01:20.688"/>
+    </inkml:context>
+    <inkml:brush xml:id="br0">
+      <inkml:brushProperty name="width" value="0.05" units="cm"/>
+      <inkml:brushProperty name="height" value="0.05" units="cm"/>
+      <inkml:brushProperty name="color" value="#004F8B"/>
+    </inkml:brush>
+  </inkml:definitions>
+  <inkml:trace contextRef="#ctx0" brushRef="#br0">179 0 13104 0 0,'-8'6'510'0'0,"6"-4"-304"0"0,-1 0 1 0 0,0 0 0 0 0,1 0 0 0 0,-1-1 0 0 0,0 1 0 0 0,0-1 0 0 0,0 1 0 0 0,0-1 0 0 0,0 0-1 0 0,0 0 1 0 0,0-1 0 0 0,0 1 0 0 0,0 0 0 0 0,-4-1 0 0 0,2 0-66 0 0,0 0 1 0 0,1 1-1 0 0,-1 0 1 0 0,0-1-1 0 0,0 1 0 0 0,1 1 1 0 0,-1-1-1 0 0,0 1 1 0 0,1 0-1 0 0,0 0 1 0 0,-1 0-1 0 0,1 0 0 0 0,0 1 1 0 0,0 0-1 0 0,0 0 1 0 0,0 0-1 0 0,1 0 1 0 0,-1 1-1 0 0,1-1 0 0 0,0 1 1 0 0,0 0-1 0 0,0 0 1 0 0,1 0-1 0 0,-1 0 1 0 0,1 0-1 0 0,-3 7 0 0 0,3-5-73 0 0,0-1-1 0 0,0 1 1 0 0,1 0-1 0 0,-1 0 1 0 0,1-1-1 0 0,0 1 0 0 0,1 0 1 0 0,-1 0-1 0 0,1 0 1 0 0,1 0-1 0 0,-1 0 0 0 0,1 0 1 0 0,1 7-1 0 0,-1-11-52 0 0,-1 0 0 0 0,1 1 0 0 0,0-1-1 0 0,-1 0 1 0 0,1 0 0 0 0,0 0 0 0 0,0-1-1 0 0,0 1 1 0 0,1 0 0 0 0,-1 0 0 0 0,0 0-1 0 0,1-1 1 0 0,-1 1 0 0 0,1-1 0 0 0,-1 1-1 0 0,1-1 1 0 0,0 0 0 0 0,-1 1 0 0 0,1-1-1 0 0,0 0 1 0 0,0 0 0 0 0,3 1 0 0 0,-2-1 21 0 0,0 0 1 0 0,0 0 0 0 0,0 0 0 0 0,0-1-1 0 0,0 1 1 0 0,1-1 0 0 0,-1 0 0 0 0,0 0-1 0 0,0 0 1 0 0,0 0 0 0 0,1 0 0 0 0,-1-1-1 0 0,0 1 1 0 0,5-2 0 0 0,0-2 51 0 0,-1 0 0 0 0,1-1-1 0 0,-1 0 1 0 0,1 0 0 0 0,-1 0 0 0 0,-1-1 0 0 0,1 0 0 0 0,-1 0-1 0 0,0-1 1 0 0,6-9 0 0 0,12-12 34 0 0,-20 24 29 0 0,1 0-1 0 0,-1 0 1 0 0,0 1 0 0 0,1 0-1 0 0,7-4 1 0 0,-11 6 310 0 0,12 9 313 0 0,-12-5-761 0 0,0-1 0 0 0,0 1 1 0 0,0 0-1 0 0,0-1 1 0 0,0 1-1 0 0,0 0 1 0 0,-1-1-1 0 0,0 1 1 0 0,1 0-1 0 0,-1 0 1 0 0,0-1-1 0 0,0 1 1 0 0,-1 3-1 0 0,-8 38-133 0 0,8-39 146 0 0,-4 12 149 0 0,-1 0-1 0 0,0 0 1 0 0,-2 0-1 0 0,-17 29 1 0 0,-48 57 832 0 0,58-82-963 0 0,9-13-143 0 0,-1 1-1 0 0,-1-1 0 0 0,-8 7 1 0 0,13-12 32 0 0,0 0 0 0 0,0-1 1 0 0,-1 1-1 0 0,1-1 0 0 0,-1 0 1 0 0,0 0-1 0 0,1-1 0 0 0,-1 1 1 0 0,0-1-1 0 0,0 0 0 0 0,-6 2 1 0 0,9-3-57 0 0,0 0 1 0 0,1 0 0 0 0,-1 0 0 0 0,0 0 0 0 0,0 0 0 0 0,1 0 0 0 0,-1 0-1 0 0,0 0 1 0 0,1 0 0 0 0,-1-1 0 0 0,0 1 0 0 0,0 0 0 0 0,1 0 0 0 0,-1-1 0 0 0,0 1-1 0 0,1 0 1 0 0,-1-1 0 0 0,1 1 0 0 0,-1-1 0 0 0,0 1 0 0 0,1-1 0 0 0,-1 1 0 0 0,1-1-1 0 0,-1 1 1 0 0,1-1 0 0 0,0 0 0 0 0,-1 1 0 0 0,1-1 0 0 0,0 1 0 0 0,-1-1 0 0 0,1 0-1 0 0,0 1 1 0 0,-1-1 0 0 0,1-1 0 0 0,0-9-1469 0 0</inkml:trace>
+</inkml:ink>
+</file>
+
+<file path=ppt/ink/ink32.xml><?xml version="1.0" encoding="utf-8"?>
+<inkml:ink xmlns:inkml="http://www.w3.org/2003/InkML">
+  <inkml:definitions>
+    <inkml:context xml:id="ctx0">
+      <inkml:inkSource xml:id="inkSrc0">
+        <inkml:traceFormat>
+          <inkml:channel name="X" type="integer" min="-2.14748E9" max="2.14748E9" units="cm"/>
+          <inkml:channel name="Y" type="integer" min="-2.14748E9" max="2.14748E9" units="cm"/>
+          <inkml:channel name="F" type="integer" max="32767" units="dev"/>
+          <inkml:channel name="OA" type="integer" max="360" units="deg"/>
+          <inkml:channel name="OE" type="integer" max="90" units="deg"/>
+        </inkml:traceFormat>
+        <inkml:channelProperties>
+          <inkml:channelProperty channel="X" name="resolution" value="1000" units="1/cm"/>
+          <inkml:channelProperty channel="Y" name="resolution" value="1000" units="1/cm"/>
+          <inkml:channelProperty channel="F" name="resolution" value="0" units="1/dev"/>
+          <inkml:channelProperty channel="OA" name="resolution" value="1000" units="1/deg"/>
+          <inkml:channelProperty channel="OE" name="resolution" value="1000" units="1/deg"/>
+        </inkml:channelProperties>
+      </inkml:inkSource>
+      <inkml:timestamp xml:id="ts0" timeString="2021-02-24T20:01:21.059"/>
+    </inkml:context>
+    <inkml:brush xml:id="br0">
+      <inkml:brushProperty name="width" value="0.05" units="cm"/>
+      <inkml:brushProperty name="height" value="0.05" units="cm"/>
+      <inkml:brushProperty name="color" value="#004F8B"/>
+    </inkml:brush>
+  </inkml:definitions>
+  <inkml:trace contextRef="#ctx0" brushRef="#br0">0 51 14832 0 0,'1'-6'246'0'0,"1"0"0"0"0,0 0 1 0 0,0 0-1 0 0,0 0 1 0 0,1 1-1 0 0,5-10 1217 0 0,-5 22-1020 0 0,0-1 1 0 0,-1 1 0 0 0,0 0 0 0 0,0 1-1 0 0,-1-1 1 0 0,2 14 0 0 0,-3 47 64 0 0,-1-14 507 0 0,9 83 545 0 0,-8-135-1467 0 0,0 0 1 0 0,0 1-1 0 0,0-1 1 0 0,1 0-1 0 0,-1 0 1 0 0,1 0-1 0 0,-1 0 1 0 0,1 0-1 0 0,0 0 1 0 0,0 0-1 0 0,0 0 1 0 0,0 0-1 0 0,0 0 1 0 0,0 0-1 0 0,0-1 1 0 0,2 3-1 0 0,-1-3-58 0 0,-1 0 0 0 0,1-1 0 0 0,-1 1-1 0 0,1-1 1 0 0,-1 1 0 0 0,1-1 0 0 0,-1 0 0 0 0,1 0-1 0 0,-1 0 1 0 0,1 0 0 0 0,-1 0 0 0 0,1 0 0 0 0,-1 0-1 0 0,1 0 1 0 0,-1 0 0 0 0,1-1 0 0 0,-1 1 0 0 0,1-1-1 0 0,-1 1 1 0 0,1-1 0 0 0,-1 0 0 0 0,0 1 0 0 0,1-1-1 0 0,-1 0 1 0 0,0 0 0 0 0,0 0 0 0 0,0 0 0 0 0,1 0-1 0 0,0-2 1 0 0,3-1 123 0 0,11-7 121 0 0,1-1 1 0 0,32-14-1 0 0,-48 25-269 0 0,0 1 1 0 0,0-1-1 0 0,0 1 0 0 0,0-1 1 0 0,0 1-1 0 0,0 0 0 0 0,0 0 0 0 0,0-1 1 0 0,0 1-1 0 0,0 0 0 0 0,0 0 1 0 0,0 0-1 0 0,0 0 0 0 0,0 0 0 0 0,0 0 1 0 0,0 0-1 0 0,1 1 0 0 0,-1-1 1 0 0,0 0-1 0 0,0 1 0 0 0,0-1 0 0 0,0 0 1 0 0,0 1-1 0 0,0-1 0 0 0,-1 1 1 0 0,1 0-1 0 0,0-1 0 0 0,0 1 0 0 0,0 0 1 0 0,0-1-1 0 0,-1 1 0 0 0,1 0 1 0 0,0 0-1 0 0,-1 0 0 0 0,1 0 0 0 0,0 0 1 0 0,-1 0-1 0 0,1 0 0 0 0,-1 0 1 0 0,0 0-1 0 0,1 1 0 0 0,1 3 52 0 0,-1 1 0 0 0,1-1-1 0 0,-1 1 1 0 0,-1 0 0 0 0,1 0-1 0 0,-1 7 1 0 0,-1 0-70 0 0,0-1 0 0 0,-1 1-1 0 0,0-1 1 0 0,-7 19 0 0 0,-3 15-31 0 0,12-44-396 0 0,-2 11 1406 0 0,4-7-2919 0 0</inkml:trace>
+</inkml:ink>
+</file>
+
+<file path=ppt/ink/ink33.xml><?xml version="1.0" encoding="utf-8"?>
+<inkml:ink xmlns:inkml="http://www.w3.org/2003/InkML">
+  <inkml:definitions>
+    <inkml:context xml:id="ctx0">
+      <inkml:inkSource xml:id="inkSrc0">
+        <inkml:traceFormat>
+          <inkml:channel name="X" type="integer" min="-2.14748E9" max="2.14748E9" units="cm"/>
+          <inkml:channel name="Y" type="integer" min="-2.14748E9" max="2.14748E9" units="cm"/>
+          <inkml:channel name="F" type="integer" max="32767" units="dev"/>
+          <inkml:channel name="OA" type="integer" max="360" units="deg"/>
+          <inkml:channel name="OE" type="integer" max="90" units="deg"/>
+        </inkml:traceFormat>
+        <inkml:channelProperties>
+          <inkml:channelProperty channel="X" name="resolution" value="1000" units="1/cm"/>
+          <inkml:channelProperty channel="Y" name="resolution" value="1000" units="1/cm"/>
+          <inkml:channelProperty channel="F" name="resolution" value="0" units="1/dev"/>
+          <inkml:channelProperty channel="OA" name="resolution" value="1000" units="1/deg"/>
+          <inkml:channelProperty channel="OE" name="resolution" value="1000" units="1/deg"/>
+        </inkml:channelProperties>
+      </inkml:inkSource>
+      <inkml:timestamp xml:id="ts0" timeString="2021-02-24T20:01:21.436"/>
+    </inkml:context>
+    <inkml:brush xml:id="br0">
+      <inkml:brushProperty name="width" value="0.05" units="cm"/>
+      <inkml:brushProperty name="height" value="0.05" units="cm"/>
+      <inkml:brushProperty name="color" value="#004F8B"/>
+    </inkml:brush>
+  </inkml:definitions>
+  <inkml:trace contextRef="#ctx0" brushRef="#br0">15 1 13360 0 0,'0'0'1209'0'0,"1"1"-994"0"0,-1 22-95 0 0,0-3 2029 0 0,0-13-872 0 0,0 1 1 0 0,-1-1-1 0 0,1 0 1 0 0,-1-1-1 0 0,-3 11 1 0 0,2-8-1066 0 0,0 0 0 0 0,1-1 1 0 0,0 10-1 0 0,-2 124 1836 0 0,4-48-2048 0 0,4 0-2824 0 0,0-101-104 0 0</inkml:trace>
+</inkml:ink>
+</file>
+
+<file path=ppt/ink/ink34.xml><?xml version="1.0" encoding="utf-8"?>
+<inkml:ink xmlns:inkml="http://www.w3.org/2003/InkML">
+  <inkml:definitions>
+    <inkml:context xml:id="ctx0">
+      <inkml:inkSource xml:id="inkSrc0">
+        <inkml:traceFormat>
+          <inkml:channel name="X" type="integer" min="-2.14748E9" max="2.14748E9" units="cm"/>
+          <inkml:channel name="Y" type="integer" min="-2.14748E9" max="2.14748E9" units="cm"/>
+          <inkml:channel name="F" type="integer" max="32767" units="dev"/>
+          <inkml:channel name="OA" type="integer" max="360" units="deg"/>
+          <inkml:channel name="OE" type="integer" max="90" units="deg"/>
+        </inkml:traceFormat>
+        <inkml:channelProperties>
+          <inkml:channelProperty channel="X" name="resolution" value="1000" units="1/cm"/>
+          <inkml:channelProperty channel="Y" name="resolution" value="1000" units="1/cm"/>
+          <inkml:channelProperty channel="F" name="resolution" value="0" units="1/dev"/>
+          <inkml:channelProperty channel="OA" name="resolution" value="1000" units="1/deg"/>
+          <inkml:channelProperty channel="OE" name="resolution" value="1000" units="1/deg"/>
+        </inkml:channelProperties>
+      </inkml:inkSource>
+      <inkml:timestamp xml:id="ts0" timeString="2021-02-24T20:01:21.809"/>
+    </inkml:context>
+    <inkml:brush xml:id="br0">
+      <inkml:brushProperty name="width" value="0.05" units="cm"/>
+      <inkml:brushProperty name="height" value="0.05" units="cm"/>
+      <inkml:brushProperty name="color" value="#004F8B"/>
+    </inkml:brush>
+  </inkml:definitions>
+  <inkml:trace contextRef="#ctx0" brushRef="#br0">1 3 19351 0 0,'0'0'1751'0'0,"8"3"-520"0"0,7 4-821 0 0,1-1 1 0 0,0 0-1 0 0,1-1 1 0 0,-1-1-1 0 0,1-1 0 0 0,25 2 1 0 0,3-2 794 0 0,55-5-1 0 0,-90 2-1315 0 0,0-1 0 0 0,0 0 0 0 0,0-1 0 0 0,0 0 0 0 0,0 0 0 0 0,0-1 0 0 0,-1 0 0 0 0,1-1 0 0 0,-1 0 0 0 0,11-6 0 0 0,-8 0-764 0 0</inkml:trace>
+</inkml:ink>
+</file>
+
+<file path=ppt/ink/ink35.xml><?xml version="1.0" encoding="utf-8"?>
+<inkml:ink xmlns:inkml="http://www.w3.org/2003/InkML">
+  <inkml:definitions>
+    <inkml:context xml:id="ctx0">
+      <inkml:inkSource xml:id="inkSrc0">
+        <inkml:traceFormat>
+          <inkml:channel name="X" type="integer" min="-2.14748E9" max="2.14748E9" units="cm"/>
+          <inkml:channel name="Y" type="integer" min="-2.14748E9" max="2.14748E9" units="cm"/>
+          <inkml:channel name="F" type="integer" max="32767" units="dev"/>
+          <inkml:channel name="OA" type="integer" max="360" units="deg"/>
+          <inkml:channel name="OE" type="integer" max="90" units="deg"/>
+        </inkml:traceFormat>
+        <inkml:channelProperties>
+          <inkml:channelProperty channel="X" name="resolution" value="1000" units="1/cm"/>
+          <inkml:channelProperty channel="Y" name="resolution" value="1000" units="1/cm"/>
+          <inkml:channelProperty channel="F" name="resolution" value="0" units="1/dev"/>
+          <inkml:channelProperty channel="OA" name="resolution" value="1000" units="1/deg"/>
+          <inkml:channelProperty channel="OE" name="resolution" value="1000" units="1/deg"/>
+        </inkml:channelProperties>
+      </inkml:inkSource>
+      <inkml:timestamp xml:id="ts0" timeString="2021-02-24T20:01:23.603"/>
+    </inkml:context>
+    <inkml:brush xml:id="br0">
+      <inkml:brushProperty name="width" value="0.05" units="cm"/>
+      <inkml:brushProperty name="height" value="0.05" units="cm"/>
+      <inkml:brushProperty name="color" value="#004F8B"/>
+    </inkml:brush>
+  </inkml:definitions>
+  <inkml:trace contextRef="#ctx0" brushRef="#br0">23 109 15952 0 0,'-7'-2'272'0'0,"6"2"-175"0"0,0 0 1 0 0,0 0 0 0 0,-1-1 0 0 0,1 1-1 0 0,0-1 1 0 0,0 1 0 0 0,0-1 0 0 0,0 1-1 0 0,-1-1 1 0 0,1 1 0 0 0,-1-2 0 0 0,2 0 220 0 0,12 4 449 0 0,125 14 182 0 0,-120-15-944 0 0,109 4 327 0 0,-102-5-243 0 0,1-1 1 0 0,0-2-1 0 0,25-5 0 0 0,-47 7-72 0 0,-2 1 0 0 0,1 0-1 0 0,0 0 1 0 0,0-1-1 0 0,0 1 1 0 0,0-1 0 0 0,-1 0-1 0 0,1 1 1 0 0,0-1-1 0 0,0 0 1 0 0,-1 0-1 0 0,1 0 1 0 0,-1 0 0 0 0,3-2-1 0 0,-5 2 26 0 0,1-1 0 0 0,-1 0 0 0 0,0 1 0 0 0,1-1 1 0 0,-1 0-1 0 0,0 1 0 0 0,0-1 0 0 0,0 1 0 0 0,0 0 0 0 0,0-1 0 0 0,-2-1 0 0 0,-7-5 179 0 0,-1 1 0 0 0,0 1-1 0 0,0-1 1 0 0,-1 2 0 0 0,1-1-1 0 0,-21-5 1 0 0,15 5 26 0 0,-41-11 448 0 0,51 14-570 0 0,6 3-75 0 0,1 0 1 0 0,-1-1-1 0 0,1 1 1 0 0,-1 0 0 0 0,1 0-1 0 0,-1-1 1 0 0,1 1 0 0 0,-1 0-1 0 0,1 0 1 0 0,-1 0 0 0 0,0 0-1 0 0,1-1 1 0 0,-1 1 0 0 0,1 0-1 0 0,-1 0 1 0 0,1 0 0 0 0,-1 1-1 0 0,0-1 1 0 0,1 0-1 0 0,-1 0 1 0 0,1 0 0 0 0,-1 0-1 0 0,1 0 1 0 0,-1 1 0 0 0,1-1-1 0 0,-1 0 1 0 0,0 0 0 0 0,0 1-1 0 0,3-1-14 0 0,-1 0 0 0 0,0 1 0 0 0,1-1-1 0 0,-1 0 1 0 0,0 1 0 0 0,1-1 0 0 0,-1 1-1 0 0,0-1 1 0 0,2 2 0 0 0,-1-2-27 0 0,10 4-67 0 0,0-1-1 0 0,0-1 1 0 0,1 0-1 0 0,16 0 1 0 0,2 1 118 0 0,-6-1 1 0 0,-10-1 3 0 0,27 5 1 0 0,-39-5-57 0 0,1 0 1 0 0,-1 0-1 0 0,0 0 1 0 0,0 0-1 0 0,1 1 1 0 0,-1-1-1 0 0,0 1 1 0 0,0 0-1 0 0,0 0 1 0 0,-1 0 0 0 0,1 0-1 0 0,0 0 1 0 0,2 4-1 0 0,-4-5-1 0 0,0 0 1 0 0,-1 1-1 0 0,1-1 0 0 0,-1 0 0 0 0,1 1 0 0 0,-1-1 1 0 0,1 1-1 0 0,-1-1 0 0 0,0 1 0 0 0,1-1 0 0 0,-1 0 1 0 0,0 1-1 0 0,0-1 0 0 0,0 1 0 0 0,0-1 0 0 0,0 1 0 0 0,-1-1 1 0 0,1 1-1 0 0,0-1 0 0 0,-1 1 0 0 0,1-1 0 0 0,-1 0 1 0 0,1 1-1 0 0,-1-1 0 0 0,0 0 0 0 0,1 1 0 0 0,-1-1 1 0 0,0 0-1 0 0,-1 2 0 0 0,-3 2 24 0 0,1 1-1 0 0,-1-1 1 0 0,0 0 0 0 0,-8 6 0 0 0,-4 1-55 0 0,0 0 0 0 0,-35 18 0 0 0,-9-4-3702 0 0,44-21-4289 0 0</inkml:trace>
+</inkml:ink>
+</file>
+
+<file path=ppt/ink/ink36.xml><?xml version="1.0" encoding="utf-8"?>
+<inkml:ink xmlns:inkml="http://www.w3.org/2003/InkML">
+  <inkml:definitions>
+    <inkml:context xml:id="ctx0">
+      <inkml:inkSource xml:id="inkSrc0">
+        <inkml:traceFormat>
+          <inkml:channel name="X" type="integer" min="-2.14748E9" max="2.14748E9" units="cm"/>
+          <inkml:channel name="Y" type="integer" min="-2.14748E9" max="2.14748E9" units="cm"/>
+          <inkml:channel name="F" type="integer" max="32767" units="dev"/>
+          <inkml:channel name="OA" type="integer" max="360" units="deg"/>
+          <inkml:channel name="OE" type="integer" max="90" units="deg"/>
+        </inkml:traceFormat>
+        <inkml:channelProperties>
+          <inkml:channelProperty channel="X" name="resolution" value="1000" units="1/cm"/>
+          <inkml:channelProperty channel="Y" name="resolution" value="1000" units="1/cm"/>
+          <inkml:channelProperty channel="F" name="resolution" value="0" units="1/dev"/>
+          <inkml:channelProperty channel="OA" name="resolution" value="1000" units="1/deg"/>
+          <inkml:channelProperty channel="OE" name="resolution" value="1000" units="1/deg"/>
+        </inkml:channelProperties>
+      </inkml:inkSource>
+      <inkml:timestamp xml:id="ts0" timeString="2021-02-24T20:01:24.344"/>
+    </inkml:context>
+    <inkml:brush xml:id="br0">
+      <inkml:brushProperty name="width" value="0.05" units="cm"/>
+      <inkml:brushProperty name="height" value="0.05" units="cm"/>
+      <inkml:brushProperty name="color" value="#004F8B"/>
+    </inkml:brush>
+  </inkml:definitions>
+  <inkml:trace contextRef="#ctx0" brushRef="#br0">169 41 16184 0 0,'0'2'365'0'0,"-7"46"1029"0"0,5-11-915 0 0,-2 0 0 0 0,-15 66-1 0 0,0-5-418 0 0,-6 38 12 0 0,19-111 376 0 0,-1-1 1 0 0,-1 0 0 0 0,-16 33 0 0 0,17-45-297 0 0,0 1 0 0 0,-1-1 0 0 0,-9 13 0 0 0,17-25-117 0 0,0 0 0 0 0,0 0 0 0 0,0 0 0 0 0,-1 0 0 0 0,1 0 0 0 0,0 0 0 0 0,0 1 0 0 0,0-1 0 0 0,0 0 0 0 0,0 0-1 0 0,0 0 1 0 0,0 0 0 0 0,0 0 0 0 0,-1 0 0 0 0,1 0 0 0 0,0 0 0 0 0,0 0 0 0 0,0 0 0 0 0,0 1 0 0 0,0-1 0 0 0,0 0 0 0 0,-1 0 0 0 0,1 0 0 0 0,0 0 0 0 0,0 0 0 0 0,0 0 0 0 0,0 0 0 0 0,0 0 0 0 0,-1 0 0 0 0,1 0 0 0 0,0 0-1 0 0,0 0 1 0 0,0 0 0 0 0,0 0 0 0 0,0-1 0 0 0,-1 1 0 0 0,1 0 0 0 0,0 0 0 0 0,0 0 0 0 0,0 0 0 0 0,0 0 0 0 0,-3-7 223 0 0,2-10-379 0 0,23-114 121 0 0,-19 113 0 0 0,5-16 97 0 0,0 1-1 0 0,2 0 0 0 0,2 1 1 0 0,1 0-1 0 0,1 1 1 0 0,27-42-1 0 0,-26 49 57 0 0,2 1-1 0 0,0 1 1 0 0,2 0-1 0 0,0 1 1 0 0,1 2-1 0 0,1 0 1 0 0,1 1 0 0 0,29-18-1 0 0,-39 28-143 0 0,1 0 0 0 0,0 2 1 0 0,1 0-1 0 0,-1 0 0 0 0,17-4 0 0 0,-25 9 92 0 0,0 0 1 0 0,1 0 0 0 0,-1 0-1 0 0,0 0 1 0 0,0 1-1 0 0,0 0 1 0 0,0 0-1 0 0,0 0 1 0 0,1 1-1 0 0,-1-1 1 0 0,0 1 0 0 0,0 1-1 0 0,0-1 1 0 0,0 1-1 0 0,0 0 1 0 0,-1 0-1 0 0,9 5 1 0 0,-10-5-95 0 0,-1 0 1 0 0,1 1-1 0 0,-1-1 1 0 0,1 1 0 0 0,-1 0-1 0 0,0 0 1 0 0,0 0-1 0 0,-1 0 1 0 0,1 0-1 0 0,0 0 1 0 0,-1 0-1 0 0,0 1 1 0 0,0-1 0 0 0,0 0-1 0 0,0 1 1 0 0,0-1-1 0 0,-1 1 1 0 0,0-1-1 0 0,1 1 1 0 0,-2 6-1 0 0,1-1-6 0 0,-1 0 0 0 0,-1-1 0 0 0,1 1 0 0 0,-1 0 0 0 0,-1-1-1 0 0,1 0 1 0 0,-6 11 0 0 0,-2 0 28 0 0,-1-1 1 0 0,0 0-1 0 0,-1 0 0 0 0,-1-2 1 0 0,-1 1-1 0 0,0-2 0 0 0,-1 0 1 0 0,-34 26-1 0 0,43-37-121 0 0,-1 1 0 0 0,0-1 0 0 0,0-1 0 0 0,-1 1-1 0 0,1-1 1 0 0,-1-1 0 0 0,0 1 0 0 0,0-1 0 0 0,1-1 0 0 0,-1 1 0 0 0,0-1-1 0 0,0-1 1 0 0,-1 0 0 0 0,1 0 0 0 0,0 0 0 0 0,0-1 0 0 0,0 0 0 0 0,-14-4 0 0 0,21 5-115 0 0,-1-1 1 0 0,0 0-1 0 0,0 0 1 0 0,1 1-1 0 0,-1-1 0 0 0,0 0 1 0 0,1 0-1 0 0,-1 0 1 0 0,1-1-1 0 0,0 1 1 0 0,-1 0-1 0 0,0-2 1 0 0,-2-8-6408 0 0,6-1-664 0 0</inkml:trace>
+</inkml:ink>
+</file>
+
+<file path=ppt/ink/ink37.xml><?xml version="1.0" encoding="utf-8"?>
+<inkml:ink xmlns:inkml="http://www.w3.org/2003/InkML">
+  <inkml:definitions>
+    <inkml:context xml:id="ctx0">
+      <inkml:inkSource xml:id="inkSrc0">
+        <inkml:traceFormat>
+          <inkml:channel name="X" type="integer" min="-2.14748E9" max="2.14748E9" units="cm"/>
+          <inkml:channel name="Y" type="integer" min="-2.14748E9" max="2.14748E9" units="cm"/>
+          <inkml:channel name="F" type="integer" max="32767" units="dev"/>
+          <inkml:channel name="OA" type="integer" max="360" units="deg"/>
+          <inkml:channel name="OE" type="integer" max="90" units="deg"/>
+        </inkml:traceFormat>
+        <inkml:channelProperties>
+          <inkml:channelProperty channel="X" name="resolution" value="1000" units="1/cm"/>
+          <inkml:channelProperty channel="Y" name="resolution" value="1000" units="1/cm"/>
+          <inkml:channelProperty channel="F" name="resolution" value="0" units="1/dev"/>
+          <inkml:channelProperty channel="OA" name="resolution" value="1000" units="1/deg"/>
+          <inkml:channelProperty channel="OE" name="resolution" value="1000" units="1/deg"/>
+        </inkml:channelProperties>
+      </inkml:inkSource>
+      <inkml:timestamp xml:id="ts0" timeString="2021-02-24T20:01:24.749"/>
+    </inkml:context>
+    <inkml:brush xml:id="br0">
+      <inkml:brushProperty name="width" value="0.05" units="cm"/>
+      <inkml:brushProperty name="height" value="0.05" units="cm"/>
+      <inkml:brushProperty name="color" value="#004F8B"/>
+    </inkml:brush>
+  </inkml:definitions>
+  <inkml:trace contextRef="#ctx0" brushRef="#br0">79 306 8752 0 0,'2'3'770'0'0,"-1"0"1"0"0,0 0-1 0 0,1 0 1 0 0,-1 1-1 0 0,0-1 1 0 0,0 0-1 0 0,-1 0 1 0 0,1 1-1 0 0,-1-1 1 0 0,0 1-1 0 0,0 5 1 0 0,-5 39 405 0 0,-3-13-209 0 0,-24 65 0 0 0,0-1-154 0 0,20-64-2491 0 0</inkml:trace>
+  <inkml:trace contextRef="#ctx0" brushRef="#br0" timeOffset="0.99">200 91 12440 0 0,'-5'-20'544'0'0,"5"9"128"0"0,-4-1-544 0 0,1-1-128 0 0,0 6 0 0 0,-2-3 0 0 0,0-3 1384 0 0,2 8 1935 0 0</inkml:trace>
+</inkml:ink>
+</file>
+
+<file path=ppt/ink/ink38.xml><?xml version="1.0" encoding="utf-8"?>
+<inkml:ink xmlns:inkml="http://www.w3.org/2003/InkML">
+  <inkml:definitions>
+    <inkml:context xml:id="ctx0">
+      <inkml:inkSource xml:id="inkSrc0">
+        <inkml:traceFormat>
+          <inkml:channel name="X" type="integer" min="-2.14748E9" max="2.14748E9" units="cm"/>
+          <inkml:channel name="Y" type="integer" min="-2.14748E9" max="2.14748E9" units="cm"/>
+          <inkml:channel name="F" type="integer" max="32767" units="dev"/>
+          <inkml:channel name="OA" type="integer" max="360" units="deg"/>
+          <inkml:channel name="OE" type="integer" max="90" units="deg"/>
+        </inkml:traceFormat>
+        <inkml:channelProperties>
+          <inkml:channelProperty channel="X" name="resolution" value="1000" units="1/cm"/>
+          <inkml:channelProperty channel="Y" name="resolution" value="1000" units="1/cm"/>
+          <inkml:channelProperty channel="F" name="resolution" value="0" units="1/dev"/>
+          <inkml:channelProperty channel="OA" name="resolution" value="1000" units="1/deg"/>
+          <inkml:channelProperty channel="OE" name="resolution" value="1000" units="1/deg"/>
+        </inkml:channelProperties>
+      </inkml:inkSource>
+      <inkml:timestamp xml:id="ts0" timeString="2021-02-24T20:01:25.211"/>
+    </inkml:context>
+    <inkml:brush xml:id="br0">
+      <inkml:brushProperty name="width" value="0.05" units="cm"/>
+      <inkml:brushProperty name="height" value="0.05" units="cm"/>
+      <inkml:brushProperty name="color" value="#004F8B"/>
+    </inkml:brush>
+  </inkml:definitions>
+  <inkml:trace contextRef="#ctx0" brushRef="#br0">174 1 19351 0 0,'-18'10'354'0'0,"1"2"-1"0"0,0 0 0 0 0,1 1 1 0 0,0 0-1 0 0,-16 19 0 0 0,22-21-317 0 0,2-2 87 0 0,0 0 1 0 0,-10 16 0 0 0,16-22-73 0 0,0 0 0 0 0,0 0 0 0 0,1 0 0 0 0,0 1 0 0 0,-1-1 0 0 0,1 1 0 0 0,1-1 0 0 0,-1 1 0 0 0,0-1-1 0 0,1 1 1 0 0,0-1 0 0 0,-1 1 0 0 0,2 3 0 0 0,-1-6-29 0 0,0 1 0 0 0,0-1 0 0 0,0 1 0 0 0,1-1 1 0 0,-1 1-1 0 0,1-1 0 0 0,-1 0 0 0 0,1 1 0 0 0,-1-1 0 0 0,1 0 0 0 0,0 1 0 0 0,0-1 0 0 0,0 0 0 0 0,-1 0 0 0 0,1 0 0 0 0,0 0 0 0 0,1 0 0 0 0,-1 0 0 0 0,0 0 0 0 0,2 1 0 0 0,-1-1-2 0 0,1 1 0 0 0,-1-1 1 0 0,1-1-1 0 0,-1 1 0 0 0,1 0 0 0 0,0-1 0 0 0,-1 1 0 0 0,1-1 0 0 0,0 0 0 0 0,3 0 1 0 0,2 0 64 0 0,-1-1 1 0 0,0 0 0 0 0,1 0 0 0 0,-1-1 0 0 0,0 0 0 0 0,0-1 0 0 0,9-3 0 0 0,0-4 242 0 0,0 0 0 0 0,-1-2 0 0 0,-1 1-1 0 0,25-26 1 0 0,-1 2-363 0 0,-35 32 20 0 0,20-15 191 0 0,-22 18-105 0 0,0-1 1 0 0,0 0 0 0 0,0 1 0 0 0,0-1-1 0 0,0 1 1 0 0,0 0 0 0 0,0-1 0 0 0,0 1-1 0 0,0 0 1 0 0,1 0 0 0 0,-1-1 0 0 0,0 1 0 0 0,0 0-1 0 0,0 0 1 0 0,0 0 0 0 0,0 0 0 0 0,0 1-1 0 0,0-1 1 0 0,0 0 0 0 0,1 0 0 0 0,-1 1-1 0 0,0-1 1 0 0,1 1 0 0 0,-2 0-64 0 0,1-1 1 0 0,0 1-1 0 0,-1 0 1 0 0,1 0-1 0 0,-1-1 0 0 0,1 1 1 0 0,-1 0-1 0 0,1 0 1 0 0,-1 0-1 0 0,1 0 1 0 0,-1 0-1 0 0,0 0 1 0 0,0 0-1 0 0,1-1 0 0 0,-1 1 1 0 0,0 0-1 0 0,0 0 1 0 0,0 0-1 0 0,0 0 1 0 0,0 2-1 0 0,-3 22 121 0 0,2-20 23 0 0,-5 22 496 0 0,-16 46 0 0 0,11-40-389 0 0,3-13-173 0 0,-4 17-263 0 0,12-35 57 0 0,-1 1 1 0 0,0 0-1 0 0,1 0 0 0 0,0 0 1 0 0,0 0-1 0 0,0 0 0 0 0,0 0 1 0 0,0 0-1 0 0,2 5 0 0 0,-2-8 76 0 0,0 0-1 0 0,0 0 1 0 0,0 1 0 0 0,0-1-1 0 0,1 0 1 0 0,-1 0 0 0 0,0 0-1 0 0,0 0 1 0 0,1 1 0 0 0,-1-1-1 0 0,0 0 1 0 0,0 0 0 0 0,0 0-1 0 0,1 0 1 0 0,-1 0 0 0 0,0 0-1 0 0,0 0 1 0 0,1 0 0 0 0,-1 0-1 0 0,0 0 1 0 0,0 0 0 0 0,1 0-1 0 0,-1 0 1 0 0,0 0 0 0 0,0 0-1 0 0,1 0 1 0 0,-1 0 0 0 0,0 0-1 0 0,0 0 1 0 0,1 0 0 0 0,-1 0-1 0 0,0 0 1 0 0,0 0 0 0 0,1-1-1 0 0,-1 1 1 0 0,0 0 0 0 0,0 0-1 0 0,9-5-778 0 0,2-5-671 0 0,0 1-240 0 0</inkml:trace>
+</inkml:ink>
+</file>
+
+<file path=ppt/ink/ink39.xml><?xml version="1.0" encoding="utf-8"?>
+<inkml:ink xmlns:inkml="http://www.w3.org/2003/InkML">
+  <inkml:definitions>
+    <inkml:context xml:id="ctx0">
+      <inkml:inkSource xml:id="inkSrc0">
+        <inkml:traceFormat>
+          <inkml:channel name="X" type="integer" min="-2.14748E9" max="2.14748E9" units="cm"/>
+          <inkml:channel name="Y" type="integer" min="-2.14748E9" max="2.14748E9" units="cm"/>
+          <inkml:channel name="F" type="integer" max="32767" units="dev"/>
+          <inkml:channel name="OA" type="integer" max="360" units="deg"/>
+          <inkml:channel name="OE" type="integer" max="90" units="deg"/>
+        </inkml:traceFormat>
+        <inkml:channelProperties>
+          <inkml:channelProperty channel="X" name="resolution" value="1000" units="1/cm"/>
+          <inkml:channelProperty channel="Y" name="resolution" value="1000" units="1/cm"/>
+          <inkml:channelProperty channel="F" name="resolution" value="0" units="1/dev"/>
+          <inkml:channelProperty channel="OA" name="resolution" value="1000" units="1/deg"/>
+          <inkml:channelProperty channel="OE" name="resolution" value="1000" units="1/deg"/>
+        </inkml:channelProperties>
+      </inkml:inkSource>
+      <inkml:timestamp xml:id="ts0" timeString="2021-02-24T20:01:25.594"/>
+    </inkml:context>
+    <inkml:brush xml:id="br0">
+      <inkml:brushProperty name="width" value="0.05" units="cm"/>
+      <inkml:brushProperty name="height" value="0.05" units="cm"/>
+      <inkml:brushProperty name="color" value="#004F8B"/>
+    </inkml:brush>
+  </inkml:definitions>
+  <inkml:trace contextRef="#ctx0" brushRef="#br0">5 175 13360 0 0,'-5'-10'1650'0'0,"6"9"-1302"0"0,0 0 0 0 0,-1 0 0 0 0,1 1 0 0 0,0-1 0 0 0,-1 0-1 0 0,1 0 1 0 0,0 0 0 0 0,0 1 0 0 0,0-1 0 0 0,0 1 0 0 0,-1-1 0 0 0,1 0 0 0 0,2 0-1 0 0,-2 1-33 0 0,14-10 645 0 0,0 0 0 0 0,-1-1-1 0 0,14-14 1 0 0,-16 14-578 0 0,1-1-1 0 0,1 2 1 0 0,25-16-1 0 0,-32 22-374 0 0,9-4 0 0 0,25-10-1 0 0,-36 16-5 0 0,-1 0 0 0 0,1 1 0 0 0,0 0 0 0 0,0 0 0 0 0,-1 0 0 0 0,1 1 0 0 0,0 0 0 0 0,0 0-1 0 0,0 0 1 0 0,9 2 0 0 0,-13-2 0 0 0,1 1 0 0 0,-1 0 0 0 0,0 0 0 0 0,1-1 0 0 0,-1 1 0 0 0,0 0 0 0 0,1 1 0 0 0,-1-1 0 0 0,0 0 0 0 0,0 0 0 0 0,0 0 0 0 0,0 1 0 0 0,0-1 0 0 0,0 0 0 0 0,0 1 0 0 0,-1-1 0 0 0,1 1 0 0 0,0-1 0 0 0,-1 1 0 0 0,1 0 0 0 0,-1-1 0 0 0,0 1 0 0 0,0-1 0 0 0,1 1 0 0 0,-1 0 0 0 0,0 2 0 0 0,0 2 0 0 0,0 1 0 0 0,0-1 0 0 0,0 0 0 0 0,-1 1 0 0 0,-3 10 0 0 0,-2 2 0 0 0,-2 0 0 0 0,0-1 0 0 0,-1 0 0 0 0,-1 0 0 0 0,-15 21 0 0 0,7-13 38 0 0,-24 40-118 0 0,36-56 177 0 0,1 0 0 0 0,0 0 0 0 0,1 0 0 0 0,-5 19 0 0 0,9-28-39 0 0,-1 0 0 0 0,1 0 0 0 0,0 0 0 0 0,0 0 0 0 0,0 0 0 0 0,-1 0 0 0 0,1 0-1 0 0,0 0 1 0 0,0 0 0 0 0,1 0 0 0 0,-1 0 0 0 0,0 0 0 0 0,0 0 0 0 0,0 0 0 0 0,1 0 0 0 0,-1-1 0 0 0,0 1 0 0 0,1 0 0 0 0,0 2 0 0 0,0-3-36 0 0,-1 1-1 0 0,1-1 1 0 0,0 1 0 0 0,-1-1-1 0 0,1 0 1 0 0,0 1 0 0 0,-1-1 0 0 0,1 0-1 0 0,0 0 1 0 0,0 1 0 0 0,-1-1-1 0 0,1 0 1 0 0,0 0 0 0 0,0 0 0 0 0,0 0-1 0 0,-1 0 1 0 0,1 0 0 0 0,0 0-1 0 0,1 0 1 0 0,2-1 24 0 0,0 0-1 0 0,0 0 1 0 0,0 0-1 0 0,0-1 1 0 0,0 0-1 0 0,0 1 1 0 0,5-4-1 0 0,15-12-33 0 0,22-19 1 0 0,-27 19-756 0 0,41-25 1 0 0,-42 31-724 0 0,-2-1-424 0 0</inkml:trace>
+</inkml:ink>
+</file>
+
+<file path=ppt/ink/ink4.xml><?xml version="1.0" encoding="utf-8"?>
+<inkml:ink xmlns:inkml="http://www.w3.org/2003/InkML">
+  <inkml:definitions>
+    <inkml:context xml:id="ctx0">
+      <inkml:inkSource xml:id="inkSrc0">
+        <inkml:traceFormat>
+          <inkml:channel name="X" type="integer" min="-2.14748E9" max="2.14748E9" units="cm"/>
+          <inkml:channel name="Y" type="integer" min="-2.14748E9" max="2.14748E9" units="cm"/>
+          <inkml:channel name="F" type="integer" max="32767" units="dev"/>
+          <inkml:channel name="OA" type="integer" max="360" units="deg"/>
+          <inkml:channel name="OE" type="integer" max="90" units="deg"/>
+        </inkml:traceFormat>
+        <inkml:channelProperties>
+          <inkml:channelProperty channel="X" name="resolution" value="1000" units="1/cm"/>
+          <inkml:channelProperty channel="Y" name="resolution" value="1000" units="1/cm"/>
+          <inkml:channelProperty channel="F" name="resolution" value="0" units="1/dev"/>
+          <inkml:channelProperty channel="OA" name="resolution" value="1000" units="1/deg"/>
+          <inkml:channelProperty channel="OE" name="resolution" value="1000" units="1/deg"/>
+        </inkml:channelProperties>
+      </inkml:inkSource>
+      <inkml:timestamp xml:id="ts0" timeString="2021-02-24T20:00:48.621"/>
+    </inkml:context>
+    <inkml:brush xml:id="br0">
+      <inkml:brushProperty name="width" value="0.05" units="cm"/>
+      <inkml:brushProperty name="height" value="0.05" units="cm"/>
+      <inkml:brushProperty name="color" value="#004F8B"/>
+    </inkml:brush>
+  </inkml:definitions>
+  <inkml:trace contextRef="#ctx0" brushRef="#br0">0 228 6880 0 0,'0'0'622'0'0,"1"-7"2821"0"0,-1 4-2822 0 0,0 0-1 0 0,0 1 1 0 0,1-1 0 0 0,-1 0-1 0 0,1 1 1 0 0,-1-1 0 0 0,3-4-1 0 0,-3 6-524 0 0,0 0 0 0 0,1 1 0 0 0,-1-1-1 0 0,1 0 1 0 0,0 0 0 0 0,-1 0 0 0 0,1 1-1 0 0,-1-1 1 0 0,1 0 0 0 0,0 1-1 0 0,0-1 1 0 0,0 1 0 0 0,-1-1 0 0 0,1 0-1 0 0,0 1 1 0 0,0 0 0 0 0,0-1 0 0 0,0 1-1 0 0,0 0 1 0 0,0-1 0 0 0,0 1 0 0 0,-1 0-1 0 0,1 0 1 0 0,0 0 0 0 0,0 0 0 0 0,1 0-1 0 0,29-4 518 0 0,-25 2-568 0 0,0 1-1 0 0,1 0 1 0 0,0 1 0 0 0,8 0-1 0 0,54 4-45 0 0,0-2 0 0 0,0-4 0 0 0,79-12 0 0 0,204-20-7 0 0,-112 25 522 0 0,-232 9-484 0 0,221 2 664 0 0,-55 9 179 0 0,-99-4-488 0 0,-12-1 136 0 0,52 3 396 0 0,-9-14 181 0 0,140-23 1 0 0,-167 13-628 0 0,16-1-655 0 0,-95 16 182 0 0,44-6 699 0 0,82 0 1 0 0,-77 9-408 0 0,65 10 0 0 0,-43 4-286 0 0,-71-16-4 0 0,1-1 0 0 0,0 0 0 0 0,0 0 0 0 0,0 0 0 0 0,0 1 0 0 0,0-1 1 0 0,0 0-1 0 0,0 0 0 0 0,0-1 0 0 0,0 1 0 0 0,0 0 0 0 0,0 0 0 0 0,0 0 0 0 0,0-1 0 0 0,0 1 1 0 0,0 0-1 0 0,0-1 0 0 0,0 1 0 0 0,0-1 0 0 0,0 1 0 0 0,0-1 0 0 0,-1 0 0 0 0,2 0 0 0 0,-1 0 0 0 0,0 0-1 0 0,0 0 0 0 0,-1 0 1 0 0,1 0-1 0 0,0 0 0 0 0,-1 0 0 0 0,1 0 1 0 0,-1 0-1 0 0,1-1 0 0 0,-1 1 0 0 0,1 0 1 0 0,-1 0-1 0 0,0-1 0 0 0,0 1 0 0 0,0 0 1 0 0,1 0-1 0 0,-1-1 0 0 0,0 1 1 0 0,-1 0-1 0 0,1 0 0 0 0,0-1 0 0 0,0 1 1 0 0,0 0-1 0 0,-1 0 0 0 0,1-1 0 0 0,-1 1 1 0 0,1 0-1 0 0,-1-1 0 0 0,-4-6-719 0 0,2 0 0 0 0,-1 0 0 0 0,1-1 0 0 0,-2-10 0 0 0,0-1-560 0 0</inkml:trace>
+</inkml:ink>
+</file>
+
+<file path=ppt/ink/ink40.xml><?xml version="1.0" encoding="utf-8"?>
+<inkml:ink xmlns:inkml="http://www.w3.org/2003/InkML">
+  <inkml:definitions>
+    <inkml:context xml:id="ctx0">
+      <inkml:inkSource xml:id="inkSrc0">
+        <inkml:traceFormat>
+          <inkml:channel name="X" type="integer" min="-2.14748E9" max="2.14748E9" units="cm"/>
+          <inkml:channel name="Y" type="integer" min="-2.14748E9" max="2.14748E9" units="cm"/>
+          <inkml:channel name="F" type="integer" max="32767" units="dev"/>
+          <inkml:channel name="OA" type="integer" max="360" units="deg"/>
+          <inkml:channel name="OE" type="integer" max="90" units="deg"/>
+        </inkml:traceFormat>
+        <inkml:channelProperties>
+          <inkml:channelProperty channel="X" name="resolution" value="1000" units="1/cm"/>
+          <inkml:channelProperty channel="Y" name="resolution" value="1000" units="1/cm"/>
+          <inkml:channelProperty channel="F" name="resolution" value="0" units="1/dev"/>
+          <inkml:channelProperty channel="OA" name="resolution" value="1000" units="1/deg"/>
+          <inkml:channelProperty channel="OE" name="resolution" value="1000" units="1/deg"/>
+        </inkml:channelProperties>
+      </inkml:inkSource>
+      <inkml:timestamp xml:id="ts0" timeString="2021-02-24T20:01:26.006"/>
+    </inkml:context>
+    <inkml:brush xml:id="br0">
+      <inkml:brushProperty name="width" value="0.05" units="cm"/>
+      <inkml:brushProperty name="height" value="0.05" units="cm"/>
+      <inkml:brushProperty name="color" value="#004F8B"/>
+    </inkml:brush>
+  </inkml:definitions>
+  <inkml:trace contextRef="#ctx0" brushRef="#br0">1 88 22319 0 0,'0'0'1083'0'0,"1"0"-474"0"0,15-5-377 0 0,1-1 1 0 0,-1-1-1 0 0,-1 0 0 0 0,22-14 0 0 0,32-15 1603 0 0,-66 35-1759 0 0,0 0 0 0 0,0 0 0 0 0,0 0 0 0 0,0 1 0 0 0,0-1 0 0 0,0 1 0 0 0,5 0 0 0 0,-8 0-76 0 0,0 0 0 0 0,1 0 0 0 0,-1 0 0 0 0,0 0 0 0 0,0 0 0 0 0,0 0 0 0 0,1 0 0 0 0,-1 0 0 0 0,0 0 0 0 0,0 0 0 0 0,1 0 0 0 0,-1 0 0 0 0,0 0 0 0 0,0 1 0 0 0,0-1 0 0 0,1 0 0 0 0,-1 0 0 0 0,0 0 0 0 0,0 0 0 0 0,0 1 0 0 0,1-1 0 0 0,-1 0 0 0 0,0 0 0 0 0,0 0 0 0 0,0 0 0 0 0,0 1 0 0 0,0-1 0 0 0,0 0 0 0 0,1 0 0 0 0,-1 1 0 0 0,0-1 0 0 0,0 0 0 0 0,0 0 0 0 0,0 1 0 0 0,0-1 0 0 0,0 0 0 0 0,0 0 0 0 0,0 1 0 0 0,0-1 0 0 0,0 0 0 0 0,0 0 0 0 0,0 1 0 0 0,0-1 0 0 0,-3 10 0 0 0,2-9 0 0 0,-7 31 0 0 0,6-21 0 0 0,-1-1 0 0 0,-5 14 0 0 0,-6 4-664 0 0,0-1 0 0 0,-32 43 0 0 0,42-65 607 0 0,-15 25 529 0 0,18-28-469 0 0,0 0 0 0 0,1 0-1 0 0,-1 0 1 0 0,0 0 0 0 0,1 0 0 0 0,-1 1-1 0 0,1-1 1 0 0,0 0 0 0 0,-1 0 0 0 0,1 0-1 0 0,0 0 1 0 0,0 0 0 0 0,1 4 0 0 0,-1-5 4 0 0,1 0 0 0 0,-1 0 1 0 0,0-1-1 0 0,1 1 1 0 0,-1 0-1 0 0,0-1 0 0 0,1 1 1 0 0,-1-1-1 0 0,1 1 1 0 0,-1 0-1 0 0,1-1 0 0 0,-1 1 1 0 0,1-1-1 0 0,-1 1 1 0 0,1-1-1 0 0,0 1 0 0 0,-1-1 1 0 0,1 0-1 0 0,-1 1 1 0 0,3-1-1 0 0,-1 1 53 0 0,0 0 1 0 0,0-1-1 0 0,0 1 0 0 0,1-1 1 0 0,-1 0-1 0 0,0 0 0 0 0,3 0 1 0 0,5-1 232 0 0,-1 0 0 0 0,14-4 0 0 0,-19 4-272 0 0,10-3-80 0 0,-1-1 0 0 0,0 0 0 0 0,19-11 0 0 0,-8 4-147 0 0,-1-2-923 0 0,0 0-6066 0 0,-4 4-918 0 0</inkml:trace>
+</inkml:ink>
+</file>
+
+<file path=ppt/ink/ink41.xml><?xml version="1.0" encoding="utf-8"?>
+<inkml:ink xmlns:inkml="http://www.w3.org/2003/InkML">
+  <inkml:definitions>
+    <inkml:context xml:id="ctx0">
+      <inkml:inkSource xml:id="inkSrc0">
+        <inkml:traceFormat>
+          <inkml:channel name="X" type="integer" min="-2.14748E9" max="2.14748E9" units="cm"/>
+          <inkml:channel name="Y" type="integer" min="-2.14748E9" max="2.14748E9" units="cm"/>
+          <inkml:channel name="F" type="integer" max="32767" units="dev"/>
+          <inkml:channel name="OA" type="integer" max="360" units="deg"/>
+          <inkml:channel name="OE" type="integer" max="90" units="deg"/>
+        </inkml:traceFormat>
+        <inkml:channelProperties>
+          <inkml:channelProperty channel="X" name="resolution" value="1000" units="1/cm"/>
+          <inkml:channelProperty channel="Y" name="resolution" value="1000" units="1/cm"/>
+          <inkml:channelProperty channel="F" name="resolution" value="0" units="1/dev"/>
+          <inkml:channelProperty channel="OA" name="resolution" value="1000" units="1/deg"/>
+          <inkml:channelProperty channel="OE" name="resolution" value="1000" units="1/deg"/>
+        </inkml:channelProperties>
+      </inkml:inkSource>
+      <inkml:timestamp xml:id="ts0" timeString="2021-02-24T20:01:26.417"/>
+    </inkml:context>
+    <inkml:brush xml:id="br0">
+      <inkml:brushProperty name="width" value="0.05" units="cm"/>
+      <inkml:brushProperty name="height" value="0.05" units="cm"/>
+      <inkml:brushProperty name="color" value="#004F8B"/>
+    </inkml:brush>
+  </inkml:definitions>
+  <inkml:trace contextRef="#ctx0" brushRef="#br0">180 109 15664 0 0,'0'-14'1667'0'0,"3"-13"-1516"0"0,1-5 2177 0 0,-4 30-2144 0 0,0 0 0 0 0,-1 1 0 0 0,1-1 0 0 0,0 0 0 0 0,-1 0 0 0 0,1 0 1 0 0,-1 0-1 0 0,0 0 0 0 0,1 0 0 0 0,-1 1 0 0 0,0-1 0 0 0,0 0 0 0 0,-2-2 0 0 0,2 3-152 0 0,0 0 1 0 0,1 1-1 0 0,-1-1 0 0 0,0 1 0 0 0,0-1 0 0 0,0 0 0 0 0,1 1 0 0 0,-1 0 0 0 0,0-1 1 0 0,0 1-1 0 0,0-1 0 0 0,0 1 0 0 0,0 0 0 0 0,0 0 0 0 0,0 0 0 0 0,0-1 1 0 0,0 1-1 0 0,0 0 0 0 0,0 0 0 0 0,0 0 0 0 0,0 1 0 0 0,0-1 0 0 0,1 0 0 0 0,-1 0 1 0 0,0 0-1 0 0,0 1 0 0 0,0-1 0 0 0,0 0 0 0 0,0 1 0 0 0,0-1 0 0 0,0 1 0 0 0,1-1 1 0 0,-1 1-1 0 0,0-1 0 0 0,0 2 0 0 0,-4 1-28 0 0,1 0-1 0 0,0 1 1 0 0,0 0-1 0 0,-6 8 1 0 0,-10 16 85 0 0,1 1 0 0 0,2 1 0 0 0,-22 49 0 0 0,35-68-20 0 0,-1 0 0 0 0,2 1 0 0 0,-5 22 0 0 0,7-29-91 0 0,1 0 1 0 0,-1-1 0 0 0,1 1 0 0 0,0-1 0 0 0,0 1-1 0 0,0 0 1 0 0,1-1 0 0 0,0 1 0 0 0,0-1 0 0 0,0 1-1 0 0,0-1 1 0 0,4 9 0 0 0,-4-12 41 0 0,0 0 0 0 0,0 1 0 0 0,0-1 0 0 0,-1 0 0 0 0,2 0 0 0 0,-1 0 0 0 0,0 0 0 0 0,0 0 0 0 0,0 0 0 0 0,0 0 0 0 0,1 0 0 0 0,-1 0 0 0 0,0 0 0 0 0,1-1 0 0 0,-1 1 0 0 0,1-1 0 0 0,-1 1 0 0 0,3 0 0 0 0,-1-1 48 0 0,0 0 1 0 0,0 0 0 0 0,-1 0-1 0 0,1 0 1 0 0,0 0 0 0 0,0-1 0 0 0,-1 1-1 0 0,1-1 1 0 0,4-1 0 0 0,4-3 83 0 0,-1 0-1 0 0,1-1 1 0 0,16-13 0 0 0,-24 18-201 0 0,7-7 31 0 0,-2 1 259 0 0,1 1-1 0 0,0 0 1 0 0,0 0-1 0 0,1 1 1 0 0,-1 0 0 0 0,1 1-1 0 0,13-4 1 0 0,-22 7-218 0 0,0 1 0 0 0,0 0 1 0 0,0 0-1 0 0,0 0 0 0 0,1 0 1 0 0,-1 0-1 0 0,0 0 0 0 0,0 0 1 0 0,0 0-1 0 0,0 0 0 0 0,0 0 0 0 0,0 1 1 0 0,0-1-1 0 0,0 1 0 0 0,0-1 1 0 0,0 0-1 0 0,0 1 0 0 0,0-1 0 0 0,0 1 1 0 0,0 0-1 0 0,0-1 0 0 0,0 1 1 0 0,0 0-1 0 0,0 1 0 0 0,1 0 88 0 0,-1 0-1 0 0,1 0 0 0 0,-1 0 0 0 0,0 1 1 0 0,0-1-1 0 0,0 1 0 0 0,0 2 0 0 0,1 1 23 0 0,1 4-43 0 0,-1 0-1 0 0,0 0 1 0 0,0 0-1 0 0,-1 0 1 0 0,0 15-1 0 0,5 8-449 0 0,-5-17-376 0 0,0-1-1 0 0,7 25 1 0 0,-2-3-8277 0 0,-2-15 1235 0 0</inkml:trace>
+</inkml:ink>
+</file>
+
+<file path=ppt/ink/ink5.xml><?xml version="1.0" encoding="utf-8"?>
+<inkml:ink xmlns:inkml="http://www.w3.org/2003/InkML">
+  <inkml:definitions>
+    <inkml:context xml:id="ctx0">
+      <inkml:inkSource xml:id="inkSrc0">
+        <inkml:traceFormat>
+          <inkml:channel name="X" type="integer" min="-2.14748E9" max="2.14748E9" units="cm"/>
+          <inkml:channel name="Y" type="integer" min="-2.14748E9" max="2.14748E9" units="cm"/>
+          <inkml:channel name="F" type="integer" max="32767" units="dev"/>
+          <inkml:channel name="OA" type="integer" max="360" units="deg"/>
+          <inkml:channel name="OE" type="integer" max="90" units="deg"/>
+        </inkml:traceFormat>
+        <inkml:channelProperties>
+          <inkml:channelProperty channel="X" name="resolution" value="1000" units="1/cm"/>
+          <inkml:channelProperty channel="Y" name="resolution" value="1000" units="1/cm"/>
+          <inkml:channelProperty channel="F" name="resolution" value="0" units="1/dev"/>
+          <inkml:channelProperty channel="OA" name="resolution" value="1000" units="1/deg"/>
+          <inkml:channelProperty channel="OE" name="resolution" value="1000" units="1/deg"/>
+        </inkml:channelProperties>
+      </inkml:inkSource>
+      <inkml:timestamp xml:id="ts0" timeString="2021-02-24T20:00:51.360"/>
+    </inkml:context>
+    <inkml:brush xml:id="br0">
+      <inkml:brushProperty name="width" value="0.05" units="cm"/>
+      <inkml:brushProperty name="height" value="0.05" units="cm"/>
+      <inkml:brushProperty name="color" value="#004F8B"/>
+    </inkml:brush>
+  </inkml:definitions>
+  <inkml:trace contextRef="#ctx0" brushRef="#br0">1358 144 5528 0 0,'-2'-2'138'0'0,"1"-1"0"0"0,-1 0 0 0 0,1 1 1 0 0,-1 0-1 0 0,0-1 0 0 0,0 1 0 0 0,0 0 1 0 0,0 0-1 0 0,0 0 0 0 0,0 0 0 0 0,-1 0 0 0 0,-3-1 1 0 0,1 0 962 0 0,0 1 1 0 0,-1 0-1 0 0,0 0 1 0 0,1 1 0 0 0,-7-2-1 0 0,9 2-882 0 0,0 0 0 0 0,0-1 0 0 0,0 1 0 0 0,0-1 0 0 0,0 0 0 0 0,0 0 0 0 0,1 0 0 0 0,-1 0 0 0 0,-2-3 0 0 0,-17-11 736 0 0,17 13-739 0 0,1 0-48 0 0,-1 1 1 0 0,0 0 0 0 0,0 0 0 0 0,0 0-1 0 0,0 0 1 0 0,0 1 0 0 0,0 0 0 0 0,0 0-1 0 0,-9-1 1 0 0,-51-3 2155 0 0,36 5-1829 0 0,1-1-1 0 0,-44-7 1 0 0,-162-20 232 0 0,186 27-752 0 0,-53 5 1 0 0,0 0-13 0 0,81-3 45 0 0,1 0 0 0 0,-1 2-1 0 0,0 0 1 0 0,1 1-1 0 0,-1 1 1 0 0,-33 14 0 0 0,45-15-7 0 0,-1 1 1 0 0,2 0 0 0 0,-1 0-1 0 0,0 1 1 0 0,-6 7 0 0 0,-9 6 9 0 0,14-11 12 0 0,0 0 1 0 0,1 0-1 0 0,0 1 1 0 0,-13 17-1 0 0,-22 44 42 0 0,43-69-66 0 0,-10 18 1 0 0,-11 31 0 0 0,13-31 0 0 0,-16 33 0 0 0,12-31 0 0 0,-10 29 0 0 0,14-31 0 0 0,0 5 2 0 0,-8 27 0 0 0,9-26 48 0 0,3-6-9 0 0,1 0 0 0 0,-2 37 0 0 0,4-42-18 0 0,1-6-14 0 0,0 1 0 0 0,1-1-1 0 0,0 0 1 0 0,4 15 0 0 0,1 11 11 0 0,-3-25 7 0 0,-1 0 0 0 0,1-1-1 0 0,0 1 1 0 0,1-1 0 0 0,0 0-1 0 0,0 0 1 0 0,1 0 0 0 0,6 7-1 0 0,-2 1 4 0 0,-1-5-137 0 0,1 0 0 0 0,0-1 0 0 0,0 0 0 0 0,13 10 0 0 0,33 28 1768 0 0,-45-38-1673 0 0,0-1-1 0 0,0-1 0 0 0,1 0 1 0 0,1 0-1 0 0,21 11 1 0 0,-10-8 78 0 0,1-2 0 0 0,30 9 0 0 0,4-4 122 0 0,99 9 0 0 0,-108-17-123 0 0,2 0 21 0 0,1-2-1 0 0,82-4 0 0 0,-105-2-250 0 0,68-7 301 0 0,-81 6 115 0 0,0-1 0 0 0,0 0-1 0 0,-1 0 1 0 0,17-8-1 0 0,12-7-126 0 0,28-12-48 0 0,-58 23-50 0 0,-1-1 0 0 0,18-15-1 0 0,-17 14 9 0 0,24-16-1 0 0,35-15 271 0 0,-37 19-93 0 0,-32 20-180 0 0,-1 0 0 0 0,0-1 0 0 0,0 1-1 0 0,-1-1 1 0 0,1 0 0 0 0,0 1 0 0 0,-1-1 0 0 0,0-1 0 0 0,0 1 0 0 0,0 0 0 0 0,3-7 0 0 0,1-4 74 0 0,7-24 0 0 0,-7 21-57 0 0,27-89 104 0 0,-19 41 40 0 0,-8 41-121 0 0,-6 20-62 0 0,1 0 1 0 0,0 0-1 0 0,0 0 1 0 0,0 0 0 0 0,3-4-1 0 0,1-4-24 0 0,-1-1-1 0 0,0 1 1 0 0,3-18 0 0 0,-5 20 12 0 0,2-7 49 0 0,-1-1 0 0 0,-1 0-1 0 0,-1 1 1 0 0,-1-1 0 0 0,0 0-1 0 0,-4-20 1 0 0,5 13-47 0 0,-1 21 3 0 0,1 1-1 0 0,-1-1 1 0 0,0 1-1 0 0,0-1 1 0 0,0 1-1 0 0,-1 0 0 0 0,0-6 1 0 0,-2-2 7 0 0,2 6-6 0 0,-1-1 1 0 0,1 1 0 0 0,-1 0-1 0 0,0 0 1 0 0,0 0 0 0 0,0 0 0 0 0,-1 0-1 0 0,0 0 1 0 0,0 1 0 0 0,0-1-1 0 0,-7-6 1 0 0,-21-13-2072 0 0,26 21 794 0 0,-1 1-1 0 0,0-1 0 0 0,0 1 1 0 0,-8-2-1 0 0,-2-1-7851 0 0</inkml:trace>
+</inkml:ink>
+</file>
+
+<file path=ppt/ink/ink6.xml><?xml version="1.0" encoding="utf-8"?>
+<inkml:ink xmlns:inkml="http://www.w3.org/2003/InkML">
+  <inkml:definitions>
+    <inkml:context xml:id="ctx0">
+      <inkml:inkSource xml:id="inkSrc0">
+        <inkml:traceFormat>
+          <inkml:channel name="X" type="integer" min="-2.14748E9" max="2.14748E9" units="cm"/>
+          <inkml:channel name="Y" type="integer" min="-2.14748E9" max="2.14748E9" units="cm"/>
+          <inkml:channel name="F" type="integer" max="32767" units="dev"/>
+          <inkml:channel name="OA" type="integer" max="360" units="deg"/>
+          <inkml:channel name="OE" type="integer" max="90" units="deg"/>
+        </inkml:traceFormat>
+        <inkml:channelProperties>
+          <inkml:channelProperty channel="X" name="resolution" value="1000" units="1/cm"/>
+          <inkml:channelProperty channel="Y" name="resolution" value="1000" units="1/cm"/>
+          <inkml:channelProperty channel="F" name="resolution" value="0" units="1/dev"/>
+          <inkml:channelProperty channel="OA" name="resolution" value="1000" units="1/deg"/>
+          <inkml:channelProperty channel="OE" name="resolution" value="1000" units="1/deg"/>
+        </inkml:channelProperties>
+      </inkml:inkSource>
+      <inkml:timestamp xml:id="ts0" timeString="2021-02-24T20:00:52.669"/>
+    </inkml:context>
+    <inkml:brush xml:id="br0">
+      <inkml:brushProperty name="width" value="0.05" units="cm"/>
+      <inkml:brushProperty name="height" value="0.05" units="cm"/>
+      <inkml:brushProperty name="color" value="#004F8B"/>
+    </inkml:brush>
+  </inkml:definitions>
+  <inkml:trace contextRef="#ctx0" brushRef="#br0">74 39 4144 0 0,'-6'2'178'0'0,"1"0"1"0"0,-1-1-1 0 0,-10 1 1 0 0,-7 2 6772 0 0,14-12-2185 0 0,8 7-4670 0 0,0 1-1 0 0,1 0 0 0 0,-1-1 0 0 0,1 1 0 0 0,-1-1 0 0 0,1 1 0 0 0,-1-1 1 0 0,1 1-1 0 0,-1-1 0 0 0,1 1 0 0 0,0-1 0 0 0,-1 1 0 0 0,1-1 0 0 0,0 1 0 0 0,-1-1 1 0 0,1 0-1 0 0,0 1 0 0 0,0-1 0 0 0,0 1 0 0 0,-1-1 0 0 0,1 0 0 0 0,0 1 0 0 0,0-1 1 0 0,0-1-1 0 0,1 2-8 0 0,-1-1 0 0 0,0 1 0 0 0,1-1 0 0 0,-1 1 0 0 0,1-1 1 0 0,-1 1-1 0 0,1-1 0 0 0,-1 1 0 0 0,1 0 0 0 0,-1-1 0 0 0,1 1 0 0 0,-1 0 1 0 0,1-1-1 0 0,-1 1 0 0 0,1 0 0 0 0,0-1 0 0 0,-1 1 0 0 0,1 0 0 0 0,1 0 1 0 0,1-1 38 0 0,1 0 0 0 0,0 1 0 0 0,-1 0 0 0 0,1 0 0 0 0,0 0 0 0 0,-1 0 0 0 0,1 0 0 0 0,4 2 0 0 0,16 3 374 0 0,0-1-1 0 0,0-1 0 0 0,0-1 0 0 0,1-1 1 0 0,37-4-1 0 0,25 1 183 0 0,225 4 1055 0 0,-194-2-1368 0 0,150-15 355 0 0,-65 0 169 0 0,-142 14-669 0 0,81 8-1 0 0,14 14-223 0 0,14 2 0 0 0,95 8 0 0 0,-156-15 570 0 0,95 9 892 0 0,-95-14-1526 0 0,-27-2 69 0 0,-77-8 3 0 0,0-1-2 0 0,0 1 0 0 0,0-1 0 0 0,0 0 0 0 0,-1 0 0 0 0,9-2 0 0 0,-12 2-7 0 0,-1 0 0 0 0,1-1 0 0 0,0 1 0 0 0,-1 0 1 0 0,1 0-1 0 0,-1-1 0 0 0,1 1 0 0 0,-1 0 1 0 0,1-1-1 0 0,-1 1 0 0 0,1 0 0 0 0,-1-1 0 0 0,0 1 1 0 0,1-1-1 0 0,-1 1 0 0 0,1 0 0 0 0,-1-1 1 0 0,0 1-1 0 0,1-1 0 0 0,-1-1 0 0 0,0 1-2 0 0,1 0 0 0 0,-1 0-1 0 0,0 0 1 0 0,0 0-1 0 0,0 0 1 0 0,-1 0 0 0 0,1 0-1 0 0,0 0 1 0 0,0 0 0 0 0,-1 0-1 0 0,1-1 1 0 0,0 1 0 0 0,-1 0-1 0 0,1 0 1 0 0,-2-1 0 0 0,-1-3-646 0 0,0 0 0 0 0,-1 1 0 0 0,0-1 1 0 0,-5-3-1 0 0</inkml:trace>
+</inkml:ink>
+</file>
+
+<file path=ppt/ink/ink7.xml><?xml version="1.0" encoding="utf-8"?>
+<inkml:ink xmlns:inkml="http://www.w3.org/2003/InkML">
+  <inkml:definitions>
+    <inkml:context xml:id="ctx0">
+      <inkml:inkSource xml:id="inkSrc0">
+        <inkml:traceFormat>
+          <inkml:channel name="X" type="integer" min="-2.14748E9" max="2.14748E9" units="cm"/>
+          <inkml:channel name="Y" type="integer" min="-2.14748E9" max="2.14748E9" units="cm"/>
+          <inkml:channel name="F" type="integer" max="32767" units="dev"/>
+          <inkml:channel name="OA" type="integer" max="360" units="deg"/>
+          <inkml:channel name="OE" type="integer" max="90" units="deg"/>
+        </inkml:traceFormat>
+        <inkml:channelProperties>
+          <inkml:channelProperty channel="X" name="resolution" value="1000" units="1/cm"/>
+          <inkml:channelProperty channel="Y" name="resolution" value="1000" units="1/cm"/>
+          <inkml:channelProperty channel="F" name="resolution" value="0" units="1/dev"/>
+          <inkml:channelProperty channel="OA" name="resolution" value="1000" units="1/deg"/>
+          <inkml:channelProperty channel="OE" name="resolution" value="1000" units="1/deg"/>
+        </inkml:channelProperties>
+      </inkml:inkSource>
+      <inkml:timestamp xml:id="ts0" timeString="2021-02-24T20:00:58.056"/>
+    </inkml:context>
+    <inkml:brush xml:id="br0">
+      <inkml:brushProperty name="width" value="0.05" units="cm"/>
+      <inkml:brushProperty name="height" value="0.05" units="cm"/>
+      <inkml:brushProperty name="color" value="#004F8B"/>
+    </inkml:brush>
+  </inkml:definitions>
+  <inkml:trace contextRef="#ctx0" brushRef="#br0">52 1 1376 0 0,'-15'5'-573'0'0,"-5"8"6771"0"0,18-11-5241 0 0,1 0 0 0 0,-1-1 0 0 0,1 1 1 0 0,-1 0-1 0 0,1 0 0 0 0,0 0 0 0 0,-2 4 0 0 0,0 10 2019 0 0,4-15-2481 0 0,0 1-276 0 0,1 0 1 0 0,-1-1 0 0 0,1 1 0 0 0,-1-1 0 0 0,1 1 0 0 0,0-1 0 0 0,-1 0 0 0 0,1 0 0 0 0,0 1-1 0 0,0-1 1 0 0,0 0 0 0 0,0-1 0 0 0,0 1 0 0 0,0 0 0 0 0,0-1 0 0 0,0 1 0 0 0,0-1-1 0 0,1 1 1 0 0,-1-1 0 0 0,0 0 0 0 0,4 0 0 0 0,226-15 3820 0 0,-109 5-3147 0 0,24 2 257 0 0,200 13 0 0 0,-141 20 322 0 0,-136-19-1472 0 0,-45-4 0 0 0,0-2 77 0 0,31-3-1 0 0,2 1 32 0 0,-55 2-100 0 0,-1 0-9 0 0,-1 0 1 0 0,0 0-1 0 0,0 0 1 0 0,1 0-1 0 0,-1-1 0 0 0,0 1 1 0 0,0 0-1 0 0,1-1 0 0 0,-1 1 1 0 0,0 0-1 0 0,0-1 0 0 0,0 0 1 0 0,2 0-1 0 0,-2 0-60 0 0,-1 1 38 0 0,1 0 1 0 0,-1 0-1 0 0,0 0 1 0 0,1 0-1 0 0,-1 0 0 0 0,0 0 1 0 0,1 0-1 0 0,-1 0 1 0 0,0-1-1 0 0,0 1 1 0 0,1 0-1 0 0,-1 0 1 0 0,0 0-1 0 0,1-1 1 0 0,-1 1-1 0 0,0 0 1 0 0,0 0-1 0 0,1-1 1 0 0,-1 1-1 0 0,0 0 0 0 0,0 0 1 0 0,0-1-1 0 0,0 1 1 0 0,1 0-1 0 0,-1-1 1 0 0,0 1-1 0 0,0 0 1 0 0,0-1-1 0 0,0 1 1 0 0,0 0-1 0 0,0-1 1 0 0,0 1-1 0 0,0 0 1 0 0,0-1-1 0 0,0 0 0 0 0,-1-16-1629 0 0,0 9 778 0 0,1-2-335 0 0,-3-1-35 0 0</inkml:trace>
+</inkml:ink>
+</file>
+
+<file path=ppt/ink/ink8.xml><?xml version="1.0" encoding="utf-8"?>
+<inkml:ink xmlns:inkml="http://www.w3.org/2003/InkML">
+  <inkml:definitions>
+    <inkml:context xml:id="ctx0">
+      <inkml:inkSource xml:id="inkSrc0">
+        <inkml:traceFormat>
+          <inkml:channel name="X" type="integer" min="-2.14748E9" max="2.14748E9" units="cm"/>
+          <inkml:channel name="Y" type="integer" min="-2.14748E9" max="2.14748E9" units="cm"/>
+          <inkml:channel name="F" type="integer" max="32767" units="dev"/>
+          <inkml:channel name="OA" type="integer" max="360" units="deg"/>
+          <inkml:channel name="OE" type="integer" max="90" units="deg"/>
+        </inkml:traceFormat>
+        <inkml:channelProperties>
+          <inkml:channelProperty channel="X" name="resolution" value="1000" units="1/cm"/>
+          <inkml:channelProperty channel="Y" name="resolution" value="1000" units="1/cm"/>
+          <inkml:channelProperty channel="F" name="resolution" value="0" units="1/dev"/>
+          <inkml:channelProperty channel="OA" name="resolution" value="1000" units="1/deg"/>
+          <inkml:channelProperty channel="OE" name="resolution" value="1000" units="1/deg"/>
+        </inkml:channelProperties>
+      </inkml:inkSource>
+      <inkml:timestamp xml:id="ts0" timeString="2021-02-24T20:01:00.277"/>
+    </inkml:context>
+    <inkml:brush xml:id="br0">
+      <inkml:brushProperty name="width" value="0.05" units="cm"/>
+      <inkml:brushProperty name="height" value="0.05" units="cm"/>
+      <inkml:brushProperty name="color" value="#004F8B"/>
+    </inkml:brush>
+  </inkml:definitions>
+  <inkml:trace contextRef="#ctx0" brushRef="#br0">42 16 6936 0 0,'-11'-10'629'0'0,"10"9"-562"0"0,0 1-1 0 0,1 0 1 0 0,-1 0-1 0 0,0 0 1 0 0,0 0 0 0 0,0-1-1 0 0,0 1 1 0 0,1 0-1 0 0,-1 1 1 0 0,0-1 0 0 0,0 0-1 0 0,0 0 1 0 0,-1 0-1 0 0,0 1 809 0 0,1-1-436 0 0,-14-5 8252 0 0,15 4-8443 0 0,17 4 1193 0 0,27 14 916 0 0,-36-13-2041 0 0,0-1 1 0 0,0 0 0 0 0,1 0 0 0 0,-1 0 0 0 0,18 2 0 0 0,35 1 829 0 0,63 3-626 0 0,80-2 652 0 0,-82-1-797 0 0,-39-4-219 0 0,21 1 58 0 0,107 16 1 0 0,-141-11-23 0 0,1-3 0 0 0,0-3 0 0 0,74-7 0 0 0,-115 3-126 0 0,-9 0 165 0 0,38 1 0 0 0,-21 1-102 0 0,-29 0-155 0 0,0 0-1 0 0,1 0 0 0 0,-1 1 1 0 0,1 0-1 0 0,12 4 0 0 0,3 5 6 0 0,-21-7 22 0 0,1-1 0 0 0,0 1-1 0 0,1-1 1 0 0,5 1 0 0 0,-7-2-1 0 0,-4-1 0 0 0,1 0 0 0 0,-1 0 0 0 0,1 0 0 0 0,-1 1 0 0 0,1-1 0 0 0,-1 0 0 0 0,1 0 0 0 0,-1 0 0 0 0,1 0 0 0 0,-1 0 0 0 0,1 0 0 0 0,-1 0 0 0 0,1 0 0 0 0,-1 0 0 0 0,1 0 0 0 0,-1-1 0 0 0,1 1 0 0 0,0 0 0 0 0,16-6 0 0 0,-17 6-8 0 0,1-1 0 0 0,-1 1 1 0 0,0 0-1 0 0,0 0 0 0 0,0-1 0 0 0,0 1 0 0 0,1 0 0 0 0,-1-1 0 0 0,0 1 1 0 0,0 0-1 0 0,0 0 0 0 0,0-1 0 0 0,0 1 0 0 0,0 0 0 0 0,0-1 0 0 0,0 1 1 0 0,0 0-1 0 0,0-1 0 0 0,0 1 0 0 0,0 0 0 0 0,0-1 0 0 0,0 1 0 0 0,0 0 1 0 0,0-1-1 0 0,0 1 0 0 0,-1 0 0 0 0,1-1 0 0 0,0 1 0 0 0,0 0 0 0 0,0 0 1 0 0,0-1-1 0 0,-1 1 0 0 0,1 0 0 0 0,0 0 0 0 0,0-1 0 0 0,0 1 0 0 0,-1 0 1 0 0,1 0-1 0 0,-9-11-469 0 0,7 9 350 0 0,1 1 0 0 0,0 0 0 0 0,0-1 0 0 0,0 1 0 0 0,0 0 0 0 0,0-1 0 0 0,0 0 0 0 0,-1-2 0 0 0,-3-5-963 0 0,-3-6-2822 0 0</inkml:trace>
+</inkml:ink>
+</file>
+
+<file path=ppt/ink/ink9.xml><?xml version="1.0" encoding="utf-8"?>
+<inkml:ink xmlns:inkml="http://www.w3.org/2003/InkML">
+  <inkml:definitions>
+    <inkml:context xml:id="ctx0">
+      <inkml:inkSource xml:id="inkSrc0">
+        <inkml:traceFormat>
+          <inkml:channel name="X" type="integer" min="-2.14748E9" max="2.14748E9" units="cm"/>
+          <inkml:channel name="Y" type="integer" min="-2.14748E9" max="2.14748E9" units="cm"/>
+          <inkml:channel name="F" type="integer" max="32767" units="dev"/>
+          <inkml:channel name="OA" type="integer" max="360" units="deg"/>
+          <inkml:channel name="OE" type="integer" max="90" units="deg"/>
+        </inkml:traceFormat>
+        <inkml:channelProperties>
+          <inkml:channelProperty channel="X" name="resolution" value="1000" units="1/cm"/>
+          <inkml:channelProperty channel="Y" name="resolution" value="1000" units="1/cm"/>
+          <inkml:channelProperty channel="F" name="resolution" value="0" units="1/dev"/>
+          <inkml:channelProperty channel="OA" name="resolution" value="1000" units="1/deg"/>
+          <inkml:channelProperty channel="OE" name="resolution" value="1000" units="1/deg"/>
+        </inkml:channelProperties>
+      </inkml:inkSource>
+      <inkml:timestamp xml:id="ts0" timeString="2021-02-24T20:01:04.046"/>
+    </inkml:context>
+    <inkml:brush xml:id="br0">
+      <inkml:brushProperty name="width" value="0.05" units="cm"/>
+      <inkml:brushProperty name="height" value="0.05" units="cm"/>
+      <inkml:brushProperty name="color" value="#004F8B"/>
+    </inkml:brush>
+  </inkml:definitions>
+  <inkml:trace contextRef="#ctx0" brushRef="#br0">142 18 10800 0 0,'-32'-9'2652'0'0,"26"8"1419"0"0,11 4-1647 0 0,11 4-1525 0 0,-6-4-707 0 0,1 0 1 0 0,0 0-1 0 0,0-1 0 0 0,0-1 1 0 0,0 0-1 0 0,18 0 0 0 0,69-10 915 0 0,-62 4-967 0 0,19-3-279 0 0,-30 4 280 0 0,1 1 0 0 0,-1 1 0 0 0,49 2 1 0 0,-71 0-136 0 0,2 1 3 0 0,-1-1 1 0 0,1 1-1 0 0,-1 0 0 0 0,1 0 1 0 0,8 4-1 0 0,-12-4-125 0 0,-8 13 40 0 0,5-12 136 0 0,0 0-1 0 0,-1-1 1 0 0,1 1-1 0 0,-1 0 0 0 0,1-1 1 0 0,-1 0-1 0 0,0 1 1 0 0,0-1-1 0 0,1 0 0 0 0,-1-1 1 0 0,-5 2-1 0 0,-36 3 570 0 0,34-4-483 0 0,-28 2-45 0 0,-75-5 0 0 0,-67-13-689 0 0,173 13 559 0 0,-13 0 15 0 0,47 15 227 0 0,-11-10-144 0 0,0 1 0 0 0,0-2 0 0 0,29 2 0 0 0,-11-2 65 0 0,51 6 335 0 0,-8-3 115 0 0,98 22 0 0 0,-110-17-447 0 0,-57-10-125 0 0,-20 15 192 0 0,5-12-170 0 0,0-1 0 0 0,1 0 0 0 0,-1 0 0 0 0,-1 0 0 0 0,1 0 0 0 0,0-1 0 0 0,-13 0 0 0 0,-3 1-10 0 0,-22 3-23 0 0,0-2 0 0 0,-79-6 0 0 0,-90-22-29 0 0,99 11 21 0 0,107 13 8 0 0,4 1-3 0 0,-1-1 1 0 0,1 1 0 0 0,-1-1-1 0 0,1 0 1 0 0,-1 0-1 0 0,1 0 1 0 0,-1-1 0 0 0,1 0-1 0 0,-7-3 1 0 0,11 5 0 0 0,0-1 0 0 0,0 1 0 0 0,0 0 0 0 0,0 0 0 0 0,0 0 0 0 0,0 0 0 0 0,0-1 0 0 0,0 1 0 0 0,0 0 0 0 0,0 0 0 0 0,0 0 1 0 0,0 0-1 0 0,0-1 0 0 0,0 1 0 0 0,0 0 0 0 0,0 0 0 0 0,1 0 0 0 0,-1 0 0 0 0,0 0 0 0 0,0-1 0 0 0,0 1 0 0 0,0 0 0 0 0,0 0 0 0 0,0 0 0 0 0,0 0 0 0 0,1 0 0 0 0,-1 0 0 0 0,0 0 0 0 0,0 0 1 0 0,0-1-1 0 0,0 1 0 0 0,0 0 0 0 0,1 0 0 0 0,-1 0 0 0 0,0 0 0 0 0,0 0 0 0 0,0 0 0 0 0,0 0 0 0 0,1 0 0 0 0,-1 0 0 0 0,0 0 0 0 0,0 0 0 0 0,0 0 0 0 0,0 0 0 0 0,1 0 0 0 0,9-2-22 0 0,31-2 17 0 0,134-18-60 0 0,-62 2 251 0 0,170-7-1 0 0,-235 24 99 0 0,77 6 0 0 0,-121-2-270 0 0,105 13 158 0 0,-87-10-169 0 0,-1 1 0 0 0,-1 0 1 0 0,23 10-1 0 0,-59-17-1635 0 0,-1-2-5807 0 0</inkml:trace>
+</inkml:ink>
 </file>
 
 <file path=ppt/notesMasters/notesMaster1.xml><?xml version="1.0" encoding="utf-8"?>
@@ -836,7 +2153,7 @@
           <a:p>
             <a:fld id="{3A2BF66F-FEB0-48C1-A8B9-A73F54BB1A08}" type="datetimeFigureOut">
               <a:rPr lang="en-US" smtClean="0"/>
-              <a:t>2/22/2021</a:t>
+              <a:t>2/24/2021</a:t>
             </a:fld>
             <a:endParaRPr lang="en-US"/>
           </a:p>
@@ -1036,7 +2353,7 @@
           <a:p>
             <a:fld id="{3A2BF66F-FEB0-48C1-A8B9-A73F54BB1A08}" type="datetimeFigureOut">
               <a:rPr lang="en-US" smtClean="0"/>
-              <a:t>2/22/2021</a:t>
+              <a:t>2/24/2021</a:t>
             </a:fld>
             <a:endParaRPr lang="en-US"/>
           </a:p>
@@ -1246,7 +2563,7 @@
           <a:p>
             <a:fld id="{3A2BF66F-FEB0-48C1-A8B9-A73F54BB1A08}" type="datetimeFigureOut">
               <a:rPr lang="en-US" smtClean="0"/>
-              <a:t>2/22/2021</a:t>
+              <a:t>2/24/2021</a:t>
             </a:fld>
             <a:endParaRPr lang="en-US"/>
           </a:p>
@@ -1446,7 +2763,7 @@
           <a:p>
             <a:fld id="{3A2BF66F-FEB0-48C1-A8B9-A73F54BB1A08}" type="datetimeFigureOut">
               <a:rPr lang="en-US" smtClean="0"/>
-              <a:t>2/22/2021</a:t>
+              <a:t>2/24/2021</a:t>
             </a:fld>
             <a:endParaRPr lang="en-US"/>
           </a:p>
@@ -1723,7 +3040,7 @@
           <a:p>
             <a:fld id="{3A2BF66F-FEB0-48C1-A8B9-A73F54BB1A08}" type="datetimeFigureOut">
               <a:rPr lang="en-US" smtClean="0"/>
-              <a:t>2/22/2021</a:t>
+              <a:t>2/24/2021</a:t>
             </a:fld>
             <a:endParaRPr lang="en-US"/>
           </a:p>
@@ -1990,7 +3307,7 @@
           <a:p>
             <a:fld id="{3A2BF66F-FEB0-48C1-A8B9-A73F54BB1A08}" type="datetimeFigureOut">
               <a:rPr lang="en-US" smtClean="0"/>
-              <a:t>2/22/2021</a:t>
+              <a:t>2/24/2021</a:t>
             </a:fld>
             <a:endParaRPr lang="en-US"/>
           </a:p>
@@ -2404,7 +3721,7 @@
           <a:p>
             <a:fld id="{3A2BF66F-FEB0-48C1-A8B9-A73F54BB1A08}" type="datetimeFigureOut">
               <a:rPr lang="en-US" smtClean="0"/>
-              <a:t>2/22/2021</a:t>
+              <a:t>2/24/2021</a:t>
             </a:fld>
             <a:endParaRPr lang="en-US"/>
           </a:p>
@@ -2547,7 +3864,7 @@
           <a:p>
             <a:fld id="{3A2BF66F-FEB0-48C1-A8B9-A73F54BB1A08}" type="datetimeFigureOut">
               <a:rPr lang="en-US" smtClean="0"/>
-              <a:t>2/22/2021</a:t>
+              <a:t>2/24/2021</a:t>
             </a:fld>
             <a:endParaRPr lang="en-US"/>
           </a:p>
@@ -2662,7 +3979,7 @@
           <a:p>
             <a:fld id="{3A2BF66F-FEB0-48C1-A8B9-A73F54BB1A08}" type="datetimeFigureOut">
               <a:rPr lang="en-US" smtClean="0"/>
-              <a:t>2/22/2021</a:t>
+              <a:t>2/24/2021</a:t>
             </a:fld>
             <a:endParaRPr lang="en-US"/>
           </a:p>
@@ -2974,7 +4291,7 @@
           <a:p>
             <a:fld id="{3A2BF66F-FEB0-48C1-A8B9-A73F54BB1A08}" type="datetimeFigureOut">
               <a:rPr lang="en-US" smtClean="0"/>
-              <a:t>2/22/2021</a:t>
+              <a:t>2/24/2021</a:t>
             </a:fld>
             <a:endParaRPr lang="en-US"/>
           </a:p>
@@ -3264,7 +4581,7 @@
           <a:p>
             <a:fld id="{3A2BF66F-FEB0-48C1-A8B9-A73F54BB1A08}" type="datetimeFigureOut">
               <a:rPr lang="en-US" smtClean="0"/>
-              <a:t>2/22/2021</a:t>
+              <a:t>2/24/2021</a:t>
             </a:fld>
             <a:endParaRPr lang="en-US"/>
           </a:p>
@@ -3507,7 +4824,7 @@
           <a:p>
             <a:fld id="{3A2BF66F-FEB0-48C1-A8B9-A73F54BB1A08}" type="datetimeFigureOut">
               <a:rPr lang="en-US" smtClean="0"/>
-              <a:t>2/22/2021</a:t>
+              <a:t>2/24/2021</a:t>
             </a:fld>
             <a:endParaRPr lang="en-US"/>
           </a:p>
@@ -4201,6 +5518,2181 @@
           </a:p>
         </p:txBody>
       </p:sp>
+      <p:grpSp>
+        <p:nvGrpSpPr>
+          <p:cNvPr id="6" name="Group 5">
+            <a:extLst>
+              <a:ext uri="{FF2B5EF4-FFF2-40B4-BE49-F238E27FC236}">
+                <a16:creationId xmlns:a16="http://schemas.microsoft.com/office/drawing/2014/main" id="{3DD9E2DC-E64F-4070-9CE7-8F3C16061564}"/>
+              </a:ext>
+            </a:extLst>
+          </p:cNvPr>
+          <p:cNvGrpSpPr/>
+          <p:nvPr/>
+        </p:nvGrpSpPr>
+        <p:grpSpPr>
+          <a:xfrm>
+            <a:off x="880129" y="1709899"/>
+            <a:ext cx="2188080" cy="56520"/>
+            <a:chOff x="880129" y="1709899"/>
+            <a:chExt cx="2188080" cy="56520"/>
+          </a:xfrm>
+        </p:grpSpPr>
+        <mc:AlternateContent xmlns:mc="http://schemas.openxmlformats.org/markup-compatibility/2006">
+          <mc:Choice xmlns:p14="http://schemas.microsoft.com/office/powerpoint/2010/main" Requires="p14">
+            <p:contentPart p14:bwMode="auto" r:id="rId2">
+              <p14:nvContentPartPr>
+                <p14:cNvPr id="4" name="Ink 3">
+                  <a:extLst>
+                    <a:ext uri="{FF2B5EF4-FFF2-40B4-BE49-F238E27FC236}">
+                      <a16:creationId xmlns:a16="http://schemas.microsoft.com/office/drawing/2014/main" id="{DB9D1258-957C-4D81-901A-BF4D0364ACDF}"/>
+                    </a:ext>
+                  </a:extLst>
+                </p14:cNvPr>
+                <p14:cNvContentPartPr/>
+                <p14:nvPr/>
+              </p14:nvContentPartPr>
+              <p14:xfrm>
+                <a:off x="880129" y="1723219"/>
+                <a:ext cx="750600" cy="43200"/>
+              </p14:xfrm>
+            </p:contentPart>
+          </mc:Choice>
+          <mc:Fallback>
+            <p:pic>
+              <p:nvPicPr>
+                <p:cNvPr id="4" name="Ink 3">
+                  <a:extLst>
+                    <a:ext uri="{FF2B5EF4-FFF2-40B4-BE49-F238E27FC236}">
+                      <a16:creationId xmlns:a16="http://schemas.microsoft.com/office/drawing/2014/main" id="{DB9D1258-957C-4D81-901A-BF4D0364ACDF}"/>
+                    </a:ext>
+                  </a:extLst>
+                </p:cNvPr>
+                <p:cNvPicPr/>
+                <p:nvPr/>
+              </p:nvPicPr>
+              <p:blipFill>
+                <a:blip r:embed="rId3"/>
+                <a:stretch>
+                  <a:fillRect/>
+                </a:stretch>
+              </p:blipFill>
+              <p:spPr>
+                <a:xfrm>
+                  <a:off x="871489" y="1714579"/>
+                  <a:ext cx="768240" cy="60840"/>
+                </a:xfrm>
+                <a:prstGeom prst="rect">
+                  <a:avLst/>
+                </a:prstGeom>
+              </p:spPr>
+            </p:pic>
+          </mc:Fallback>
+        </mc:AlternateContent>
+        <mc:AlternateContent xmlns:mc="http://schemas.openxmlformats.org/markup-compatibility/2006">
+          <mc:Choice xmlns:p14="http://schemas.microsoft.com/office/powerpoint/2010/main" Requires="p14">
+            <p:contentPart p14:bwMode="auto" r:id="rId4">
+              <p14:nvContentPartPr>
+                <p14:cNvPr id="5" name="Ink 4">
+                  <a:extLst>
+                    <a:ext uri="{FF2B5EF4-FFF2-40B4-BE49-F238E27FC236}">
+                      <a16:creationId xmlns:a16="http://schemas.microsoft.com/office/drawing/2014/main" id="{A2E032E9-CA65-4050-8543-8043E8123CC0}"/>
+                    </a:ext>
+                  </a:extLst>
+                </p14:cNvPr>
+                <p14:cNvContentPartPr/>
+                <p14:nvPr/>
+              </p14:nvContentPartPr>
+              <p14:xfrm>
+                <a:off x="2276929" y="1709899"/>
+                <a:ext cx="791280" cy="50400"/>
+              </p14:xfrm>
+            </p:contentPart>
+          </mc:Choice>
+          <mc:Fallback>
+            <p:pic>
+              <p:nvPicPr>
+                <p:cNvPr id="5" name="Ink 4">
+                  <a:extLst>
+                    <a:ext uri="{FF2B5EF4-FFF2-40B4-BE49-F238E27FC236}">
+                      <a16:creationId xmlns:a16="http://schemas.microsoft.com/office/drawing/2014/main" id="{A2E032E9-CA65-4050-8543-8043E8123CC0}"/>
+                    </a:ext>
+                  </a:extLst>
+                </p:cNvPr>
+                <p:cNvPicPr/>
+                <p:nvPr/>
+              </p:nvPicPr>
+              <p:blipFill>
+                <a:blip r:embed="rId5"/>
+                <a:stretch>
+                  <a:fillRect/>
+                </a:stretch>
+              </p:blipFill>
+              <p:spPr>
+                <a:xfrm>
+                  <a:off x="2267929" y="1701259"/>
+                  <a:ext cx="808920" cy="68040"/>
+                </a:xfrm>
+                <a:prstGeom prst="rect">
+                  <a:avLst/>
+                </a:prstGeom>
+              </p:spPr>
+            </p:pic>
+          </mc:Fallback>
+        </mc:AlternateContent>
+      </p:grpSp>
+      <mc:AlternateContent xmlns:mc="http://schemas.openxmlformats.org/markup-compatibility/2006">
+        <mc:Choice xmlns:p14="http://schemas.microsoft.com/office/powerpoint/2010/main" Requires="p14">
+          <p:contentPart p14:bwMode="auto" r:id="rId6">
+            <p14:nvContentPartPr>
+              <p14:cNvPr id="7" name="Ink 6">
+                <a:extLst>
+                  <a:ext uri="{FF2B5EF4-FFF2-40B4-BE49-F238E27FC236}">
+                    <a16:creationId xmlns:a16="http://schemas.microsoft.com/office/drawing/2014/main" id="{F3A31E29-C586-4619-AF4C-ACF4F5B3AA78}"/>
+                  </a:ext>
+                </a:extLst>
+              </p14:cNvPr>
+              <p14:cNvContentPartPr/>
+              <p14:nvPr/>
+            </p14:nvContentPartPr>
+            <p14:xfrm>
+              <a:off x="1306729" y="2055859"/>
+              <a:ext cx="682560" cy="75240"/>
+            </p14:xfrm>
+          </p:contentPart>
+        </mc:Choice>
+        <mc:Fallback>
+          <p:pic>
+            <p:nvPicPr>
+              <p:cNvPr id="7" name="Ink 6">
+                <a:extLst>
+                  <a:ext uri="{FF2B5EF4-FFF2-40B4-BE49-F238E27FC236}">
+                    <a16:creationId xmlns:a16="http://schemas.microsoft.com/office/drawing/2014/main" id="{F3A31E29-C586-4619-AF4C-ACF4F5B3AA78}"/>
+                  </a:ext>
+                </a:extLst>
+              </p:cNvPr>
+              <p:cNvPicPr/>
+              <p:nvPr/>
+            </p:nvPicPr>
+            <p:blipFill>
+              <a:blip r:embed="rId7"/>
+              <a:stretch>
+                <a:fillRect/>
+              </a:stretch>
+            </p:blipFill>
+            <p:spPr>
+              <a:xfrm>
+                <a:off x="1297729" y="2046859"/>
+                <a:ext cx="700200" cy="92880"/>
+              </a:xfrm>
+              <a:prstGeom prst="rect">
+                <a:avLst/>
+              </a:prstGeom>
+            </p:spPr>
+          </p:pic>
+        </mc:Fallback>
+      </mc:AlternateContent>
+      <p:grpSp>
+        <p:nvGrpSpPr>
+          <p:cNvPr id="11" name="Group 10">
+            <a:extLst>
+              <a:ext uri="{FF2B5EF4-FFF2-40B4-BE49-F238E27FC236}">
+                <a16:creationId xmlns:a16="http://schemas.microsoft.com/office/drawing/2014/main" id="{C21C7684-A8C7-4085-9BFE-1770A80E41E6}"/>
+              </a:ext>
+            </a:extLst>
+          </p:cNvPr>
+          <p:cNvGrpSpPr/>
+          <p:nvPr/>
+        </p:nvGrpSpPr>
+        <p:grpSpPr>
+          <a:xfrm>
+            <a:off x="796969" y="2445019"/>
+            <a:ext cx="2494800" cy="552240"/>
+            <a:chOff x="796969" y="2445019"/>
+            <a:chExt cx="2494800" cy="552240"/>
+          </a:xfrm>
+        </p:grpSpPr>
+        <mc:AlternateContent xmlns:mc="http://schemas.openxmlformats.org/markup-compatibility/2006">
+          <mc:Choice xmlns:p14="http://schemas.microsoft.com/office/powerpoint/2010/main" Requires="p14">
+            <p:contentPart p14:bwMode="auto" r:id="rId8">
+              <p14:nvContentPartPr>
+                <p14:cNvPr id="8" name="Ink 7">
+                  <a:extLst>
+                    <a:ext uri="{FF2B5EF4-FFF2-40B4-BE49-F238E27FC236}">
+                      <a16:creationId xmlns:a16="http://schemas.microsoft.com/office/drawing/2014/main" id="{E9A9B562-9228-4EF9-B240-1FCE39D43FF1}"/>
+                    </a:ext>
+                  </a:extLst>
+                </p14:cNvPr>
+                <p14:cNvContentPartPr/>
+                <p14:nvPr/>
+              </p14:nvContentPartPr>
+              <p14:xfrm>
+                <a:off x="876889" y="2445019"/>
+                <a:ext cx="961920" cy="82440"/>
+              </p14:xfrm>
+            </p:contentPart>
+          </mc:Choice>
+          <mc:Fallback>
+            <p:pic>
+              <p:nvPicPr>
+                <p:cNvPr id="8" name="Ink 7">
+                  <a:extLst>
+                    <a:ext uri="{FF2B5EF4-FFF2-40B4-BE49-F238E27FC236}">
+                      <a16:creationId xmlns:a16="http://schemas.microsoft.com/office/drawing/2014/main" id="{E9A9B562-9228-4EF9-B240-1FCE39D43FF1}"/>
+                    </a:ext>
+                  </a:extLst>
+                </p:cNvPr>
+                <p:cNvPicPr/>
+                <p:nvPr/>
+              </p:nvPicPr>
+              <p:blipFill>
+                <a:blip r:embed="rId9"/>
+                <a:stretch>
+                  <a:fillRect/>
+                </a:stretch>
+              </p:blipFill>
+              <p:spPr>
+                <a:xfrm>
+                  <a:off x="867889" y="2436379"/>
+                  <a:ext cx="979560" cy="100080"/>
+                </a:xfrm>
+                <a:prstGeom prst="rect">
+                  <a:avLst/>
+                </a:prstGeom>
+              </p:spPr>
+            </p:pic>
+          </mc:Fallback>
+        </mc:AlternateContent>
+        <mc:AlternateContent xmlns:mc="http://schemas.openxmlformats.org/markup-compatibility/2006">
+          <mc:Choice xmlns:p14="http://schemas.microsoft.com/office/powerpoint/2010/main" Requires="p14">
+            <p:contentPart p14:bwMode="auto" r:id="rId10">
+              <p14:nvContentPartPr>
+                <p14:cNvPr id="9" name="Ink 8">
+                  <a:extLst>
+                    <a:ext uri="{FF2B5EF4-FFF2-40B4-BE49-F238E27FC236}">
+                      <a16:creationId xmlns:a16="http://schemas.microsoft.com/office/drawing/2014/main" id="{9108AFC1-0559-4C5B-8A0D-9171CE225E30}"/>
+                    </a:ext>
+                  </a:extLst>
+                </p14:cNvPr>
+                <p14:cNvContentPartPr/>
+                <p14:nvPr/>
+              </p14:nvContentPartPr>
+              <p14:xfrm>
+                <a:off x="796969" y="2555539"/>
+                <a:ext cx="565200" cy="403560"/>
+              </p14:xfrm>
+            </p:contentPart>
+          </mc:Choice>
+          <mc:Fallback>
+            <p:pic>
+              <p:nvPicPr>
+                <p:cNvPr id="9" name="Ink 8">
+                  <a:extLst>
+                    <a:ext uri="{FF2B5EF4-FFF2-40B4-BE49-F238E27FC236}">
+                      <a16:creationId xmlns:a16="http://schemas.microsoft.com/office/drawing/2014/main" id="{9108AFC1-0559-4C5B-8A0D-9171CE225E30}"/>
+                    </a:ext>
+                  </a:extLst>
+                </p:cNvPr>
+                <p:cNvPicPr/>
+                <p:nvPr/>
+              </p:nvPicPr>
+              <p:blipFill>
+                <a:blip r:embed="rId11"/>
+                <a:stretch>
+                  <a:fillRect/>
+                </a:stretch>
+              </p:blipFill>
+              <p:spPr>
+                <a:xfrm>
+                  <a:off x="788329" y="2546899"/>
+                  <a:ext cx="582840" cy="421200"/>
+                </a:xfrm>
+                <a:prstGeom prst="rect">
+                  <a:avLst/>
+                </a:prstGeom>
+              </p:spPr>
+            </p:pic>
+          </mc:Fallback>
+        </mc:AlternateContent>
+        <mc:AlternateContent xmlns:mc="http://schemas.openxmlformats.org/markup-compatibility/2006">
+          <mc:Choice xmlns:p14="http://schemas.microsoft.com/office/powerpoint/2010/main" Requires="p14">
+            <p:contentPart p14:bwMode="auto" r:id="rId12">
+              <p14:nvContentPartPr>
+                <p14:cNvPr id="10" name="Ink 9">
+                  <a:extLst>
+                    <a:ext uri="{FF2B5EF4-FFF2-40B4-BE49-F238E27FC236}">
+                      <a16:creationId xmlns:a16="http://schemas.microsoft.com/office/drawing/2014/main" id="{33072878-CD68-4F8F-BB3B-47BCA0349FDA}"/>
+                    </a:ext>
+                  </a:extLst>
+                </p14:cNvPr>
+                <p14:cNvContentPartPr/>
+                <p14:nvPr/>
+              </p14:nvContentPartPr>
+              <p14:xfrm>
+                <a:off x="2366209" y="2944699"/>
+                <a:ext cx="925560" cy="52560"/>
+              </p14:xfrm>
+            </p:contentPart>
+          </mc:Choice>
+          <mc:Fallback>
+            <p:pic>
+              <p:nvPicPr>
+                <p:cNvPr id="10" name="Ink 9">
+                  <a:extLst>
+                    <a:ext uri="{FF2B5EF4-FFF2-40B4-BE49-F238E27FC236}">
+                      <a16:creationId xmlns:a16="http://schemas.microsoft.com/office/drawing/2014/main" id="{33072878-CD68-4F8F-BB3B-47BCA0349FDA}"/>
+                    </a:ext>
+                  </a:extLst>
+                </p:cNvPr>
+                <p:cNvPicPr/>
+                <p:nvPr/>
+              </p:nvPicPr>
+              <p:blipFill>
+                <a:blip r:embed="rId13"/>
+                <a:stretch>
+                  <a:fillRect/>
+                </a:stretch>
+              </p:blipFill>
+              <p:spPr>
+                <a:xfrm>
+                  <a:off x="2357209" y="2936059"/>
+                  <a:ext cx="943200" cy="70200"/>
+                </a:xfrm>
+                <a:prstGeom prst="rect">
+                  <a:avLst/>
+                </a:prstGeom>
+              </p:spPr>
+            </p:pic>
+          </mc:Fallback>
+        </mc:AlternateContent>
+      </p:grpSp>
+      <mc:AlternateContent xmlns:mc="http://schemas.openxmlformats.org/markup-compatibility/2006">
+        <mc:Choice xmlns:p14="http://schemas.microsoft.com/office/powerpoint/2010/main" Requires="p14">
+          <p:contentPart p14:bwMode="auto" r:id="rId14">
+            <p14:nvContentPartPr>
+              <p14:cNvPr id="12" name="Ink 11">
+                <a:extLst>
+                  <a:ext uri="{FF2B5EF4-FFF2-40B4-BE49-F238E27FC236}">
+                    <a16:creationId xmlns:a16="http://schemas.microsoft.com/office/drawing/2014/main" id="{46712929-FFB2-4750-811D-51E9885BA7AD}"/>
+                  </a:ext>
+                </a:extLst>
+              </p14:cNvPr>
+              <p14:cNvContentPartPr/>
+              <p14:nvPr/>
+            </p14:nvContentPartPr>
+            <p14:xfrm>
+              <a:off x="3922489" y="3329179"/>
+              <a:ext cx="492120" cy="29160"/>
+            </p14:xfrm>
+          </p:contentPart>
+        </mc:Choice>
+        <mc:Fallback>
+          <p:pic>
+            <p:nvPicPr>
+              <p:cNvPr id="12" name="Ink 11">
+                <a:extLst>
+                  <a:ext uri="{FF2B5EF4-FFF2-40B4-BE49-F238E27FC236}">
+                    <a16:creationId xmlns:a16="http://schemas.microsoft.com/office/drawing/2014/main" id="{46712929-FFB2-4750-811D-51E9885BA7AD}"/>
+                  </a:ext>
+                </a:extLst>
+              </p:cNvPr>
+              <p:cNvPicPr/>
+              <p:nvPr/>
+            </p:nvPicPr>
+            <p:blipFill>
+              <a:blip r:embed="rId15"/>
+              <a:stretch>
+                <a:fillRect/>
+              </a:stretch>
+            </p:blipFill>
+            <p:spPr>
+              <a:xfrm>
+                <a:off x="3913849" y="3320539"/>
+                <a:ext cx="509760" cy="46800"/>
+              </a:xfrm>
+              <a:prstGeom prst="rect">
+                <a:avLst/>
+              </a:prstGeom>
+            </p:spPr>
+          </p:pic>
+        </mc:Fallback>
+      </mc:AlternateContent>
+      <mc:AlternateContent xmlns:mc="http://schemas.openxmlformats.org/markup-compatibility/2006">
+        <mc:Choice xmlns:p14="http://schemas.microsoft.com/office/powerpoint/2010/main" Requires="p14">
+          <p:contentPart p14:bwMode="auto" r:id="rId16">
+            <p14:nvContentPartPr>
+              <p14:cNvPr id="13" name="Ink 12">
+                <a:extLst>
+                  <a:ext uri="{FF2B5EF4-FFF2-40B4-BE49-F238E27FC236}">
+                    <a16:creationId xmlns:a16="http://schemas.microsoft.com/office/drawing/2014/main" id="{80D497CF-0026-4BE9-8B18-1F06D8318BD9}"/>
+                  </a:ext>
+                </a:extLst>
+              </p14:cNvPr>
+              <p14:cNvContentPartPr/>
+              <p14:nvPr/>
+            </p14:nvContentPartPr>
+            <p14:xfrm>
+              <a:off x="6335929" y="3336379"/>
+              <a:ext cx="612360" cy="46800"/>
+            </p14:xfrm>
+          </p:contentPart>
+        </mc:Choice>
+        <mc:Fallback>
+          <p:pic>
+            <p:nvPicPr>
+              <p:cNvPr id="13" name="Ink 12">
+                <a:extLst>
+                  <a:ext uri="{FF2B5EF4-FFF2-40B4-BE49-F238E27FC236}">
+                    <a16:creationId xmlns:a16="http://schemas.microsoft.com/office/drawing/2014/main" id="{80D497CF-0026-4BE9-8B18-1F06D8318BD9}"/>
+                  </a:ext>
+                </a:extLst>
+              </p:cNvPr>
+              <p:cNvPicPr/>
+              <p:nvPr/>
+            </p:nvPicPr>
+            <p:blipFill>
+              <a:blip r:embed="rId17"/>
+              <a:stretch>
+                <a:fillRect/>
+              </a:stretch>
+            </p:blipFill>
+            <p:spPr>
+              <a:xfrm>
+                <a:off x="6326929" y="3327379"/>
+                <a:ext cx="630000" cy="64440"/>
+              </a:xfrm>
+              <a:prstGeom prst="rect">
+                <a:avLst/>
+              </a:prstGeom>
+            </p:spPr>
+          </p:pic>
+        </mc:Fallback>
+      </mc:AlternateContent>
+      <mc:AlternateContent xmlns:mc="http://schemas.openxmlformats.org/markup-compatibility/2006">
+        <mc:Choice xmlns:p14="http://schemas.microsoft.com/office/powerpoint/2010/main" Requires="p14">
+          <p:contentPart p14:bwMode="auto" r:id="rId18">
+            <p14:nvContentPartPr>
+              <p14:cNvPr id="14" name="Ink 13">
+                <a:extLst>
+                  <a:ext uri="{FF2B5EF4-FFF2-40B4-BE49-F238E27FC236}">
+                    <a16:creationId xmlns:a16="http://schemas.microsoft.com/office/drawing/2014/main" id="{6B7E41C9-1B5C-4FB2-8385-B2C384D9C00A}"/>
+                  </a:ext>
+                </a:extLst>
+              </p14:cNvPr>
+              <p14:cNvContentPartPr/>
+              <p14:nvPr/>
+            </p14:nvContentPartPr>
+            <p14:xfrm>
+              <a:off x="1217449" y="3692419"/>
+              <a:ext cx="367200" cy="53280"/>
+            </p14:xfrm>
+          </p:contentPart>
+        </mc:Choice>
+        <mc:Fallback>
+          <p:pic>
+            <p:nvPicPr>
+              <p:cNvPr id="14" name="Ink 13">
+                <a:extLst>
+                  <a:ext uri="{FF2B5EF4-FFF2-40B4-BE49-F238E27FC236}">
+                    <a16:creationId xmlns:a16="http://schemas.microsoft.com/office/drawing/2014/main" id="{6B7E41C9-1B5C-4FB2-8385-B2C384D9C00A}"/>
+                  </a:ext>
+                </a:extLst>
+              </p:cNvPr>
+              <p:cNvPicPr/>
+              <p:nvPr/>
+            </p:nvPicPr>
+            <p:blipFill>
+              <a:blip r:embed="rId19"/>
+              <a:stretch>
+                <a:fillRect/>
+              </a:stretch>
+            </p:blipFill>
+            <p:spPr>
+              <a:xfrm>
+                <a:off x="1208809" y="3683779"/>
+                <a:ext cx="384840" cy="70920"/>
+              </a:xfrm>
+              <a:prstGeom prst="rect">
+                <a:avLst/>
+              </a:prstGeom>
+            </p:spPr>
+          </p:pic>
+        </mc:Fallback>
+      </mc:AlternateContent>
+      <mc:AlternateContent xmlns:mc="http://schemas.openxmlformats.org/markup-compatibility/2006">
+        <mc:Choice xmlns:p14="http://schemas.microsoft.com/office/powerpoint/2010/main" Requires="p14">
+          <p:contentPart p14:bwMode="auto" r:id="rId20">
+            <p14:nvContentPartPr>
+              <p14:cNvPr id="15" name="Ink 14">
+                <a:extLst>
+                  <a:ext uri="{FF2B5EF4-FFF2-40B4-BE49-F238E27FC236}">
+                    <a16:creationId xmlns:a16="http://schemas.microsoft.com/office/drawing/2014/main" id="{3EA42569-68F0-4778-8E3E-918599E33619}"/>
+                  </a:ext>
+                </a:extLst>
+              </p14:cNvPr>
+              <p14:cNvContentPartPr/>
+              <p14:nvPr/>
+            </p14:nvContentPartPr>
+            <p14:xfrm>
+              <a:off x="2303569" y="3688459"/>
+              <a:ext cx="1325520" cy="25920"/>
+            </p14:xfrm>
+          </p:contentPart>
+        </mc:Choice>
+        <mc:Fallback>
+          <p:pic>
+            <p:nvPicPr>
+              <p:cNvPr id="15" name="Ink 14">
+                <a:extLst>
+                  <a:ext uri="{FF2B5EF4-FFF2-40B4-BE49-F238E27FC236}">
+                    <a16:creationId xmlns:a16="http://schemas.microsoft.com/office/drawing/2014/main" id="{3EA42569-68F0-4778-8E3E-918599E33619}"/>
+                  </a:ext>
+                </a:extLst>
+              </p:cNvPr>
+              <p:cNvPicPr/>
+              <p:nvPr/>
+            </p:nvPicPr>
+            <p:blipFill>
+              <a:blip r:embed="rId21"/>
+              <a:stretch>
+                <a:fillRect/>
+              </a:stretch>
+            </p:blipFill>
+            <p:spPr>
+              <a:xfrm>
+                <a:off x="2294569" y="3679459"/>
+                <a:ext cx="1343160" cy="43560"/>
+              </a:xfrm>
+              <a:prstGeom prst="rect">
+                <a:avLst/>
+              </a:prstGeom>
+            </p:spPr>
+          </p:pic>
+        </mc:Fallback>
+      </mc:AlternateContent>
+      <mc:AlternateContent xmlns:mc="http://schemas.openxmlformats.org/markup-compatibility/2006">
+        <mc:Choice xmlns:p14="http://schemas.microsoft.com/office/powerpoint/2010/main" Requires="p14">
+          <p:contentPart p14:bwMode="auto" r:id="rId22">
+            <p14:nvContentPartPr>
+              <p14:cNvPr id="16" name="Ink 15">
+                <a:extLst>
+                  <a:ext uri="{FF2B5EF4-FFF2-40B4-BE49-F238E27FC236}">
+                    <a16:creationId xmlns:a16="http://schemas.microsoft.com/office/drawing/2014/main" id="{F3D8AEC3-3DBF-480C-9644-F87CBCBD0A07}"/>
+                  </a:ext>
+                </a:extLst>
+              </p14:cNvPr>
+              <p14:cNvContentPartPr/>
+              <p14:nvPr/>
+            </p14:nvContentPartPr>
+            <p14:xfrm>
+              <a:off x="4233169" y="3648859"/>
+              <a:ext cx="1056960" cy="42840"/>
+            </p14:xfrm>
+          </p:contentPart>
+        </mc:Choice>
+        <mc:Fallback>
+          <p:pic>
+            <p:nvPicPr>
+              <p:cNvPr id="16" name="Ink 15">
+                <a:extLst>
+                  <a:ext uri="{FF2B5EF4-FFF2-40B4-BE49-F238E27FC236}">
+                    <a16:creationId xmlns:a16="http://schemas.microsoft.com/office/drawing/2014/main" id="{F3D8AEC3-3DBF-480C-9644-F87CBCBD0A07}"/>
+                  </a:ext>
+                </a:extLst>
+              </p:cNvPr>
+              <p:cNvPicPr/>
+              <p:nvPr/>
+            </p:nvPicPr>
+            <p:blipFill>
+              <a:blip r:embed="rId23"/>
+              <a:stretch>
+                <a:fillRect/>
+              </a:stretch>
+            </p:blipFill>
+            <p:spPr>
+              <a:xfrm>
+                <a:off x="4224529" y="3640219"/>
+                <a:ext cx="1074600" cy="60480"/>
+              </a:xfrm>
+              <a:prstGeom prst="rect">
+                <a:avLst/>
+              </a:prstGeom>
+            </p:spPr>
+          </p:pic>
+        </mc:Fallback>
+      </mc:AlternateContent>
+      <mc:AlternateContent xmlns:mc="http://schemas.openxmlformats.org/markup-compatibility/2006">
+        <mc:Choice xmlns:p14="http://schemas.microsoft.com/office/powerpoint/2010/main" Requires="p14">
+          <p:contentPart p14:bwMode="auto" r:id="rId24">
+            <p14:nvContentPartPr>
+              <p14:cNvPr id="17" name="Ink 16">
+                <a:extLst>
+                  <a:ext uri="{FF2B5EF4-FFF2-40B4-BE49-F238E27FC236}">
+                    <a16:creationId xmlns:a16="http://schemas.microsoft.com/office/drawing/2014/main" id="{279A3329-A308-496C-A708-36035E8BE292}"/>
+                  </a:ext>
+                </a:extLst>
+              </p14:cNvPr>
+              <p14:cNvContentPartPr/>
+              <p14:nvPr/>
+            </p14:nvContentPartPr>
+            <p14:xfrm>
+              <a:off x="1457929" y="4153939"/>
+              <a:ext cx="137880" cy="285480"/>
+            </p14:xfrm>
+          </p:contentPart>
+        </mc:Choice>
+        <mc:Fallback>
+          <p:pic>
+            <p:nvPicPr>
+              <p:cNvPr id="17" name="Ink 16">
+                <a:extLst>
+                  <a:ext uri="{FF2B5EF4-FFF2-40B4-BE49-F238E27FC236}">
+                    <a16:creationId xmlns:a16="http://schemas.microsoft.com/office/drawing/2014/main" id="{279A3329-A308-496C-A708-36035E8BE292}"/>
+                  </a:ext>
+                </a:extLst>
+              </p:cNvPr>
+              <p:cNvPicPr/>
+              <p:nvPr/>
+            </p:nvPicPr>
+            <p:blipFill>
+              <a:blip r:embed="rId25"/>
+              <a:stretch>
+                <a:fillRect/>
+              </a:stretch>
+            </p:blipFill>
+            <p:spPr>
+              <a:xfrm>
+                <a:off x="1449289" y="4144939"/>
+                <a:ext cx="155520" cy="303120"/>
+              </a:xfrm>
+              <a:prstGeom prst="rect">
+                <a:avLst/>
+              </a:prstGeom>
+            </p:spPr>
+          </p:pic>
+        </mc:Fallback>
+      </mc:AlternateContent>
+      <mc:AlternateContent xmlns:mc="http://schemas.openxmlformats.org/markup-compatibility/2006">
+        <mc:Choice xmlns:p14="http://schemas.microsoft.com/office/powerpoint/2010/main" Requires="p14">
+          <p:contentPart p14:bwMode="auto" r:id="rId26">
+            <p14:nvContentPartPr>
+              <p14:cNvPr id="18" name="Ink 17">
+                <a:extLst>
+                  <a:ext uri="{FF2B5EF4-FFF2-40B4-BE49-F238E27FC236}">
+                    <a16:creationId xmlns:a16="http://schemas.microsoft.com/office/drawing/2014/main" id="{F2A75E96-FC38-434A-BB43-EF5DC329FE51}"/>
+                  </a:ext>
+                </a:extLst>
+              </p14:cNvPr>
+              <p14:cNvContentPartPr/>
+              <p14:nvPr/>
+            </p14:nvContentPartPr>
+            <p14:xfrm>
+              <a:off x="1648729" y="4294699"/>
+              <a:ext cx="92520" cy="117720"/>
+            </p14:xfrm>
+          </p:contentPart>
+        </mc:Choice>
+        <mc:Fallback>
+          <p:pic>
+            <p:nvPicPr>
+              <p:cNvPr id="18" name="Ink 17">
+                <a:extLst>
+                  <a:ext uri="{FF2B5EF4-FFF2-40B4-BE49-F238E27FC236}">
+                    <a16:creationId xmlns:a16="http://schemas.microsoft.com/office/drawing/2014/main" id="{F2A75E96-FC38-434A-BB43-EF5DC329FE51}"/>
+                  </a:ext>
+                </a:extLst>
+              </p:cNvPr>
+              <p:cNvPicPr/>
+              <p:nvPr/>
+            </p:nvPicPr>
+            <p:blipFill>
+              <a:blip r:embed="rId27"/>
+              <a:stretch>
+                <a:fillRect/>
+              </a:stretch>
+            </p:blipFill>
+            <p:spPr>
+              <a:xfrm>
+                <a:off x="1639729" y="4285699"/>
+                <a:ext cx="110160" cy="135360"/>
+              </a:xfrm>
+              <a:prstGeom prst="rect">
+                <a:avLst/>
+              </a:prstGeom>
+            </p:spPr>
+          </p:pic>
+        </mc:Fallback>
+      </mc:AlternateContent>
+      <mc:AlternateContent xmlns:mc="http://schemas.openxmlformats.org/markup-compatibility/2006">
+        <mc:Choice xmlns:p14="http://schemas.microsoft.com/office/powerpoint/2010/main" Requires="p14">
+          <p:contentPart p14:bwMode="auto" r:id="rId28">
+            <p14:nvContentPartPr>
+              <p14:cNvPr id="19" name="Ink 18">
+                <a:extLst>
+                  <a:ext uri="{FF2B5EF4-FFF2-40B4-BE49-F238E27FC236}">
+                    <a16:creationId xmlns:a16="http://schemas.microsoft.com/office/drawing/2014/main" id="{AE6C3EEF-C541-4715-97AE-DAB3C46D6FC9}"/>
+                  </a:ext>
+                </a:extLst>
+              </p14:cNvPr>
+              <p14:cNvContentPartPr/>
+              <p14:nvPr/>
+            </p14:nvContentPartPr>
+            <p14:xfrm>
+              <a:off x="1831969" y="4302619"/>
+              <a:ext cx="94680" cy="101160"/>
+            </p14:xfrm>
+          </p:contentPart>
+        </mc:Choice>
+        <mc:Fallback>
+          <p:pic>
+            <p:nvPicPr>
+              <p:cNvPr id="19" name="Ink 18">
+                <a:extLst>
+                  <a:ext uri="{FF2B5EF4-FFF2-40B4-BE49-F238E27FC236}">
+                    <a16:creationId xmlns:a16="http://schemas.microsoft.com/office/drawing/2014/main" id="{AE6C3EEF-C541-4715-97AE-DAB3C46D6FC9}"/>
+                  </a:ext>
+                </a:extLst>
+              </p:cNvPr>
+              <p:cNvPicPr/>
+              <p:nvPr/>
+            </p:nvPicPr>
+            <p:blipFill>
+              <a:blip r:embed="rId29"/>
+              <a:stretch>
+                <a:fillRect/>
+              </a:stretch>
+            </p:blipFill>
+            <p:spPr>
+              <a:xfrm>
+                <a:off x="1823329" y="4293979"/>
+                <a:ext cx="112320" cy="118800"/>
+              </a:xfrm>
+              <a:prstGeom prst="rect">
+                <a:avLst/>
+              </a:prstGeom>
+            </p:spPr>
+          </p:pic>
+        </mc:Fallback>
+      </mc:AlternateContent>
+      <mc:AlternateContent xmlns:mc="http://schemas.openxmlformats.org/markup-compatibility/2006">
+        <mc:Choice xmlns:p14="http://schemas.microsoft.com/office/powerpoint/2010/main" Requires="p14">
+          <p:contentPart p14:bwMode="auto" r:id="rId30">
+            <p14:nvContentPartPr>
+              <p14:cNvPr id="20" name="Ink 19">
+                <a:extLst>
+                  <a:ext uri="{FF2B5EF4-FFF2-40B4-BE49-F238E27FC236}">
+                    <a16:creationId xmlns:a16="http://schemas.microsoft.com/office/drawing/2014/main" id="{7B8B90B4-1FBF-4352-94C8-BA0D7BA706E1}"/>
+                  </a:ext>
+                </a:extLst>
+              </p14:cNvPr>
+              <p14:cNvContentPartPr/>
+              <p14:nvPr/>
+            </p14:nvContentPartPr>
+            <p14:xfrm>
+              <a:off x="1976689" y="4163659"/>
+              <a:ext cx="75960" cy="247680"/>
+            </p14:xfrm>
+          </p:contentPart>
+        </mc:Choice>
+        <mc:Fallback>
+          <p:pic>
+            <p:nvPicPr>
+              <p:cNvPr id="20" name="Ink 19">
+                <a:extLst>
+                  <a:ext uri="{FF2B5EF4-FFF2-40B4-BE49-F238E27FC236}">
+                    <a16:creationId xmlns:a16="http://schemas.microsoft.com/office/drawing/2014/main" id="{7B8B90B4-1FBF-4352-94C8-BA0D7BA706E1}"/>
+                  </a:ext>
+                </a:extLst>
+              </p:cNvPr>
+              <p:cNvPicPr/>
+              <p:nvPr/>
+            </p:nvPicPr>
+            <p:blipFill>
+              <a:blip r:embed="rId31"/>
+              <a:stretch>
+                <a:fillRect/>
+              </a:stretch>
+            </p:blipFill>
+            <p:spPr>
+              <a:xfrm>
+                <a:off x="1967689" y="4154659"/>
+                <a:ext cx="93600" cy="265320"/>
+              </a:xfrm>
+              <a:prstGeom prst="rect">
+                <a:avLst/>
+              </a:prstGeom>
+            </p:spPr>
+          </p:pic>
+        </mc:Fallback>
+      </mc:AlternateContent>
+      <mc:AlternateContent xmlns:mc="http://schemas.openxmlformats.org/markup-compatibility/2006">
+        <mc:Choice xmlns:p14="http://schemas.microsoft.com/office/powerpoint/2010/main" Requires="p14">
+          <p:contentPart p14:bwMode="auto" r:id="rId32">
+            <p14:nvContentPartPr>
+              <p14:cNvPr id="21" name="Ink 20">
+                <a:extLst>
+                  <a:ext uri="{FF2B5EF4-FFF2-40B4-BE49-F238E27FC236}">
+                    <a16:creationId xmlns:a16="http://schemas.microsoft.com/office/drawing/2014/main" id="{E86A57AF-2F17-4FB0-9ED3-8872A23804FB}"/>
+                  </a:ext>
+                </a:extLst>
+              </p14:cNvPr>
+              <p14:cNvContentPartPr/>
+              <p14:nvPr/>
+            </p14:nvContentPartPr>
+            <p14:xfrm>
+              <a:off x="2096569" y="4306219"/>
+              <a:ext cx="61920" cy="138600"/>
+            </p14:xfrm>
+          </p:contentPart>
+        </mc:Choice>
+        <mc:Fallback>
+          <p:pic>
+            <p:nvPicPr>
+              <p:cNvPr id="21" name="Ink 20">
+                <a:extLst>
+                  <a:ext uri="{FF2B5EF4-FFF2-40B4-BE49-F238E27FC236}">
+                    <a16:creationId xmlns:a16="http://schemas.microsoft.com/office/drawing/2014/main" id="{E86A57AF-2F17-4FB0-9ED3-8872A23804FB}"/>
+                  </a:ext>
+                </a:extLst>
+              </p:cNvPr>
+              <p:cNvPicPr/>
+              <p:nvPr/>
+            </p:nvPicPr>
+            <p:blipFill>
+              <a:blip r:embed="rId33"/>
+              <a:stretch>
+                <a:fillRect/>
+              </a:stretch>
+            </p:blipFill>
+            <p:spPr>
+              <a:xfrm>
+                <a:off x="2087929" y="4297579"/>
+                <a:ext cx="79560" cy="156240"/>
+              </a:xfrm>
+              <a:prstGeom prst="rect">
+                <a:avLst/>
+              </a:prstGeom>
+            </p:spPr>
+          </p:pic>
+        </mc:Fallback>
+      </mc:AlternateContent>
+      <mc:AlternateContent xmlns:mc="http://schemas.openxmlformats.org/markup-compatibility/2006">
+        <mc:Choice xmlns:p14="http://schemas.microsoft.com/office/powerpoint/2010/main" Requires="p14">
+          <p:contentPart p14:bwMode="auto" r:id="rId34">
+            <p14:nvContentPartPr>
+              <p14:cNvPr id="22" name="Ink 21">
+                <a:extLst>
+                  <a:ext uri="{FF2B5EF4-FFF2-40B4-BE49-F238E27FC236}">
+                    <a16:creationId xmlns:a16="http://schemas.microsoft.com/office/drawing/2014/main" id="{9EC2D8D4-6F07-4B46-9A15-2947241D36E8}"/>
+                  </a:ext>
+                </a:extLst>
+              </p14:cNvPr>
+              <p14:cNvContentPartPr/>
+              <p14:nvPr/>
+            </p14:nvContentPartPr>
+            <p14:xfrm>
+              <a:off x="2239489" y="4319539"/>
+              <a:ext cx="133200" cy="83520"/>
+            </p14:xfrm>
+          </p:contentPart>
+        </mc:Choice>
+        <mc:Fallback>
+          <p:pic>
+            <p:nvPicPr>
+              <p:cNvPr id="22" name="Ink 21">
+                <a:extLst>
+                  <a:ext uri="{FF2B5EF4-FFF2-40B4-BE49-F238E27FC236}">
+                    <a16:creationId xmlns:a16="http://schemas.microsoft.com/office/drawing/2014/main" id="{9EC2D8D4-6F07-4B46-9A15-2947241D36E8}"/>
+                  </a:ext>
+                </a:extLst>
+              </p:cNvPr>
+              <p:cNvPicPr/>
+              <p:nvPr/>
+            </p:nvPicPr>
+            <p:blipFill>
+              <a:blip r:embed="rId35"/>
+              <a:stretch>
+                <a:fillRect/>
+              </a:stretch>
+            </p:blipFill>
+            <p:spPr>
+              <a:xfrm>
+                <a:off x="2230489" y="4310539"/>
+                <a:ext cx="150840" cy="101160"/>
+              </a:xfrm>
+              <a:prstGeom prst="rect">
+                <a:avLst/>
+              </a:prstGeom>
+            </p:spPr>
+          </p:pic>
+        </mc:Fallback>
+      </mc:AlternateContent>
+      <p:grpSp>
+        <p:nvGrpSpPr>
+          <p:cNvPr id="41" name="Group 40">
+            <a:extLst>
+              <a:ext uri="{FF2B5EF4-FFF2-40B4-BE49-F238E27FC236}">
+                <a16:creationId xmlns:a16="http://schemas.microsoft.com/office/drawing/2014/main" id="{87B7D2A7-E065-4E1D-9772-2EC86A87717B}"/>
+              </a:ext>
+            </a:extLst>
+          </p:cNvPr>
+          <p:cNvGrpSpPr/>
+          <p:nvPr/>
+        </p:nvGrpSpPr>
+        <p:grpSpPr>
+          <a:xfrm>
+            <a:off x="2698849" y="4191739"/>
+            <a:ext cx="3130560" cy="409680"/>
+            <a:chOff x="2698849" y="4191739"/>
+            <a:chExt cx="3130560" cy="409680"/>
+          </a:xfrm>
+        </p:grpSpPr>
+        <mc:AlternateContent xmlns:mc="http://schemas.openxmlformats.org/markup-compatibility/2006">
+          <mc:Choice xmlns:p14="http://schemas.microsoft.com/office/powerpoint/2010/main" Requires="p14">
+            <p:contentPart p14:bwMode="auto" r:id="rId36">
+              <p14:nvContentPartPr>
+                <p14:cNvPr id="23" name="Ink 22">
+                  <a:extLst>
+                    <a:ext uri="{FF2B5EF4-FFF2-40B4-BE49-F238E27FC236}">
+                      <a16:creationId xmlns:a16="http://schemas.microsoft.com/office/drawing/2014/main" id="{953EA702-AB57-417C-A853-9AF604441783}"/>
+                    </a:ext>
+                  </a:extLst>
+                </p14:cNvPr>
+                <p14:cNvContentPartPr/>
+                <p14:nvPr/>
+              </p14:nvContentPartPr>
+              <p14:xfrm>
+                <a:off x="2698849" y="4191739"/>
+                <a:ext cx="101520" cy="259560"/>
+              </p14:xfrm>
+            </p:contentPart>
+          </mc:Choice>
+          <mc:Fallback>
+            <p:pic>
+              <p:nvPicPr>
+                <p:cNvPr id="23" name="Ink 22">
+                  <a:extLst>
+                    <a:ext uri="{FF2B5EF4-FFF2-40B4-BE49-F238E27FC236}">
+                      <a16:creationId xmlns:a16="http://schemas.microsoft.com/office/drawing/2014/main" id="{953EA702-AB57-417C-A853-9AF604441783}"/>
+                    </a:ext>
+                  </a:extLst>
+                </p:cNvPr>
+                <p:cNvPicPr/>
+                <p:nvPr/>
+              </p:nvPicPr>
+              <p:blipFill>
+                <a:blip r:embed="rId37"/>
+                <a:stretch>
+                  <a:fillRect/>
+                </a:stretch>
+              </p:blipFill>
+              <p:spPr>
+                <a:xfrm>
+                  <a:off x="2690209" y="4183099"/>
+                  <a:ext cx="119160" cy="277200"/>
+                </a:xfrm>
+                <a:prstGeom prst="rect">
+                  <a:avLst/>
+                </a:prstGeom>
+              </p:spPr>
+            </p:pic>
+          </mc:Fallback>
+        </mc:AlternateContent>
+        <mc:AlternateContent xmlns:mc="http://schemas.openxmlformats.org/markup-compatibility/2006">
+          <mc:Choice xmlns:p14="http://schemas.microsoft.com/office/powerpoint/2010/main" Requires="p14">
+            <p:contentPart p14:bwMode="auto" r:id="rId38">
+              <p14:nvContentPartPr>
+                <p14:cNvPr id="24" name="Ink 23">
+                  <a:extLst>
+                    <a:ext uri="{FF2B5EF4-FFF2-40B4-BE49-F238E27FC236}">
+                      <a16:creationId xmlns:a16="http://schemas.microsoft.com/office/drawing/2014/main" id="{34FE566A-EF74-4C90-B3D2-FCE029611CDF}"/>
+                    </a:ext>
+                  </a:extLst>
+                </p14:cNvPr>
+                <p14:cNvContentPartPr/>
+                <p14:nvPr/>
+              </p14:nvContentPartPr>
+              <p14:xfrm>
+                <a:off x="2814769" y="4337539"/>
+                <a:ext cx="77760" cy="84600"/>
+              </p14:xfrm>
+            </p:contentPart>
+          </mc:Choice>
+          <mc:Fallback>
+            <p:pic>
+              <p:nvPicPr>
+                <p:cNvPr id="24" name="Ink 23">
+                  <a:extLst>
+                    <a:ext uri="{FF2B5EF4-FFF2-40B4-BE49-F238E27FC236}">
+                      <a16:creationId xmlns:a16="http://schemas.microsoft.com/office/drawing/2014/main" id="{34FE566A-EF74-4C90-B3D2-FCE029611CDF}"/>
+                    </a:ext>
+                  </a:extLst>
+                </p:cNvPr>
+                <p:cNvPicPr/>
+                <p:nvPr/>
+              </p:nvPicPr>
+              <p:blipFill>
+                <a:blip r:embed="rId39"/>
+                <a:stretch>
+                  <a:fillRect/>
+                </a:stretch>
+              </p:blipFill>
+              <p:spPr>
+                <a:xfrm>
+                  <a:off x="2805769" y="4328899"/>
+                  <a:ext cx="95400" cy="102240"/>
+                </a:xfrm>
+                <a:prstGeom prst="rect">
+                  <a:avLst/>
+                </a:prstGeom>
+              </p:spPr>
+            </p:pic>
+          </mc:Fallback>
+        </mc:AlternateContent>
+        <mc:AlternateContent xmlns:mc="http://schemas.openxmlformats.org/markup-compatibility/2006">
+          <mc:Choice xmlns:p14="http://schemas.microsoft.com/office/powerpoint/2010/main" Requires="p14">
+            <p:contentPart p14:bwMode="auto" r:id="rId40">
+              <p14:nvContentPartPr>
+                <p14:cNvPr id="25" name="Ink 24">
+                  <a:extLst>
+                    <a:ext uri="{FF2B5EF4-FFF2-40B4-BE49-F238E27FC236}">
+                      <a16:creationId xmlns:a16="http://schemas.microsoft.com/office/drawing/2014/main" id="{7999A2CA-3D50-40F0-AEA0-66B1C98616FB}"/>
+                    </a:ext>
+                  </a:extLst>
+                </p14:cNvPr>
+                <p14:cNvContentPartPr/>
+                <p14:nvPr/>
+              </p14:nvContentPartPr>
+              <p14:xfrm>
+                <a:off x="2985049" y="4335019"/>
+                <a:ext cx="63720" cy="97560"/>
+              </p14:xfrm>
+            </p:contentPart>
+          </mc:Choice>
+          <mc:Fallback>
+            <p:pic>
+              <p:nvPicPr>
+                <p:cNvPr id="25" name="Ink 24">
+                  <a:extLst>
+                    <a:ext uri="{FF2B5EF4-FFF2-40B4-BE49-F238E27FC236}">
+                      <a16:creationId xmlns:a16="http://schemas.microsoft.com/office/drawing/2014/main" id="{7999A2CA-3D50-40F0-AEA0-66B1C98616FB}"/>
+                    </a:ext>
+                  </a:extLst>
+                </p:cNvPr>
+                <p:cNvPicPr/>
+                <p:nvPr/>
+              </p:nvPicPr>
+              <p:blipFill>
+                <a:blip r:embed="rId41"/>
+                <a:stretch>
+                  <a:fillRect/>
+                </a:stretch>
+              </p:blipFill>
+              <p:spPr>
+                <a:xfrm>
+                  <a:off x="2976049" y="4326019"/>
+                  <a:ext cx="81360" cy="115200"/>
+                </a:xfrm>
+                <a:prstGeom prst="rect">
+                  <a:avLst/>
+                </a:prstGeom>
+              </p:spPr>
+            </p:pic>
+          </mc:Fallback>
+        </mc:AlternateContent>
+        <mc:AlternateContent xmlns:mc="http://schemas.openxmlformats.org/markup-compatibility/2006">
+          <mc:Choice xmlns:p14="http://schemas.microsoft.com/office/powerpoint/2010/main" Requires="p14">
+            <p:contentPart p14:bwMode="auto" r:id="rId42">
+              <p14:nvContentPartPr>
+                <p14:cNvPr id="26" name="Ink 25">
+                  <a:extLst>
+                    <a:ext uri="{FF2B5EF4-FFF2-40B4-BE49-F238E27FC236}">
+                      <a16:creationId xmlns:a16="http://schemas.microsoft.com/office/drawing/2014/main" id="{3B05C9D1-BD3F-48B8-8DD0-5BEA10CE0274}"/>
+                    </a:ext>
+                  </a:extLst>
+                </p14:cNvPr>
+                <p14:cNvContentPartPr/>
+                <p14:nvPr/>
+              </p14:nvContentPartPr>
+              <p14:xfrm>
+                <a:off x="3109609" y="4323139"/>
+                <a:ext cx="169560" cy="137160"/>
+              </p14:xfrm>
+            </p:contentPart>
+          </mc:Choice>
+          <mc:Fallback>
+            <p:pic>
+              <p:nvPicPr>
+                <p:cNvPr id="26" name="Ink 25">
+                  <a:extLst>
+                    <a:ext uri="{FF2B5EF4-FFF2-40B4-BE49-F238E27FC236}">
+                      <a16:creationId xmlns:a16="http://schemas.microsoft.com/office/drawing/2014/main" id="{3B05C9D1-BD3F-48B8-8DD0-5BEA10CE0274}"/>
+                    </a:ext>
+                  </a:extLst>
+                </p:cNvPr>
+                <p:cNvPicPr/>
+                <p:nvPr/>
+              </p:nvPicPr>
+              <p:blipFill>
+                <a:blip r:embed="rId43"/>
+                <a:stretch>
+                  <a:fillRect/>
+                </a:stretch>
+              </p:blipFill>
+              <p:spPr>
+                <a:xfrm>
+                  <a:off x="3100609" y="4314499"/>
+                  <a:ext cx="187200" cy="154800"/>
+                </a:xfrm>
+                <a:prstGeom prst="rect">
+                  <a:avLst/>
+                </a:prstGeom>
+              </p:spPr>
+            </p:pic>
+          </mc:Fallback>
+        </mc:AlternateContent>
+        <mc:AlternateContent xmlns:mc="http://schemas.openxmlformats.org/markup-compatibility/2006">
+          <mc:Choice xmlns:p14="http://schemas.microsoft.com/office/powerpoint/2010/main" Requires="p14">
+            <p:contentPart p14:bwMode="auto" r:id="rId44">
+              <p14:nvContentPartPr>
+                <p14:cNvPr id="27" name="Ink 26">
+                  <a:extLst>
+                    <a:ext uri="{FF2B5EF4-FFF2-40B4-BE49-F238E27FC236}">
+                      <a16:creationId xmlns:a16="http://schemas.microsoft.com/office/drawing/2014/main" id="{358F0C17-6C06-428C-9186-FAE280B60EC2}"/>
+                    </a:ext>
+                  </a:extLst>
+                </p14:cNvPr>
+                <p14:cNvContentPartPr/>
+                <p14:nvPr/>
+              </p14:nvContentPartPr>
+              <p14:xfrm>
+                <a:off x="3286009" y="4277419"/>
+                <a:ext cx="137160" cy="160560"/>
+              </p14:xfrm>
+            </p:contentPart>
+          </mc:Choice>
+          <mc:Fallback>
+            <p:pic>
+              <p:nvPicPr>
+                <p:cNvPr id="27" name="Ink 26">
+                  <a:extLst>
+                    <a:ext uri="{FF2B5EF4-FFF2-40B4-BE49-F238E27FC236}">
+                      <a16:creationId xmlns:a16="http://schemas.microsoft.com/office/drawing/2014/main" id="{358F0C17-6C06-428C-9186-FAE280B60EC2}"/>
+                    </a:ext>
+                  </a:extLst>
+                </p:cNvPr>
+                <p:cNvPicPr/>
+                <p:nvPr/>
+              </p:nvPicPr>
+              <p:blipFill>
+                <a:blip r:embed="rId45"/>
+                <a:stretch>
+                  <a:fillRect/>
+                </a:stretch>
+              </p:blipFill>
+              <p:spPr>
+                <a:xfrm>
+                  <a:off x="3277009" y="4268779"/>
+                  <a:ext cx="154800" cy="178200"/>
+                </a:xfrm>
+                <a:prstGeom prst="rect">
+                  <a:avLst/>
+                </a:prstGeom>
+              </p:spPr>
+            </p:pic>
+          </mc:Fallback>
+        </mc:AlternateContent>
+        <mc:AlternateContent xmlns:mc="http://schemas.openxmlformats.org/markup-compatibility/2006">
+          <mc:Choice xmlns:p14="http://schemas.microsoft.com/office/powerpoint/2010/main" Requires="p14">
+            <p:contentPart p14:bwMode="auto" r:id="rId46">
+              <p14:nvContentPartPr>
+                <p14:cNvPr id="28" name="Ink 27">
+                  <a:extLst>
+                    <a:ext uri="{FF2B5EF4-FFF2-40B4-BE49-F238E27FC236}">
+                      <a16:creationId xmlns:a16="http://schemas.microsoft.com/office/drawing/2014/main" id="{B455C8C6-724F-4B40-B2E2-556A74C722EE}"/>
+                    </a:ext>
+                  </a:extLst>
+                </p14:cNvPr>
+                <p14:cNvContentPartPr/>
+                <p14:nvPr/>
+              </p14:nvContentPartPr>
+              <p14:xfrm>
+                <a:off x="3448009" y="4382899"/>
+                <a:ext cx="90720" cy="56160"/>
+              </p14:xfrm>
+            </p:contentPart>
+          </mc:Choice>
+          <mc:Fallback>
+            <p:pic>
+              <p:nvPicPr>
+                <p:cNvPr id="28" name="Ink 27">
+                  <a:extLst>
+                    <a:ext uri="{FF2B5EF4-FFF2-40B4-BE49-F238E27FC236}">
+                      <a16:creationId xmlns:a16="http://schemas.microsoft.com/office/drawing/2014/main" id="{B455C8C6-724F-4B40-B2E2-556A74C722EE}"/>
+                    </a:ext>
+                  </a:extLst>
+                </p:cNvPr>
+                <p:cNvPicPr/>
+                <p:nvPr/>
+              </p:nvPicPr>
+              <p:blipFill>
+                <a:blip r:embed="rId47"/>
+                <a:stretch>
+                  <a:fillRect/>
+                </a:stretch>
+              </p:blipFill>
+              <p:spPr>
+                <a:xfrm>
+                  <a:off x="3439369" y="4373899"/>
+                  <a:ext cx="108360" cy="73800"/>
+                </a:xfrm>
+                <a:prstGeom prst="rect">
+                  <a:avLst/>
+                </a:prstGeom>
+              </p:spPr>
+            </p:pic>
+          </mc:Fallback>
+        </mc:AlternateContent>
+        <mc:AlternateContent xmlns:mc="http://schemas.openxmlformats.org/markup-compatibility/2006">
+          <mc:Choice xmlns:p14="http://schemas.microsoft.com/office/powerpoint/2010/main" Requires="p14">
+            <p:contentPart p14:bwMode="auto" r:id="rId48">
+              <p14:nvContentPartPr>
+                <p14:cNvPr id="29" name="Ink 28">
+                  <a:extLst>
+                    <a:ext uri="{FF2B5EF4-FFF2-40B4-BE49-F238E27FC236}">
+                      <a16:creationId xmlns:a16="http://schemas.microsoft.com/office/drawing/2014/main" id="{756A4A58-9173-48E3-96DA-6F43E327DAE9}"/>
+                    </a:ext>
+                  </a:extLst>
+                </p14:cNvPr>
+                <p14:cNvContentPartPr/>
+                <p14:nvPr/>
+              </p14:nvContentPartPr>
+              <p14:xfrm>
+                <a:off x="3620449" y="4305499"/>
+                <a:ext cx="249840" cy="147240"/>
+              </p14:xfrm>
+            </p:contentPart>
+          </mc:Choice>
+          <mc:Fallback>
+            <p:pic>
+              <p:nvPicPr>
+                <p:cNvPr id="29" name="Ink 28">
+                  <a:extLst>
+                    <a:ext uri="{FF2B5EF4-FFF2-40B4-BE49-F238E27FC236}">
+                      <a16:creationId xmlns:a16="http://schemas.microsoft.com/office/drawing/2014/main" id="{756A4A58-9173-48E3-96DA-6F43E327DAE9}"/>
+                    </a:ext>
+                  </a:extLst>
+                </p:cNvPr>
+                <p:cNvPicPr/>
+                <p:nvPr/>
+              </p:nvPicPr>
+              <p:blipFill>
+                <a:blip r:embed="rId49"/>
+                <a:stretch>
+                  <a:fillRect/>
+                </a:stretch>
+              </p:blipFill>
+              <p:spPr>
+                <a:xfrm>
+                  <a:off x="3611809" y="4296499"/>
+                  <a:ext cx="267480" cy="164880"/>
+                </a:xfrm>
+                <a:prstGeom prst="rect">
+                  <a:avLst/>
+                </a:prstGeom>
+              </p:spPr>
+            </p:pic>
+          </mc:Fallback>
+        </mc:AlternateContent>
+        <mc:AlternateContent xmlns:mc="http://schemas.openxmlformats.org/markup-compatibility/2006">
+          <mc:Choice xmlns:p14="http://schemas.microsoft.com/office/powerpoint/2010/main" Requires="p14">
+            <p:contentPart p14:bwMode="auto" r:id="rId50">
+              <p14:nvContentPartPr>
+                <p14:cNvPr id="30" name="Ink 29">
+                  <a:extLst>
+                    <a:ext uri="{FF2B5EF4-FFF2-40B4-BE49-F238E27FC236}">
+                      <a16:creationId xmlns:a16="http://schemas.microsoft.com/office/drawing/2014/main" id="{AB922FEB-5DA5-465E-8F08-43BB847B7033}"/>
+                    </a:ext>
+                  </a:extLst>
+                </p14:cNvPr>
+                <p14:cNvContentPartPr/>
+                <p14:nvPr/>
+              </p14:nvContentPartPr>
+              <p14:xfrm>
+                <a:off x="4029409" y="4243939"/>
+                <a:ext cx="201960" cy="16920"/>
+              </p14:xfrm>
+            </p:contentPart>
+          </mc:Choice>
+          <mc:Fallback>
+            <p:pic>
+              <p:nvPicPr>
+                <p:cNvPr id="30" name="Ink 29">
+                  <a:extLst>
+                    <a:ext uri="{FF2B5EF4-FFF2-40B4-BE49-F238E27FC236}">
+                      <a16:creationId xmlns:a16="http://schemas.microsoft.com/office/drawing/2014/main" id="{AB922FEB-5DA5-465E-8F08-43BB847B7033}"/>
+                    </a:ext>
+                  </a:extLst>
+                </p:cNvPr>
+                <p:cNvPicPr/>
+                <p:nvPr/>
+              </p:nvPicPr>
+              <p:blipFill>
+                <a:blip r:embed="rId51"/>
+                <a:stretch>
+                  <a:fillRect/>
+                </a:stretch>
+              </p:blipFill>
+              <p:spPr>
+                <a:xfrm>
+                  <a:off x="4020409" y="4234939"/>
+                  <a:ext cx="219600" cy="34560"/>
+                </a:xfrm>
+                <a:prstGeom prst="rect">
+                  <a:avLst/>
+                </a:prstGeom>
+              </p:spPr>
+            </p:pic>
+          </mc:Fallback>
+        </mc:AlternateContent>
+        <mc:AlternateContent xmlns:mc="http://schemas.openxmlformats.org/markup-compatibility/2006">
+          <mc:Choice xmlns:p14="http://schemas.microsoft.com/office/powerpoint/2010/main" Requires="p14">
+            <p:contentPart p14:bwMode="auto" r:id="rId52">
+              <p14:nvContentPartPr>
+                <p14:cNvPr id="31" name="Ink 30">
+                  <a:extLst>
+                    <a:ext uri="{FF2B5EF4-FFF2-40B4-BE49-F238E27FC236}">
+                      <a16:creationId xmlns:a16="http://schemas.microsoft.com/office/drawing/2014/main" id="{DF73CF54-30EC-4A13-8746-29A94C016CD6}"/>
+                    </a:ext>
+                  </a:extLst>
+                </p14:cNvPr>
+                <p14:cNvContentPartPr/>
+                <p14:nvPr/>
+              </p14:nvContentPartPr>
+              <p14:xfrm>
+                <a:off x="4115449" y="4231339"/>
+                <a:ext cx="75240" cy="205200"/>
+              </p14:xfrm>
+            </p:contentPart>
+          </mc:Choice>
+          <mc:Fallback>
+            <p:pic>
+              <p:nvPicPr>
+                <p:cNvPr id="31" name="Ink 30">
+                  <a:extLst>
+                    <a:ext uri="{FF2B5EF4-FFF2-40B4-BE49-F238E27FC236}">
+                      <a16:creationId xmlns:a16="http://schemas.microsoft.com/office/drawing/2014/main" id="{DF73CF54-30EC-4A13-8746-29A94C016CD6}"/>
+                    </a:ext>
+                  </a:extLst>
+                </p:cNvPr>
+                <p:cNvPicPr/>
+                <p:nvPr/>
+              </p:nvPicPr>
+              <p:blipFill>
+                <a:blip r:embed="rId53"/>
+                <a:stretch>
+                  <a:fillRect/>
+                </a:stretch>
+              </p:blipFill>
+              <p:spPr>
+                <a:xfrm>
+                  <a:off x="4106809" y="4222699"/>
+                  <a:ext cx="92880" cy="222840"/>
+                </a:xfrm>
+                <a:prstGeom prst="rect">
+                  <a:avLst/>
+                </a:prstGeom>
+              </p:spPr>
+            </p:pic>
+          </mc:Fallback>
+        </mc:AlternateContent>
+        <mc:AlternateContent xmlns:mc="http://schemas.openxmlformats.org/markup-compatibility/2006">
+          <mc:Choice xmlns:p14="http://schemas.microsoft.com/office/powerpoint/2010/main" Requires="p14">
+            <p:contentPart p14:bwMode="auto" r:id="rId54">
+              <p14:nvContentPartPr>
+                <p14:cNvPr id="32" name="Ink 31">
+                  <a:extLst>
+                    <a:ext uri="{FF2B5EF4-FFF2-40B4-BE49-F238E27FC236}">
+                      <a16:creationId xmlns:a16="http://schemas.microsoft.com/office/drawing/2014/main" id="{0579F4D2-EEBE-4F4C-8000-E1746E59BB66}"/>
+                    </a:ext>
+                  </a:extLst>
+                </p14:cNvPr>
+                <p14:cNvContentPartPr/>
+                <p14:nvPr/>
+              </p14:nvContentPartPr>
+              <p14:xfrm>
+                <a:off x="4300489" y="4191739"/>
+                <a:ext cx="146520" cy="273600"/>
+              </p14:xfrm>
+            </p:contentPart>
+          </mc:Choice>
+          <mc:Fallback>
+            <p:pic>
+              <p:nvPicPr>
+                <p:cNvPr id="32" name="Ink 31">
+                  <a:extLst>
+                    <a:ext uri="{FF2B5EF4-FFF2-40B4-BE49-F238E27FC236}">
+                      <a16:creationId xmlns:a16="http://schemas.microsoft.com/office/drawing/2014/main" id="{0579F4D2-EEBE-4F4C-8000-E1746E59BB66}"/>
+                    </a:ext>
+                  </a:extLst>
+                </p:cNvPr>
+                <p:cNvPicPr/>
+                <p:nvPr/>
+              </p:nvPicPr>
+              <p:blipFill>
+                <a:blip r:embed="rId55"/>
+                <a:stretch>
+                  <a:fillRect/>
+                </a:stretch>
+              </p:blipFill>
+              <p:spPr>
+                <a:xfrm>
+                  <a:off x="4291849" y="4183099"/>
+                  <a:ext cx="164160" cy="291240"/>
+                </a:xfrm>
+                <a:prstGeom prst="rect">
+                  <a:avLst/>
+                </a:prstGeom>
+              </p:spPr>
+            </p:pic>
+          </mc:Fallback>
+        </mc:AlternateContent>
+        <mc:AlternateContent xmlns:mc="http://schemas.openxmlformats.org/markup-compatibility/2006">
+          <mc:Choice xmlns:p14="http://schemas.microsoft.com/office/powerpoint/2010/main" Requires="p14">
+            <p:contentPart p14:bwMode="auto" r:id="rId56">
+              <p14:nvContentPartPr>
+                <p14:cNvPr id="33" name="Ink 32">
+                  <a:extLst>
+                    <a:ext uri="{FF2B5EF4-FFF2-40B4-BE49-F238E27FC236}">
+                      <a16:creationId xmlns:a16="http://schemas.microsoft.com/office/drawing/2014/main" id="{A7C2A35C-C8CD-4471-B760-96F249B3D9C4}"/>
+                    </a:ext>
+                  </a:extLst>
+                </p14:cNvPr>
+                <p14:cNvContentPartPr/>
+                <p14:nvPr/>
+              </p14:nvContentPartPr>
+              <p14:xfrm>
+                <a:off x="4546369" y="4401619"/>
+                <a:ext cx="263160" cy="103320"/>
+              </p14:xfrm>
+            </p:contentPart>
+          </mc:Choice>
+          <mc:Fallback>
+            <p:pic>
+              <p:nvPicPr>
+                <p:cNvPr id="33" name="Ink 32">
+                  <a:extLst>
+                    <a:ext uri="{FF2B5EF4-FFF2-40B4-BE49-F238E27FC236}">
+                      <a16:creationId xmlns:a16="http://schemas.microsoft.com/office/drawing/2014/main" id="{A7C2A35C-C8CD-4471-B760-96F249B3D9C4}"/>
+                    </a:ext>
+                  </a:extLst>
+                </p:cNvPr>
+                <p:cNvPicPr/>
+                <p:nvPr/>
+              </p:nvPicPr>
+              <p:blipFill>
+                <a:blip r:embed="rId57"/>
+                <a:stretch>
+                  <a:fillRect/>
+                </a:stretch>
+              </p:blipFill>
+              <p:spPr>
+                <a:xfrm>
+                  <a:off x="4537369" y="4392619"/>
+                  <a:ext cx="280800" cy="120960"/>
+                </a:xfrm>
+                <a:prstGeom prst="rect">
+                  <a:avLst/>
+                </a:prstGeom>
+              </p:spPr>
+            </p:pic>
+          </mc:Fallback>
+        </mc:AlternateContent>
+        <mc:AlternateContent xmlns:mc="http://schemas.openxmlformats.org/markup-compatibility/2006">
+          <mc:Choice xmlns:p14="http://schemas.microsoft.com/office/powerpoint/2010/main" Requires="p14">
+            <p:contentPart p14:bwMode="auto" r:id="rId58">
+              <p14:nvContentPartPr>
+                <p14:cNvPr id="35" name="Ink 34">
+                  <a:extLst>
+                    <a:ext uri="{FF2B5EF4-FFF2-40B4-BE49-F238E27FC236}">
+                      <a16:creationId xmlns:a16="http://schemas.microsoft.com/office/drawing/2014/main" id="{948FA0AC-1391-4F7F-974A-8DB0600BA055}"/>
+                    </a:ext>
+                  </a:extLst>
+                </p14:cNvPr>
+                <p14:cNvContentPartPr/>
+                <p14:nvPr/>
+              </p14:nvContentPartPr>
+              <p14:xfrm>
+                <a:off x="5058289" y="4404139"/>
+                <a:ext cx="122400" cy="109800"/>
+              </p14:xfrm>
+            </p:contentPart>
+          </mc:Choice>
+          <mc:Fallback>
+            <p:pic>
+              <p:nvPicPr>
+                <p:cNvPr id="35" name="Ink 34">
+                  <a:extLst>
+                    <a:ext uri="{FF2B5EF4-FFF2-40B4-BE49-F238E27FC236}">
+                      <a16:creationId xmlns:a16="http://schemas.microsoft.com/office/drawing/2014/main" id="{948FA0AC-1391-4F7F-974A-8DB0600BA055}"/>
+                    </a:ext>
+                  </a:extLst>
+                </p:cNvPr>
+                <p:cNvPicPr/>
+                <p:nvPr/>
+              </p:nvPicPr>
+              <p:blipFill>
+                <a:blip r:embed="rId59"/>
+                <a:stretch>
+                  <a:fillRect/>
+                </a:stretch>
+              </p:blipFill>
+              <p:spPr>
+                <a:xfrm>
+                  <a:off x="5049289" y="4395139"/>
+                  <a:ext cx="140040" cy="127440"/>
+                </a:xfrm>
+                <a:prstGeom prst="rect">
+                  <a:avLst/>
+                </a:prstGeom>
+              </p:spPr>
+            </p:pic>
+          </mc:Fallback>
+        </mc:AlternateContent>
+        <mc:AlternateContent xmlns:mc="http://schemas.openxmlformats.org/markup-compatibility/2006">
+          <mc:Choice xmlns:p14="http://schemas.microsoft.com/office/powerpoint/2010/main" Requires="p14">
+            <p:contentPart p14:bwMode="auto" r:id="rId60">
+              <p14:nvContentPartPr>
+                <p14:cNvPr id="36" name="Ink 35">
+                  <a:extLst>
+                    <a:ext uri="{FF2B5EF4-FFF2-40B4-BE49-F238E27FC236}">
+                      <a16:creationId xmlns:a16="http://schemas.microsoft.com/office/drawing/2014/main" id="{FE31D75B-9444-4F9B-844E-7E41EADB7A51}"/>
+                    </a:ext>
+                  </a:extLst>
+                </p14:cNvPr>
+                <p14:cNvContentPartPr/>
+                <p14:nvPr/>
+              </p14:nvContentPartPr>
+              <p14:xfrm>
+                <a:off x="5232889" y="4311619"/>
+                <a:ext cx="52920" cy="185760"/>
+              </p14:xfrm>
+            </p:contentPart>
+          </mc:Choice>
+          <mc:Fallback>
+            <p:pic>
+              <p:nvPicPr>
+                <p:cNvPr id="36" name="Ink 35">
+                  <a:extLst>
+                    <a:ext uri="{FF2B5EF4-FFF2-40B4-BE49-F238E27FC236}">
+                      <a16:creationId xmlns:a16="http://schemas.microsoft.com/office/drawing/2014/main" id="{FE31D75B-9444-4F9B-844E-7E41EADB7A51}"/>
+                    </a:ext>
+                  </a:extLst>
+                </p:cNvPr>
+                <p:cNvPicPr/>
+                <p:nvPr/>
+              </p:nvPicPr>
+              <p:blipFill>
+                <a:blip r:embed="rId61"/>
+                <a:stretch>
+                  <a:fillRect/>
+                </a:stretch>
+              </p:blipFill>
+              <p:spPr>
+                <a:xfrm>
+                  <a:off x="5223889" y="4302979"/>
+                  <a:ext cx="70560" cy="203400"/>
+                </a:xfrm>
+                <a:prstGeom prst="rect">
+                  <a:avLst/>
+                </a:prstGeom>
+              </p:spPr>
+            </p:pic>
+          </mc:Fallback>
+        </mc:AlternateContent>
+        <mc:AlternateContent xmlns:mc="http://schemas.openxmlformats.org/markup-compatibility/2006">
+          <mc:Choice xmlns:p14="http://schemas.microsoft.com/office/powerpoint/2010/main" Requires="p14">
+            <p:contentPart p14:bwMode="auto" r:id="rId62">
+              <p14:nvContentPartPr>
+                <p14:cNvPr id="37" name="Ink 36">
+                  <a:extLst>
+                    <a:ext uri="{FF2B5EF4-FFF2-40B4-BE49-F238E27FC236}">
+                      <a16:creationId xmlns:a16="http://schemas.microsoft.com/office/drawing/2014/main" id="{381156ED-8CF1-48DF-B67A-82DA058C5AE9}"/>
+                    </a:ext>
+                  </a:extLst>
+                </p14:cNvPr>
+                <p14:cNvContentPartPr/>
+                <p14:nvPr/>
+              </p14:nvContentPartPr>
+              <p14:xfrm>
+                <a:off x="5355289" y="4418899"/>
+                <a:ext cx="92160" cy="182520"/>
+              </p14:xfrm>
+            </p:contentPart>
+          </mc:Choice>
+          <mc:Fallback>
+            <p:pic>
+              <p:nvPicPr>
+                <p:cNvPr id="37" name="Ink 36">
+                  <a:extLst>
+                    <a:ext uri="{FF2B5EF4-FFF2-40B4-BE49-F238E27FC236}">
+                      <a16:creationId xmlns:a16="http://schemas.microsoft.com/office/drawing/2014/main" id="{381156ED-8CF1-48DF-B67A-82DA058C5AE9}"/>
+                    </a:ext>
+                  </a:extLst>
+                </p:cNvPr>
+                <p:cNvPicPr/>
+                <p:nvPr/>
+              </p:nvPicPr>
+              <p:blipFill>
+                <a:blip r:embed="rId63"/>
+                <a:stretch>
+                  <a:fillRect/>
+                </a:stretch>
+              </p:blipFill>
+              <p:spPr>
+                <a:xfrm>
+                  <a:off x="5346649" y="4409899"/>
+                  <a:ext cx="109800" cy="200160"/>
+                </a:xfrm>
+                <a:prstGeom prst="rect">
+                  <a:avLst/>
+                </a:prstGeom>
+              </p:spPr>
+            </p:pic>
+          </mc:Fallback>
+        </mc:AlternateContent>
+        <mc:AlternateContent xmlns:mc="http://schemas.openxmlformats.org/markup-compatibility/2006">
+          <mc:Choice xmlns:p14="http://schemas.microsoft.com/office/powerpoint/2010/main" Requires="p14">
+            <p:contentPart p14:bwMode="auto" r:id="rId64">
+              <p14:nvContentPartPr>
+                <p14:cNvPr id="38" name="Ink 37">
+                  <a:extLst>
+                    <a:ext uri="{FF2B5EF4-FFF2-40B4-BE49-F238E27FC236}">
+                      <a16:creationId xmlns:a16="http://schemas.microsoft.com/office/drawing/2014/main" id="{6EDEBBCC-6148-48B3-8B30-89D594DD8F11}"/>
+                    </a:ext>
+                  </a:extLst>
+                </p14:cNvPr>
+                <p14:cNvContentPartPr/>
+                <p14:nvPr/>
+              </p14:nvContentPartPr>
+              <p14:xfrm>
+                <a:off x="5534929" y="4314139"/>
+                <a:ext cx="83520" cy="182520"/>
+              </p14:xfrm>
+            </p:contentPart>
+          </mc:Choice>
+          <mc:Fallback>
+            <p:pic>
+              <p:nvPicPr>
+                <p:cNvPr id="38" name="Ink 37">
+                  <a:extLst>
+                    <a:ext uri="{FF2B5EF4-FFF2-40B4-BE49-F238E27FC236}">
+                      <a16:creationId xmlns:a16="http://schemas.microsoft.com/office/drawing/2014/main" id="{6EDEBBCC-6148-48B3-8B30-89D594DD8F11}"/>
+                    </a:ext>
+                  </a:extLst>
+                </p:cNvPr>
+                <p:cNvPicPr/>
+                <p:nvPr/>
+              </p:nvPicPr>
+              <p:blipFill>
+                <a:blip r:embed="rId65"/>
+                <a:stretch>
+                  <a:fillRect/>
+                </a:stretch>
+              </p:blipFill>
+              <p:spPr>
+                <a:xfrm>
+                  <a:off x="5525929" y="4305499"/>
+                  <a:ext cx="101160" cy="200160"/>
+                </a:xfrm>
+                <a:prstGeom prst="rect">
+                  <a:avLst/>
+                </a:prstGeom>
+              </p:spPr>
+            </p:pic>
+          </mc:Fallback>
+        </mc:AlternateContent>
+        <mc:AlternateContent xmlns:mc="http://schemas.openxmlformats.org/markup-compatibility/2006">
+          <mc:Choice xmlns:p14="http://schemas.microsoft.com/office/powerpoint/2010/main" Requires="p14">
+            <p:contentPart p14:bwMode="auto" r:id="rId66">
+              <p14:nvContentPartPr>
+                <p14:cNvPr id="39" name="Ink 38">
+                  <a:extLst>
+                    <a:ext uri="{FF2B5EF4-FFF2-40B4-BE49-F238E27FC236}">
+                      <a16:creationId xmlns:a16="http://schemas.microsoft.com/office/drawing/2014/main" id="{3CDBC25C-E3BE-4A08-9B3F-2E9357E24CDD}"/>
+                    </a:ext>
+                  </a:extLst>
+                </p14:cNvPr>
+                <p14:cNvContentPartPr/>
+                <p14:nvPr/>
+              </p14:nvContentPartPr>
+              <p14:xfrm>
+                <a:off x="5740489" y="4329619"/>
+                <a:ext cx="6120" cy="169560"/>
+              </p14:xfrm>
+            </p:contentPart>
+          </mc:Choice>
+          <mc:Fallback>
+            <p:pic>
+              <p:nvPicPr>
+                <p:cNvPr id="39" name="Ink 38">
+                  <a:extLst>
+                    <a:ext uri="{FF2B5EF4-FFF2-40B4-BE49-F238E27FC236}">
+                      <a16:creationId xmlns:a16="http://schemas.microsoft.com/office/drawing/2014/main" id="{3CDBC25C-E3BE-4A08-9B3F-2E9357E24CDD}"/>
+                    </a:ext>
+                  </a:extLst>
+                </p:cNvPr>
+                <p:cNvPicPr/>
+                <p:nvPr/>
+              </p:nvPicPr>
+              <p:blipFill>
+                <a:blip r:embed="rId67"/>
+                <a:stretch>
+                  <a:fillRect/>
+                </a:stretch>
+              </p:blipFill>
+              <p:spPr>
+                <a:xfrm>
+                  <a:off x="5731849" y="4320979"/>
+                  <a:ext cx="23760" cy="187200"/>
+                </a:xfrm>
+                <a:prstGeom prst="rect">
+                  <a:avLst/>
+                </a:prstGeom>
+              </p:spPr>
+            </p:pic>
+          </mc:Fallback>
+        </mc:AlternateContent>
+        <mc:AlternateContent xmlns:mc="http://schemas.openxmlformats.org/markup-compatibility/2006">
+          <mc:Choice xmlns:p14="http://schemas.microsoft.com/office/powerpoint/2010/main" Requires="p14">
+            <p:contentPart p14:bwMode="auto" r:id="rId68">
+              <p14:nvContentPartPr>
+                <p14:cNvPr id="40" name="Ink 39">
+                  <a:extLst>
+                    <a:ext uri="{FF2B5EF4-FFF2-40B4-BE49-F238E27FC236}">
+                      <a16:creationId xmlns:a16="http://schemas.microsoft.com/office/drawing/2014/main" id="{425A04B3-9817-4ECF-9839-8179B93287A4}"/>
+                    </a:ext>
+                  </a:extLst>
+                </p14:cNvPr>
+                <p14:cNvContentPartPr/>
+                <p14:nvPr/>
+              </p14:nvContentPartPr>
+              <p14:xfrm>
+                <a:off x="5676769" y="4376419"/>
+                <a:ext cx="152640" cy="16200"/>
+              </p14:xfrm>
+            </p:contentPart>
+          </mc:Choice>
+          <mc:Fallback>
+            <p:pic>
+              <p:nvPicPr>
+                <p:cNvPr id="40" name="Ink 39">
+                  <a:extLst>
+                    <a:ext uri="{FF2B5EF4-FFF2-40B4-BE49-F238E27FC236}">
+                      <a16:creationId xmlns:a16="http://schemas.microsoft.com/office/drawing/2014/main" id="{425A04B3-9817-4ECF-9839-8179B93287A4}"/>
+                    </a:ext>
+                  </a:extLst>
+                </p:cNvPr>
+                <p:cNvPicPr/>
+                <p:nvPr/>
+              </p:nvPicPr>
+              <p:blipFill>
+                <a:blip r:embed="rId69"/>
+                <a:stretch>
+                  <a:fillRect/>
+                </a:stretch>
+              </p:blipFill>
+              <p:spPr>
+                <a:xfrm>
+                  <a:off x="5668129" y="4367779"/>
+                  <a:ext cx="170280" cy="33840"/>
+                </a:xfrm>
+                <a:prstGeom prst="rect">
+                  <a:avLst/>
+                </a:prstGeom>
+              </p:spPr>
+            </p:pic>
+          </mc:Fallback>
+        </mc:AlternateContent>
+      </p:grpSp>
+      <p:grpSp>
+        <p:nvGrpSpPr>
+          <p:cNvPr id="49" name="Group 48">
+            <a:extLst>
+              <a:ext uri="{FF2B5EF4-FFF2-40B4-BE49-F238E27FC236}">
+                <a16:creationId xmlns:a16="http://schemas.microsoft.com/office/drawing/2014/main" id="{7ACC8333-BE20-4769-BA70-9366EA0C5F2B}"/>
+              </a:ext>
+            </a:extLst>
+          </p:cNvPr>
+          <p:cNvGrpSpPr/>
+          <p:nvPr/>
+        </p:nvGrpSpPr>
+        <p:grpSpPr>
+          <a:xfrm>
+            <a:off x="6117769" y="4159339"/>
+            <a:ext cx="1433160" cy="390960"/>
+            <a:chOff x="6117769" y="4159339"/>
+            <a:chExt cx="1433160" cy="390960"/>
+          </a:xfrm>
+        </p:grpSpPr>
+        <mc:AlternateContent xmlns:mc="http://schemas.openxmlformats.org/markup-compatibility/2006">
+          <mc:Choice xmlns:p14="http://schemas.microsoft.com/office/powerpoint/2010/main" Requires="p14">
+            <p:contentPart p14:bwMode="auto" r:id="rId70">
+              <p14:nvContentPartPr>
+                <p14:cNvPr id="42" name="Ink 41">
+                  <a:extLst>
+                    <a:ext uri="{FF2B5EF4-FFF2-40B4-BE49-F238E27FC236}">
+                      <a16:creationId xmlns:a16="http://schemas.microsoft.com/office/drawing/2014/main" id="{517A036F-3C04-45DC-BEA5-CCEB28380589}"/>
+                    </a:ext>
+                  </a:extLst>
+                </p14:cNvPr>
+                <p14:cNvContentPartPr/>
+                <p14:nvPr/>
+              </p14:nvContentPartPr>
+              <p14:xfrm>
+                <a:off x="6117769" y="4348339"/>
+                <a:ext cx="178560" cy="79200"/>
+              </p14:xfrm>
+            </p:contentPart>
+          </mc:Choice>
+          <mc:Fallback>
+            <p:pic>
+              <p:nvPicPr>
+                <p:cNvPr id="42" name="Ink 41">
+                  <a:extLst>
+                    <a:ext uri="{FF2B5EF4-FFF2-40B4-BE49-F238E27FC236}">
+                      <a16:creationId xmlns:a16="http://schemas.microsoft.com/office/drawing/2014/main" id="{517A036F-3C04-45DC-BEA5-CCEB28380589}"/>
+                    </a:ext>
+                  </a:extLst>
+                </p:cNvPr>
+                <p:cNvPicPr/>
+                <p:nvPr/>
+              </p:nvPicPr>
+              <p:blipFill>
+                <a:blip r:embed="rId71"/>
+                <a:stretch>
+                  <a:fillRect/>
+                </a:stretch>
+              </p:blipFill>
+              <p:spPr>
+                <a:xfrm>
+                  <a:off x="6109129" y="4339339"/>
+                  <a:ext cx="196200" cy="96840"/>
+                </a:xfrm>
+                <a:prstGeom prst="rect">
+                  <a:avLst/>
+                </a:prstGeom>
+              </p:spPr>
+            </p:pic>
+          </mc:Fallback>
+        </mc:AlternateContent>
+        <mc:AlternateContent xmlns:mc="http://schemas.openxmlformats.org/markup-compatibility/2006">
+          <mc:Choice xmlns:p14="http://schemas.microsoft.com/office/powerpoint/2010/main" Requires="p14">
+            <p:contentPart p14:bwMode="auto" r:id="rId72">
+              <p14:nvContentPartPr>
+                <p14:cNvPr id="43" name="Ink 42">
+                  <a:extLst>
+                    <a:ext uri="{FF2B5EF4-FFF2-40B4-BE49-F238E27FC236}">
+                      <a16:creationId xmlns:a16="http://schemas.microsoft.com/office/drawing/2014/main" id="{AD962607-A217-4AC5-AE2A-C89BB5D030A2}"/>
+                    </a:ext>
+                  </a:extLst>
+                </p14:cNvPr>
+                <p14:cNvContentPartPr/>
+                <p14:nvPr/>
+              </p14:nvContentPartPr>
+              <p14:xfrm>
+                <a:off x="6499369" y="4299739"/>
+                <a:ext cx="200520" cy="250560"/>
+              </p14:xfrm>
+            </p:contentPart>
+          </mc:Choice>
+          <mc:Fallback>
+            <p:pic>
+              <p:nvPicPr>
+                <p:cNvPr id="43" name="Ink 42">
+                  <a:extLst>
+                    <a:ext uri="{FF2B5EF4-FFF2-40B4-BE49-F238E27FC236}">
+                      <a16:creationId xmlns:a16="http://schemas.microsoft.com/office/drawing/2014/main" id="{AD962607-A217-4AC5-AE2A-C89BB5D030A2}"/>
+                    </a:ext>
+                  </a:extLst>
+                </p:cNvPr>
+                <p:cNvPicPr/>
+                <p:nvPr/>
+              </p:nvPicPr>
+              <p:blipFill>
+                <a:blip r:embed="rId73"/>
+                <a:stretch>
+                  <a:fillRect/>
+                </a:stretch>
+              </p:blipFill>
+              <p:spPr>
+                <a:xfrm>
+                  <a:off x="6490369" y="4291099"/>
+                  <a:ext cx="218160" cy="268200"/>
+                </a:xfrm>
+                <a:prstGeom prst="rect">
+                  <a:avLst/>
+                </a:prstGeom>
+              </p:spPr>
+            </p:pic>
+          </mc:Fallback>
+        </mc:AlternateContent>
+        <mc:AlternateContent xmlns:mc="http://schemas.openxmlformats.org/markup-compatibility/2006">
+          <mc:Choice xmlns:p14="http://schemas.microsoft.com/office/powerpoint/2010/main" Requires="p14">
+            <p:contentPart p14:bwMode="auto" r:id="rId74">
+              <p14:nvContentPartPr>
+                <p14:cNvPr id="44" name="Ink 43">
+                  <a:extLst>
+                    <a:ext uri="{FF2B5EF4-FFF2-40B4-BE49-F238E27FC236}">
+                      <a16:creationId xmlns:a16="http://schemas.microsoft.com/office/drawing/2014/main" id="{5C6D392E-A2B1-4D41-A3A6-E780D0C46847}"/>
+                    </a:ext>
+                  </a:extLst>
+                </p14:cNvPr>
+                <p14:cNvContentPartPr/>
+                <p14:nvPr/>
+              </p14:nvContentPartPr>
+              <p14:xfrm>
+                <a:off x="6763969" y="4159339"/>
+                <a:ext cx="72000" cy="240840"/>
+              </p14:xfrm>
+            </p:contentPart>
+          </mc:Choice>
+          <mc:Fallback>
+            <p:pic>
+              <p:nvPicPr>
+                <p:cNvPr id="44" name="Ink 43">
+                  <a:extLst>
+                    <a:ext uri="{FF2B5EF4-FFF2-40B4-BE49-F238E27FC236}">
+                      <a16:creationId xmlns:a16="http://schemas.microsoft.com/office/drawing/2014/main" id="{5C6D392E-A2B1-4D41-A3A6-E780D0C46847}"/>
+                    </a:ext>
+                  </a:extLst>
+                </p:cNvPr>
+                <p:cNvPicPr/>
+                <p:nvPr/>
+              </p:nvPicPr>
+              <p:blipFill>
+                <a:blip r:embed="rId75"/>
+                <a:stretch>
+                  <a:fillRect/>
+                </a:stretch>
+              </p:blipFill>
+              <p:spPr>
+                <a:xfrm>
+                  <a:off x="6754969" y="4150339"/>
+                  <a:ext cx="89640" cy="258480"/>
+                </a:xfrm>
+                <a:prstGeom prst="rect">
+                  <a:avLst/>
+                </a:prstGeom>
+              </p:spPr>
+            </p:pic>
+          </mc:Fallback>
+        </mc:AlternateContent>
+        <mc:AlternateContent xmlns:mc="http://schemas.openxmlformats.org/markup-compatibility/2006">
+          <mc:Choice xmlns:p14="http://schemas.microsoft.com/office/powerpoint/2010/main" Requires="p14">
+            <p:contentPart p14:bwMode="auto" r:id="rId76">
+              <p14:nvContentPartPr>
+                <p14:cNvPr id="45" name="Ink 44">
+                  <a:extLst>
+                    <a:ext uri="{FF2B5EF4-FFF2-40B4-BE49-F238E27FC236}">
+                      <a16:creationId xmlns:a16="http://schemas.microsoft.com/office/drawing/2014/main" id="{C228E964-6A75-4612-9F65-1237729E03BD}"/>
+                    </a:ext>
+                  </a:extLst>
+                </p14:cNvPr>
+                <p14:cNvContentPartPr/>
+                <p14:nvPr/>
+              </p14:nvContentPartPr>
+              <p14:xfrm>
+                <a:off x="6905809" y="4331419"/>
+                <a:ext cx="113400" cy="127800"/>
+              </p14:xfrm>
+            </p:contentPart>
+          </mc:Choice>
+          <mc:Fallback>
+            <p:pic>
+              <p:nvPicPr>
+                <p:cNvPr id="45" name="Ink 44">
+                  <a:extLst>
+                    <a:ext uri="{FF2B5EF4-FFF2-40B4-BE49-F238E27FC236}">
+                      <a16:creationId xmlns:a16="http://schemas.microsoft.com/office/drawing/2014/main" id="{C228E964-6A75-4612-9F65-1237729E03BD}"/>
+                    </a:ext>
+                  </a:extLst>
+                </p:cNvPr>
+                <p:cNvPicPr/>
+                <p:nvPr/>
+              </p:nvPicPr>
+              <p:blipFill>
+                <a:blip r:embed="rId77"/>
+                <a:stretch>
+                  <a:fillRect/>
+                </a:stretch>
+              </p:blipFill>
+              <p:spPr>
+                <a:xfrm>
+                  <a:off x="6896809" y="4322779"/>
+                  <a:ext cx="131040" cy="145440"/>
+                </a:xfrm>
+                <a:prstGeom prst="rect">
+                  <a:avLst/>
+                </a:prstGeom>
+              </p:spPr>
+            </p:pic>
+          </mc:Fallback>
+        </mc:AlternateContent>
+        <mc:AlternateContent xmlns:mc="http://schemas.openxmlformats.org/markup-compatibility/2006">
+          <mc:Choice xmlns:p14="http://schemas.microsoft.com/office/powerpoint/2010/main" Requires="p14">
+            <p:contentPart p14:bwMode="auto" r:id="rId78">
+              <p14:nvContentPartPr>
+                <p14:cNvPr id="46" name="Ink 45">
+                  <a:extLst>
+                    <a:ext uri="{FF2B5EF4-FFF2-40B4-BE49-F238E27FC236}">
+                      <a16:creationId xmlns:a16="http://schemas.microsoft.com/office/drawing/2014/main" id="{A5A444E4-15AD-4820-967B-23A4CEDFAFCE}"/>
+                    </a:ext>
+                  </a:extLst>
+                </p14:cNvPr>
+                <p14:cNvContentPartPr/>
+                <p14:nvPr/>
+              </p14:nvContentPartPr>
+              <p14:xfrm>
+                <a:off x="7078249" y="4304059"/>
+                <a:ext cx="141120" cy="146520"/>
+              </p14:xfrm>
+            </p:contentPart>
+          </mc:Choice>
+          <mc:Fallback>
+            <p:pic>
+              <p:nvPicPr>
+                <p:cNvPr id="46" name="Ink 45">
+                  <a:extLst>
+                    <a:ext uri="{FF2B5EF4-FFF2-40B4-BE49-F238E27FC236}">
+                      <a16:creationId xmlns:a16="http://schemas.microsoft.com/office/drawing/2014/main" id="{A5A444E4-15AD-4820-967B-23A4CEDFAFCE}"/>
+                    </a:ext>
+                  </a:extLst>
+                </p:cNvPr>
+                <p:cNvPicPr/>
+                <p:nvPr/>
+              </p:nvPicPr>
+              <p:blipFill>
+                <a:blip r:embed="rId79"/>
+                <a:stretch>
+                  <a:fillRect/>
+                </a:stretch>
+              </p:blipFill>
+              <p:spPr>
+                <a:xfrm>
+                  <a:off x="7069249" y="4295419"/>
+                  <a:ext cx="158760" cy="164160"/>
+                </a:xfrm>
+                <a:prstGeom prst="rect">
+                  <a:avLst/>
+                </a:prstGeom>
+              </p:spPr>
+            </p:pic>
+          </mc:Fallback>
+        </mc:AlternateContent>
+        <mc:AlternateContent xmlns:mc="http://schemas.openxmlformats.org/markup-compatibility/2006">
+          <mc:Choice xmlns:p14="http://schemas.microsoft.com/office/powerpoint/2010/main" Requires="p14">
+            <p:contentPart p14:bwMode="auto" r:id="rId80">
+              <p14:nvContentPartPr>
+                <p14:cNvPr id="47" name="Ink 46">
+                  <a:extLst>
+                    <a:ext uri="{FF2B5EF4-FFF2-40B4-BE49-F238E27FC236}">
+                      <a16:creationId xmlns:a16="http://schemas.microsoft.com/office/drawing/2014/main" id="{899A56CD-8B32-4453-AC82-6ADEF63B5C0F}"/>
+                    </a:ext>
+                  </a:extLst>
+                </p14:cNvPr>
+                <p14:cNvContentPartPr/>
+                <p14:nvPr/>
+              </p14:nvContentPartPr>
+              <p14:xfrm>
+                <a:off x="7275529" y="4294339"/>
+                <a:ext cx="114840" cy="109440"/>
+              </p14:xfrm>
+            </p:contentPart>
+          </mc:Choice>
+          <mc:Fallback>
+            <p:pic>
+              <p:nvPicPr>
+                <p:cNvPr id="47" name="Ink 46">
+                  <a:extLst>
+                    <a:ext uri="{FF2B5EF4-FFF2-40B4-BE49-F238E27FC236}">
+                      <a16:creationId xmlns:a16="http://schemas.microsoft.com/office/drawing/2014/main" id="{899A56CD-8B32-4453-AC82-6ADEF63B5C0F}"/>
+                    </a:ext>
+                  </a:extLst>
+                </p:cNvPr>
+                <p:cNvPicPr/>
+                <p:nvPr/>
+              </p:nvPicPr>
+              <p:blipFill>
+                <a:blip r:embed="rId81"/>
+                <a:stretch>
+                  <a:fillRect/>
+                </a:stretch>
+              </p:blipFill>
+              <p:spPr>
+                <a:xfrm>
+                  <a:off x="7266889" y="4285699"/>
+                  <a:ext cx="132480" cy="127080"/>
+                </a:xfrm>
+                <a:prstGeom prst="rect">
+                  <a:avLst/>
+                </a:prstGeom>
+              </p:spPr>
+            </p:pic>
+          </mc:Fallback>
+        </mc:AlternateContent>
+        <mc:AlternateContent xmlns:mc="http://schemas.openxmlformats.org/markup-compatibility/2006">
+          <mc:Choice xmlns:p14="http://schemas.microsoft.com/office/powerpoint/2010/main" Requires="p14">
+            <p:contentPart p14:bwMode="auto" r:id="rId82">
+              <p14:nvContentPartPr>
+                <p14:cNvPr id="48" name="Ink 47">
+                  <a:extLst>
+                    <a:ext uri="{FF2B5EF4-FFF2-40B4-BE49-F238E27FC236}">
+                      <a16:creationId xmlns:a16="http://schemas.microsoft.com/office/drawing/2014/main" id="{0ADA8668-9238-4DC2-8ED5-EDB812F3F68C}"/>
+                    </a:ext>
+                  </a:extLst>
+                </p14:cNvPr>
+                <p14:cNvContentPartPr/>
+                <p14:nvPr/>
+              </p14:nvContentPartPr>
+              <p14:xfrm>
+                <a:off x="7442209" y="4280299"/>
+                <a:ext cx="108720" cy="191520"/>
+              </p14:xfrm>
+            </p:contentPart>
+          </mc:Choice>
+          <mc:Fallback>
+            <p:pic>
+              <p:nvPicPr>
+                <p:cNvPr id="48" name="Ink 47">
+                  <a:extLst>
+                    <a:ext uri="{FF2B5EF4-FFF2-40B4-BE49-F238E27FC236}">
+                      <a16:creationId xmlns:a16="http://schemas.microsoft.com/office/drawing/2014/main" id="{0ADA8668-9238-4DC2-8ED5-EDB812F3F68C}"/>
+                    </a:ext>
+                  </a:extLst>
+                </p:cNvPr>
+                <p:cNvPicPr/>
+                <p:nvPr/>
+              </p:nvPicPr>
+              <p:blipFill>
+                <a:blip r:embed="rId83"/>
+                <a:stretch>
+                  <a:fillRect/>
+                </a:stretch>
+              </p:blipFill>
+              <p:spPr>
+                <a:xfrm>
+                  <a:off x="7433569" y="4271299"/>
+                  <a:ext cx="126360" cy="209160"/>
+                </a:xfrm>
+                <a:prstGeom prst="rect">
+                  <a:avLst/>
+                </a:prstGeom>
+              </p:spPr>
+            </p:pic>
+          </mc:Fallback>
+        </mc:AlternateContent>
+      </p:grpSp>
     </p:spTree>
     <p:extLst>
       <p:ext uri="{BB962C8B-B14F-4D97-AF65-F5344CB8AC3E}">
